--- a/trunk/docs/CryptoViz.pptx
+++ b/trunk/docs/CryptoViz.pptx
@@ -2,13 +2,14 @@
 <file path=ppt/presentation.xml><?xml version="1.0" encoding="utf-8"?>
 <p:presentation xmlns:a="http://schemas.openxmlformats.org/drawingml/2006/main" xmlns:r="http://schemas.openxmlformats.org/officeDocument/2006/relationships" xmlns:p="http://schemas.openxmlformats.org/presentationml/2006/main" saveSubsetFonts="1">
   <p:sldMasterIdLst>
-    <p:sldMasterId id="2147483732" r:id="rId1"/>
+    <p:sldMasterId id="2147483768" r:id="rId1"/>
   </p:sldMasterIdLst>
   <p:sldIdLst>
     <p:sldId id="256" r:id="rId2"/>
     <p:sldId id="257" r:id="rId3"/>
     <p:sldId id="258" r:id="rId4"/>
-    <p:sldId id="259" r:id="rId5"/>
+    <p:sldId id="260" r:id="rId5"/>
+    <p:sldId id="259" r:id="rId6"/>
   </p:sldIdLst>
   <p:sldSz cx="9144000" cy="6858000" type="screen4x3"/>
   <p:notesSz cx="6858000" cy="9144000"/>
@@ -113,6 +114,11 @@
 <file path=ppt/slideLayouts/slideLayout1.xml><?xml version="1.0" encoding="utf-8"?>
 <p:sldLayout xmlns:a="http://schemas.openxmlformats.org/drawingml/2006/main" xmlns:r="http://schemas.openxmlformats.org/officeDocument/2006/relationships" xmlns:p="http://schemas.openxmlformats.org/presentationml/2006/main" showMasterSp="0" type="title" preserve="1">
   <p:cSld name="Title Slide">
+    <p:bg>
+      <p:bgRef idx="1002">
+        <a:schemeClr val="bg2"/>
+      </p:bgRef>
+    </p:bg>
     <p:spTree>
       <p:nvGrpSpPr>
         <p:cNvPr id="1" name=""/>
@@ -129,219 +135,34 @@
       </p:grpSpPr>
       <p:sp>
         <p:nvSpPr>
-          <p:cNvPr id="8" name="Title 7"/>
-          <p:cNvSpPr>
-            <a:spLocks noGrp="1"/>
-          </p:cNvSpPr>
-          <p:nvPr>
-            <p:ph type="ctrTitle"/>
-          </p:nvPr>
-        </p:nvSpPr>
-        <p:spPr>
-          <a:xfrm>
-            <a:off x="1219200" y="3886200"/>
-            <a:ext cx="6858000" cy="990600"/>
-          </a:xfrm>
-        </p:spPr>
-        <p:txBody>
-          <a:bodyPr anchor="t" anchorCtr="0"/>
-          <a:lstStyle>
-            <a:lvl1pPr algn="r">
-              <a:defRPr sz="3200">
-                <a:solidFill>
-                  <a:schemeClr val="tx1"/>
-                </a:solidFill>
-              </a:defRPr>
-            </a:lvl1pPr>
-          </a:lstStyle>
-          <a:p>
-            <a:r>
-              <a:rPr kumimoji="0" lang="en-US" smtClean="0"/>
-              <a:t>Click to edit Master title style</a:t>
-            </a:r>
-            <a:endParaRPr kumimoji="0" lang="en-US"/>
-          </a:p>
-        </p:txBody>
-      </p:sp>
-      <p:sp>
-        <p:nvSpPr>
-          <p:cNvPr id="9" name="Subtitle 8"/>
-          <p:cNvSpPr>
-            <a:spLocks noGrp="1"/>
-          </p:cNvSpPr>
-          <p:nvPr>
-            <p:ph type="subTitle" idx="1"/>
-          </p:nvPr>
-        </p:nvSpPr>
-        <p:spPr>
-          <a:xfrm>
-            <a:off x="1219200" y="5124450"/>
-            <a:ext cx="6858000" cy="533400"/>
-          </a:xfrm>
-        </p:spPr>
-        <p:txBody>
-          <a:bodyPr/>
-          <a:lstStyle>
-            <a:lvl1pPr marL="0" indent="0" algn="r">
-              <a:buNone/>
-              <a:defRPr sz="2000">
-                <a:solidFill>
-                  <a:schemeClr val="tx2"/>
-                </a:solidFill>
-                <a:latin typeface="+mj-lt"/>
-                <a:ea typeface="+mj-ea"/>
-                <a:cs typeface="+mj-cs"/>
-              </a:defRPr>
-            </a:lvl1pPr>
-            <a:lvl2pPr marL="457200" indent="0" algn="ctr">
-              <a:buNone/>
-            </a:lvl2pPr>
-            <a:lvl3pPr marL="914400" indent="0" algn="ctr">
-              <a:buNone/>
-            </a:lvl3pPr>
-            <a:lvl4pPr marL="1371600" indent="0" algn="ctr">
-              <a:buNone/>
-            </a:lvl4pPr>
-            <a:lvl5pPr marL="1828800" indent="0" algn="ctr">
-              <a:buNone/>
-            </a:lvl5pPr>
-            <a:lvl6pPr marL="2286000" indent="0" algn="ctr">
-              <a:buNone/>
-            </a:lvl6pPr>
-            <a:lvl7pPr marL="2743200" indent="0" algn="ctr">
-              <a:buNone/>
-            </a:lvl7pPr>
-            <a:lvl8pPr marL="3200400" indent="0" algn="ctr">
-              <a:buNone/>
-            </a:lvl8pPr>
-            <a:lvl9pPr marL="3657600" indent="0" algn="ctr">
-              <a:buNone/>
-            </a:lvl9pPr>
-          </a:lstStyle>
-          <a:p>
-            <a:r>
-              <a:rPr kumimoji="0" lang="en-US" smtClean="0"/>
-              <a:t>Click to edit Master subtitle style</a:t>
-            </a:r>
-            <a:endParaRPr kumimoji="0" lang="en-US"/>
-          </a:p>
-        </p:txBody>
-      </p:sp>
-      <p:sp>
-        <p:nvSpPr>
-          <p:cNvPr id="28" name="Date Placeholder 27"/>
-          <p:cNvSpPr>
-            <a:spLocks noGrp="1"/>
-          </p:cNvSpPr>
-          <p:nvPr>
-            <p:ph type="dt" sz="half" idx="10"/>
-          </p:nvPr>
-        </p:nvSpPr>
-        <p:spPr>
-          <a:xfrm>
-            <a:off x="6400800" y="6355080"/>
-            <a:ext cx="2286000" cy="365760"/>
-          </a:xfrm>
-        </p:spPr>
-        <p:txBody>
-          <a:bodyPr/>
-          <a:lstStyle>
-            <a:lvl1pPr>
-              <a:defRPr sz="1400"/>
-            </a:lvl1pPr>
-          </a:lstStyle>
-          <a:p>
-            <a:fld id="{51D6720C-CCE0-4063-BE8F-F14FA866EFA5}" type="datetimeFigureOut">
-              <a:rPr lang="en-US" smtClean="0"/>
-              <a:t>5/10/2010</a:t>
-            </a:fld>
-            <a:endParaRPr lang="en-US"/>
-          </a:p>
-        </p:txBody>
-      </p:sp>
-      <p:sp>
-        <p:nvSpPr>
-          <p:cNvPr id="17" name="Footer Placeholder 16"/>
-          <p:cNvSpPr>
-            <a:spLocks noGrp="1"/>
-          </p:cNvSpPr>
-          <p:nvPr>
-            <p:ph type="ftr" sz="quarter" idx="11"/>
-          </p:nvPr>
-        </p:nvSpPr>
-        <p:spPr>
-          <a:xfrm>
-            <a:off x="2898648" y="6355080"/>
-            <a:ext cx="3474720" cy="365760"/>
-          </a:xfrm>
-        </p:spPr>
-        <p:txBody>
-          <a:bodyPr/>
-          <a:lstStyle/>
-          <a:p>
-            <a:endParaRPr lang="en-US"/>
-          </a:p>
-        </p:txBody>
-      </p:sp>
-      <p:sp>
-        <p:nvSpPr>
-          <p:cNvPr id="29" name="Slide Number Placeholder 28"/>
-          <p:cNvSpPr>
-            <a:spLocks noGrp="1"/>
-          </p:cNvSpPr>
-          <p:nvPr>
-            <p:ph type="sldNum" sz="quarter" idx="12"/>
-          </p:nvPr>
-        </p:nvSpPr>
-        <p:spPr>
-          <a:xfrm>
-            <a:off x="1216152" y="6355080"/>
-            <a:ext cx="1219200" cy="365760"/>
-          </a:xfrm>
-        </p:spPr>
-        <p:txBody>
-          <a:bodyPr/>
-          <a:lstStyle/>
-          <a:p>
-            <a:fld id="{29DA0FC7-CCA2-43EF-9EF1-9875407B5314}" type="slidenum">
-              <a:rPr lang="en-US" smtClean="0"/>
-              <a:t>‹#›</a:t>
-            </a:fld>
-            <a:endParaRPr lang="en-US"/>
-          </a:p>
-        </p:txBody>
-      </p:sp>
-      <p:sp>
-        <p:nvSpPr>
-          <p:cNvPr id="21" name="Rectangle 20"/>
+          <p:cNvPr id="9" name="Rectangle 8"/>
           <p:cNvSpPr/>
           <p:nvPr/>
         </p:nvSpPr>
-        <p:spPr>
+        <p:spPr bwMode="ltGray">
           <a:xfrm>
-            <a:off x="904875" y="3648075"/>
-            <a:ext cx="7315200" cy="1280160"/>
+            <a:off x="0" y="0"/>
+            <a:ext cx="9143999" cy="5135430"/>
           </a:xfrm>
           <a:prstGeom prst="rect">
             <a:avLst/>
           </a:prstGeom>
-          <a:noFill/>
-          <a:ln w="6350" cap="rnd" cmpd="sng" algn="ctr">
-            <a:solidFill>
-              <a:schemeClr val="accent1"/>
-            </a:solidFill>
+          <a:solidFill>
+            <a:srgbClr val="000000"/>
+          </a:solidFill>
+          <a:ln w="48000" cap="flat" cmpd="thickThin" algn="ctr">
+            <a:noFill/>
             <a:prstDash val="solid"/>
           </a:ln>
-          <a:effectLst/>
         </p:spPr>
         <p:style>
-          <a:lnRef idx="3">
-            <a:schemeClr val="lt1"/>
+          <a:lnRef idx="2">
+            <a:schemeClr val="accent1"/>
           </a:lnRef>
           <a:fillRef idx="1">
             <a:schemeClr val="accent1"/>
           </a:fillRef>
-          <a:effectRef idx="1">
+          <a:effectRef idx="0">
             <a:schemeClr val="accent1"/>
           </a:effectRef>
           <a:fontRef idx="minor">
@@ -349,8 +170,10 @@
           </a:fontRef>
         </p:style>
         <p:txBody>
-          <a:bodyPr anchor="ctr"/>
-          <a:lstStyle/>
+          <a:bodyPr rtlCol="0" anchor="ctr"/>
+          <a:lstStyle>
+            <a:extLst/>
+          </a:lstStyle>
           <a:p>
             <a:pPr algn="ctr" eaLnBrk="1" latinLnBrk="0" hangingPunct="1"/>
             <a:endParaRPr kumimoji="0" lang="en-US"/>
@@ -359,35 +182,270 @@
       </p:sp>
       <p:sp>
         <p:nvSpPr>
-          <p:cNvPr id="33" name="Rectangle 32"/>
+          <p:cNvPr id="2" name="Title 1"/>
+          <p:cNvSpPr>
+            <a:spLocks noGrp="1"/>
+          </p:cNvSpPr>
+          <p:nvPr>
+            <p:ph type="ctrTitle"/>
+          </p:nvPr>
+        </p:nvSpPr>
+        <p:spPr>
+          <a:xfrm>
+            <a:off x="685800" y="3355848"/>
+            <a:ext cx="8077200" cy="1673352"/>
+          </a:xfrm>
+        </p:spPr>
+        <p:txBody>
+          <a:bodyPr vert="horz" lIns="91440" tIns="0" rIns="45720" bIns="0" rtlCol="0" anchor="t">
+            <a:normAutofit/>
+            <a:scene3d>
+              <a:camera prst="orthographicFront"/>
+              <a:lightRig rig="threePt" dir="t">
+                <a:rot lat="0" lon="0" rev="4800000"/>
+              </a:lightRig>
+            </a:scene3d>
+            <a:sp3d prstMaterial="matte">
+              <a:bevelT w="50800" h="10160"/>
+            </a:sp3d>
+          </a:bodyPr>
+          <a:lstStyle>
+            <a:lvl1pPr algn="l">
+              <a:defRPr sz="4700" b="1"/>
+            </a:lvl1pPr>
+            <a:extLst/>
+          </a:lstStyle>
+          <a:p>
+            <a:r>
+              <a:rPr kumimoji="0" lang="en-US" smtClean="0"/>
+              <a:t>Click to edit Master title style</a:t>
+            </a:r>
+            <a:endParaRPr kumimoji="0" lang="en-US"/>
+          </a:p>
+        </p:txBody>
+      </p:sp>
+      <p:sp>
+        <p:nvSpPr>
+          <p:cNvPr id="3" name="Subtitle 2"/>
+          <p:cNvSpPr>
+            <a:spLocks noGrp="1"/>
+          </p:cNvSpPr>
+          <p:nvPr>
+            <p:ph type="subTitle" idx="1"/>
+          </p:nvPr>
+        </p:nvSpPr>
+        <p:spPr>
+          <a:xfrm>
+            <a:off x="685800" y="1828800"/>
+            <a:ext cx="8077200" cy="1499616"/>
+          </a:xfrm>
+        </p:spPr>
+        <p:txBody>
+          <a:bodyPr lIns="118872" tIns="0" rIns="45720" bIns="0" anchor="b"/>
+          <a:lstStyle>
+            <a:lvl1pPr marL="0" indent="0" algn="l">
+              <a:buNone/>
+              <a:defRPr sz="2000">
+                <a:solidFill>
+                  <a:srgbClr val="FFFFFF"/>
+                </a:solidFill>
+              </a:defRPr>
+            </a:lvl1pPr>
+            <a:lvl2pPr marL="457200" indent="0" algn="ctr">
+              <a:buNone/>
+              <a:defRPr>
+                <a:solidFill>
+                  <a:schemeClr val="tx1">
+                    <a:tint val="75000"/>
+                  </a:schemeClr>
+                </a:solidFill>
+              </a:defRPr>
+            </a:lvl2pPr>
+            <a:lvl3pPr marL="914400" indent="0" algn="ctr">
+              <a:buNone/>
+              <a:defRPr>
+                <a:solidFill>
+                  <a:schemeClr val="tx1">
+                    <a:tint val="75000"/>
+                  </a:schemeClr>
+                </a:solidFill>
+              </a:defRPr>
+            </a:lvl3pPr>
+            <a:lvl4pPr marL="1371600" indent="0" algn="ctr">
+              <a:buNone/>
+              <a:defRPr>
+                <a:solidFill>
+                  <a:schemeClr val="tx1">
+                    <a:tint val="75000"/>
+                  </a:schemeClr>
+                </a:solidFill>
+              </a:defRPr>
+            </a:lvl4pPr>
+            <a:lvl5pPr marL="1828800" indent="0" algn="ctr">
+              <a:buNone/>
+              <a:defRPr>
+                <a:solidFill>
+                  <a:schemeClr val="tx1">
+                    <a:tint val="75000"/>
+                  </a:schemeClr>
+                </a:solidFill>
+              </a:defRPr>
+            </a:lvl5pPr>
+            <a:lvl6pPr marL="2286000" indent="0" algn="ctr">
+              <a:buNone/>
+              <a:defRPr>
+                <a:solidFill>
+                  <a:schemeClr val="tx1">
+                    <a:tint val="75000"/>
+                  </a:schemeClr>
+                </a:solidFill>
+              </a:defRPr>
+            </a:lvl6pPr>
+            <a:lvl7pPr marL="2743200" indent="0" algn="ctr">
+              <a:buNone/>
+              <a:defRPr>
+                <a:solidFill>
+                  <a:schemeClr val="tx1">
+                    <a:tint val="75000"/>
+                  </a:schemeClr>
+                </a:solidFill>
+              </a:defRPr>
+            </a:lvl7pPr>
+            <a:lvl8pPr marL="3200400" indent="0" algn="ctr">
+              <a:buNone/>
+              <a:defRPr>
+                <a:solidFill>
+                  <a:schemeClr val="tx1">
+                    <a:tint val="75000"/>
+                  </a:schemeClr>
+                </a:solidFill>
+              </a:defRPr>
+            </a:lvl8pPr>
+            <a:lvl9pPr marL="3657600" indent="0" algn="ctr">
+              <a:buNone/>
+              <a:defRPr>
+                <a:solidFill>
+                  <a:schemeClr val="tx1">
+                    <a:tint val="75000"/>
+                  </a:schemeClr>
+                </a:solidFill>
+              </a:defRPr>
+            </a:lvl9pPr>
+            <a:extLst/>
+          </a:lstStyle>
+          <a:p>
+            <a:r>
+              <a:rPr kumimoji="0" lang="en-US" smtClean="0"/>
+              <a:t>Click to edit Master subtitle style</a:t>
+            </a:r>
+            <a:endParaRPr kumimoji="0" lang="en-US"/>
+          </a:p>
+        </p:txBody>
+      </p:sp>
+      <p:sp>
+        <p:nvSpPr>
+          <p:cNvPr id="4" name="Date Placeholder 3"/>
+          <p:cNvSpPr>
+            <a:spLocks noGrp="1"/>
+          </p:cNvSpPr>
+          <p:nvPr>
+            <p:ph type="dt" sz="half" idx="10"/>
+          </p:nvPr>
+        </p:nvSpPr>
+        <p:spPr/>
+        <p:txBody>
+          <a:bodyPr/>
+          <a:lstStyle/>
+          <a:p>
+            <a:fld id="{51D6720C-CCE0-4063-BE8F-F14FA866EFA5}" type="datetimeFigureOut">
+              <a:rPr lang="en-US" smtClean="0"/>
+              <a:pPr/>
+              <a:t>5/11/2010</a:t>
+            </a:fld>
+            <a:endParaRPr lang="en-US"/>
+          </a:p>
+        </p:txBody>
+      </p:sp>
+      <p:sp>
+        <p:nvSpPr>
+          <p:cNvPr id="5" name="Footer Placeholder 4"/>
+          <p:cNvSpPr>
+            <a:spLocks noGrp="1"/>
+          </p:cNvSpPr>
+          <p:nvPr>
+            <p:ph type="ftr" sz="quarter" idx="11"/>
+          </p:nvPr>
+        </p:nvSpPr>
+        <p:spPr/>
+        <p:txBody>
+          <a:bodyPr/>
+          <a:lstStyle/>
+          <a:p>
+            <a:endParaRPr lang="en-US"/>
+          </a:p>
+        </p:txBody>
+      </p:sp>
+      <p:sp>
+        <p:nvSpPr>
+          <p:cNvPr id="6" name="Slide Number Placeholder 5"/>
+          <p:cNvSpPr>
+            <a:spLocks noGrp="1"/>
+          </p:cNvSpPr>
+          <p:nvPr>
+            <p:ph type="sldNum" sz="quarter" idx="12"/>
+          </p:nvPr>
+        </p:nvSpPr>
+        <p:spPr/>
+        <p:txBody>
+          <a:bodyPr/>
+          <a:lstStyle/>
+          <a:p>
+            <a:fld id="{29DA0FC7-CCA2-43EF-9EF1-9875407B5314}" type="slidenum">
+              <a:rPr lang="en-US" smtClean="0"/>
+              <a:pPr/>
+              <a:t>‹#›</a:t>
+            </a:fld>
+            <a:endParaRPr lang="en-US"/>
+          </a:p>
+        </p:txBody>
+      </p:sp>
+      <p:sp>
+        <p:nvSpPr>
+          <p:cNvPr id="10" name="Rectangle 9"/>
           <p:cNvSpPr/>
           <p:nvPr/>
         </p:nvSpPr>
-        <p:spPr>
+        <p:spPr bwMode="invGray">
           <a:xfrm>
-            <a:off x="914400" y="5048250"/>
-            <a:ext cx="7315200" cy="685800"/>
+            <a:off x="0" y="5128334"/>
+            <a:ext cx="9144000" cy="45720"/>
           </a:xfrm>
           <a:prstGeom prst="rect">
             <a:avLst/>
           </a:prstGeom>
-          <a:noFill/>
-          <a:ln w="6350" cap="rnd" cmpd="sng" algn="ctr">
-            <a:solidFill>
-              <a:schemeClr val="accent2"/>
-            </a:solidFill>
+          <a:solidFill>
+            <a:srgbClr val="FFFFFF"/>
+          </a:solidFill>
+          <a:ln w="48000" cap="flat" cmpd="thickThin" algn="ctr">
+            <a:noFill/>
             <a:prstDash val="solid"/>
           </a:ln>
-          <a:effectLst/>
+          <a:effectLst>
+            <a:outerShdw blurRad="31750" dist="10160" dir="5400000" algn="tl" rotWithShape="0">
+              <a:srgbClr val="000000">
+                <a:alpha val="60000"/>
+              </a:srgbClr>
+            </a:outerShdw>
+          </a:effectLst>
         </p:spPr>
         <p:style>
-          <a:lnRef idx="3">
-            <a:schemeClr val="lt1"/>
+          <a:lnRef idx="2">
+            <a:schemeClr val="accent1"/>
           </a:lnRef>
           <a:fillRef idx="1">
             <a:schemeClr val="accent1"/>
           </a:fillRef>
-          <a:effectRef idx="1">
+          <a:effectRef idx="0">
             <a:schemeClr val="accent1"/>
           </a:effectRef>
           <a:fontRef idx="minor">
@@ -395,100 +453,10 @@
           </a:fontRef>
         </p:style>
         <p:txBody>
-          <a:bodyPr anchor="ctr"/>
-          <a:lstStyle/>
-          <a:p>
-            <a:pPr algn="ctr" eaLnBrk="1" latinLnBrk="0" hangingPunct="1"/>
-            <a:endParaRPr kumimoji="0" lang="en-US"/>
-          </a:p>
-        </p:txBody>
-      </p:sp>
-      <p:sp>
-        <p:nvSpPr>
-          <p:cNvPr id="22" name="Rectangle 21"/>
-          <p:cNvSpPr/>
-          <p:nvPr/>
-        </p:nvSpPr>
-        <p:spPr>
-          <a:xfrm>
-            <a:off x="904875" y="3648075"/>
-            <a:ext cx="228600" cy="1280160"/>
-          </a:xfrm>
-          <a:prstGeom prst="rect">
-            <a:avLst/>
-          </a:prstGeom>
-          <a:solidFill>
-            <a:schemeClr val="accent1"/>
-          </a:solidFill>
-          <a:ln w="6350" cap="rnd" cmpd="sng" algn="ctr">
-            <a:noFill/>
-            <a:prstDash val="solid"/>
-          </a:ln>
-          <a:effectLst/>
-        </p:spPr>
-        <p:style>
-          <a:lnRef idx="3">
-            <a:schemeClr val="lt1"/>
-          </a:lnRef>
-          <a:fillRef idx="1">
-            <a:schemeClr val="accent1"/>
-          </a:fillRef>
-          <a:effectRef idx="1">
-            <a:schemeClr val="accent1"/>
-          </a:effectRef>
-          <a:fontRef idx="minor">
-            <a:schemeClr val="lt1"/>
-          </a:fontRef>
-        </p:style>
-        <p:txBody>
-          <a:bodyPr anchor="ctr"/>
-          <a:lstStyle/>
-          <a:p>
-            <a:pPr algn="ctr" eaLnBrk="1" latinLnBrk="0" hangingPunct="1"/>
-            <a:endParaRPr kumimoji="0" lang="en-US"/>
-          </a:p>
-        </p:txBody>
-      </p:sp>
-      <p:sp>
-        <p:nvSpPr>
-          <p:cNvPr id="32" name="Rectangle 31"/>
-          <p:cNvSpPr/>
-          <p:nvPr/>
-        </p:nvSpPr>
-        <p:spPr>
-          <a:xfrm>
-            <a:off x="914400" y="5048250"/>
-            <a:ext cx="228600" cy="685800"/>
-          </a:xfrm>
-          <a:prstGeom prst="rect">
-            <a:avLst/>
-          </a:prstGeom>
-          <a:solidFill>
-            <a:schemeClr val="accent2"/>
-          </a:solidFill>
-          <a:ln w="6350" cap="rnd" cmpd="sng" algn="ctr">
-            <a:noFill/>
-            <a:prstDash val="solid"/>
-          </a:ln>
-          <a:effectLst/>
-        </p:spPr>
-        <p:style>
-          <a:lnRef idx="3">
-            <a:schemeClr val="lt1"/>
-          </a:lnRef>
-          <a:fillRef idx="1">
-            <a:schemeClr val="accent1"/>
-          </a:fillRef>
-          <a:effectRef idx="1">
-            <a:schemeClr val="accent1"/>
-          </a:effectRef>
-          <a:fontRef idx="minor">
-            <a:schemeClr val="lt1"/>
-          </a:fontRef>
-        </p:style>
-        <p:txBody>
-          <a:bodyPr anchor="ctr"/>
-          <a:lstStyle/>
+          <a:bodyPr rtlCol="0" anchor="ctr"/>
+          <a:lstStyle>
+            <a:extLst/>
+          </a:lstStyle>
           <a:p>
             <a:pPr algn="ctr" eaLnBrk="1" latinLnBrk="0" hangingPunct="1"/>
             <a:endParaRPr kumimoji="0" lang="en-US"/>
@@ -498,7 +466,7 @@
     </p:spTree>
   </p:cSld>
   <p:clrMapOvr>
-    <a:masterClrMapping/>
+    <a:overrideClrMapping bg1="dk1" tx1="lt1" bg2="dk2" tx2="lt2" accent1="accent1" accent2="accent2" accent3="accent3" accent4="accent4" accent5="accent5" accent6="accent6" hlink="hlink" folHlink="folHlink"/>
   </p:clrMapOvr>
 </p:sldLayout>
 </file>
@@ -533,7 +501,9 @@
         <p:spPr/>
         <p:txBody>
           <a:bodyPr/>
-          <a:lstStyle/>
+          <a:lstStyle>
+            <a:extLst/>
+          </a:lstStyle>
           <a:p>
             <a:r>
               <a:rPr kumimoji="0" lang="en-US" smtClean="0"/>
@@ -556,63 +526,66 @@
         <p:spPr/>
         <p:txBody>
           <a:bodyPr vert="eaVert"/>
+          <a:lstStyle>
+            <a:extLst/>
+          </a:lstStyle>
+          <a:p>
+            <a:pPr lvl="0" eaLnBrk="1" latinLnBrk="0" hangingPunct="1"/>
+            <a:r>
+              <a:rPr lang="en-US" smtClean="0"/>
+              <a:t>Click to edit Master text styles</a:t>
+            </a:r>
+          </a:p>
+          <a:p>
+            <a:pPr lvl="1" eaLnBrk="1" latinLnBrk="0" hangingPunct="1"/>
+            <a:r>
+              <a:rPr lang="en-US" smtClean="0"/>
+              <a:t>Second level</a:t>
+            </a:r>
+          </a:p>
+          <a:p>
+            <a:pPr lvl="2" eaLnBrk="1" latinLnBrk="0" hangingPunct="1"/>
+            <a:r>
+              <a:rPr lang="en-US" smtClean="0"/>
+              <a:t>Third level</a:t>
+            </a:r>
+          </a:p>
+          <a:p>
+            <a:pPr lvl="3" eaLnBrk="1" latinLnBrk="0" hangingPunct="1"/>
+            <a:r>
+              <a:rPr lang="en-US" smtClean="0"/>
+              <a:t>Fourth level</a:t>
+            </a:r>
+          </a:p>
+          <a:p>
+            <a:pPr lvl="4" eaLnBrk="1" latinLnBrk="0" hangingPunct="1"/>
+            <a:r>
+              <a:rPr lang="en-US" smtClean="0"/>
+              <a:t>Fifth level</a:t>
+            </a:r>
+            <a:endParaRPr kumimoji="0" lang="en-US"/>
+          </a:p>
+        </p:txBody>
+      </p:sp>
+      <p:sp>
+        <p:nvSpPr>
+          <p:cNvPr id="4" name="Date Placeholder 3"/>
+          <p:cNvSpPr>
+            <a:spLocks noGrp="1"/>
+          </p:cNvSpPr>
+          <p:nvPr>
+            <p:ph type="dt" sz="half" idx="10"/>
+          </p:nvPr>
+        </p:nvSpPr>
+        <p:spPr/>
+        <p:txBody>
+          <a:bodyPr/>
           <a:lstStyle/>
           <a:p>
-            <a:pPr lvl="0" eaLnBrk="1" latinLnBrk="0" hangingPunct="1"/>
-            <a:r>
-              <a:rPr lang="en-US" smtClean="0"/>
-              <a:t>Click to edit Master text styles</a:t>
-            </a:r>
-          </a:p>
-          <a:p>
-            <a:pPr lvl="1" eaLnBrk="1" latinLnBrk="0" hangingPunct="1"/>
-            <a:r>
-              <a:rPr lang="en-US" smtClean="0"/>
-              <a:t>Second level</a:t>
-            </a:r>
-          </a:p>
-          <a:p>
-            <a:pPr lvl="2" eaLnBrk="1" latinLnBrk="0" hangingPunct="1"/>
-            <a:r>
-              <a:rPr lang="en-US" smtClean="0"/>
-              <a:t>Third level</a:t>
-            </a:r>
-          </a:p>
-          <a:p>
-            <a:pPr lvl="3" eaLnBrk="1" latinLnBrk="0" hangingPunct="1"/>
-            <a:r>
-              <a:rPr lang="en-US" smtClean="0"/>
-              <a:t>Fourth level</a:t>
-            </a:r>
-          </a:p>
-          <a:p>
-            <a:pPr lvl="4" eaLnBrk="1" latinLnBrk="0" hangingPunct="1"/>
-            <a:r>
-              <a:rPr lang="en-US" smtClean="0"/>
-              <a:t>Fifth level</a:t>
-            </a:r>
-            <a:endParaRPr kumimoji="0" lang="en-US"/>
-          </a:p>
-        </p:txBody>
-      </p:sp>
-      <p:sp>
-        <p:nvSpPr>
-          <p:cNvPr id="4" name="Date Placeholder 3"/>
-          <p:cNvSpPr>
-            <a:spLocks noGrp="1"/>
-          </p:cNvSpPr>
-          <p:nvPr>
-            <p:ph type="dt" sz="half" idx="10"/>
-          </p:nvPr>
-        </p:nvSpPr>
-        <p:spPr/>
-        <p:txBody>
-          <a:bodyPr/>
-          <a:lstStyle/>
-          <a:p>
             <a:fld id="{51D6720C-CCE0-4063-BE8F-F14FA866EFA5}" type="datetimeFigureOut">
               <a:rPr lang="en-US" smtClean="0"/>
-              <a:t>5/10/2010</a:t>
+              <a:pPr/>
+              <a:t>5/11/2010</a:t>
             </a:fld>
             <a:endParaRPr lang="en-US"/>
           </a:p>
@@ -654,6 +627,7 @@
           <a:p>
             <a:fld id="{29DA0FC7-CCA2-43EF-9EF1-9875407B5314}" type="slidenum">
               <a:rPr lang="en-US" smtClean="0"/>
+              <a:pPr/>
               <a:t>‹#›</a:t>
             </a:fld>
             <a:endParaRPr lang="en-US"/>
@@ -687,225 +661,41 @@
       </p:grpSpPr>
       <p:sp>
         <p:nvSpPr>
-          <p:cNvPr id="2" name="Vertical Title 1"/>
-          <p:cNvSpPr>
-            <a:spLocks noGrp="1"/>
-          </p:cNvSpPr>
-          <p:nvPr>
-            <p:ph type="title" orient="vert"/>
-          </p:nvPr>
-        </p:nvSpPr>
-        <p:spPr>
+          <p:cNvPr id="9" name="Rectangle 8"/>
+          <p:cNvSpPr/>
+          <p:nvPr/>
+        </p:nvSpPr>
+        <p:spPr bwMode="invGray">
           <a:xfrm>
-            <a:off x="6629400" y="274638"/>
-            <a:ext cx="2057400" cy="5851525"/>
+            <a:off x="6598920" y="0"/>
+            <a:ext cx="45720" cy="6858000"/>
           </a:xfrm>
-        </p:spPr>
-        <p:txBody>
-          <a:bodyPr vert="eaVert"/>
-          <a:lstStyle/>
-          <a:p>
-            <a:r>
-              <a:rPr kumimoji="0" lang="en-US" smtClean="0"/>
-              <a:t>Click to edit Master title style</a:t>
-            </a:r>
-            <a:endParaRPr kumimoji="0" lang="en-US"/>
-          </a:p>
-        </p:txBody>
-      </p:sp>
-      <p:sp>
-        <p:nvSpPr>
-          <p:cNvPr id="3" name="Vertical Text Placeholder 2"/>
-          <p:cNvSpPr>
-            <a:spLocks noGrp="1"/>
-          </p:cNvSpPr>
-          <p:nvPr>
-            <p:ph type="body" orient="vert" idx="1"/>
-          </p:nvPr>
-        </p:nvSpPr>
-        <p:spPr>
-          <a:xfrm>
-            <a:off x="457200" y="274638"/>
-            <a:ext cx="6019800" cy="5851525"/>
-          </a:xfrm>
-        </p:spPr>
-        <p:txBody>
-          <a:bodyPr vert="eaVert"/>
-          <a:lstStyle/>
-          <a:p>
-            <a:pPr lvl="0" eaLnBrk="1" latinLnBrk="0" hangingPunct="1"/>
-            <a:r>
-              <a:rPr lang="en-US" smtClean="0"/>
-              <a:t>Click to edit Master text styles</a:t>
-            </a:r>
-          </a:p>
-          <a:p>
-            <a:pPr lvl="1" eaLnBrk="1" latinLnBrk="0" hangingPunct="1"/>
-            <a:r>
-              <a:rPr lang="en-US" smtClean="0"/>
-              <a:t>Second level</a:t>
-            </a:r>
-          </a:p>
-          <a:p>
-            <a:pPr lvl="2" eaLnBrk="1" latinLnBrk="0" hangingPunct="1"/>
-            <a:r>
-              <a:rPr lang="en-US" smtClean="0"/>
-              <a:t>Third level</a:t>
-            </a:r>
-          </a:p>
-          <a:p>
-            <a:pPr lvl="3" eaLnBrk="1" latinLnBrk="0" hangingPunct="1"/>
-            <a:r>
-              <a:rPr lang="en-US" smtClean="0"/>
-              <a:t>Fourth level</a:t>
-            </a:r>
-          </a:p>
-          <a:p>
-            <a:pPr lvl="4" eaLnBrk="1" latinLnBrk="0" hangingPunct="1"/>
-            <a:r>
-              <a:rPr lang="en-US" smtClean="0"/>
-              <a:t>Fifth level</a:t>
-            </a:r>
-            <a:endParaRPr kumimoji="0" lang="en-US"/>
-          </a:p>
-        </p:txBody>
-      </p:sp>
-      <p:sp>
-        <p:nvSpPr>
-          <p:cNvPr id="4" name="Date Placeholder 3"/>
-          <p:cNvSpPr>
-            <a:spLocks noGrp="1"/>
-          </p:cNvSpPr>
-          <p:nvPr>
-            <p:ph type="dt" sz="half" idx="10"/>
-          </p:nvPr>
-        </p:nvSpPr>
-        <p:spPr/>
-        <p:txBody>
-          <a:bodyPr/>
-          <a:lstStyle/>
-          <a:p>
-            <a:fld id="{51D6720C-CCE0-4063-BE8F-F14FA866EFA5}" type="datetimeFigureOut">
-              <a:rPr lang="en-US" smtClean="0"/>
-              <a:t>5/10/2010</a:t>
-            </a:fld>
-            <a:endParaRPr lang="en-US"/>
-          </a:p>
-        </p:txBody>
-      </p:sp>
-      <p:sp>
-        <p:nvSpPr>
-          <p:cNvPr id="5" name="Footer Placeholder 4"/>
-          <p:cNvSpPr>
-            <a:spLocks noGrp="1"/>
-          </p:cNvSpPr>
-          <p:nvPr>
-            <p:ph type="ftr" sz="quarter" idx="11"/>
-          </p:nvPr>
-        </p:nvSpPr>
-        <p:spPr/>
-        <p:txBody>
-          <a:bodyPr/>
-          <a:lstStyle/>
-          <a:p>
-            <a:endParaRPr lang="en-US"/>
-          </a:p>
-        </p:txBody>
-      </p:sp>
-      <p:sp>
-        <p:nvSpPr>
-          <p:cNvPr id="6" name="Slide Number Placeholder 5"/>
-          <p:cNvSpPr>
-            <a:spLocks noGrp="1"/>
-          </p:cNvSpPr>
-          <p:nvPr>
-            <p:ph type="sldNum" sz="quarter" idx="12"/>
-          </p:nvPr>
-        </p:nvSpPr>
-        <p:spPr/>
-        <p:txBody>
-          <a:bodyPr/>
-          <a:lstStyle/>
-          <a:p>
-            <a:fld id="{29DA0FC7-CCA2-43EF-9EF1-9875407B5314}" type="slidenum">
-              <a:rPr lang="en-US" smtClean="0"/>
-              <a:t>‹#›</a:t>
-            </a:fld>
-            <a:endParaRPr lang="en-US"/>
-          </a:p>
-        </p:txBody>
-      </p:sp>
-      <p:sp>
-        <p:nvSpPr>
-          <p:cNvPr id="7" name="Straight Connector 6"/>
-          <p:cNvSpPr>
-            <a:spLocks noChangeShapeType="1"/>
-          </p:cNvSpPr>
-          <p:nvPr/>
-        </p:nvSpPr>
-        <p:spPr bwMode="auto">
-          <a:xfrm>
-            <a:off x="457200" y="6353175"/>
-            <a:ext cx="8229600" cy="0"/>
-          </a:xfrm>
-          <a:prstGeom prst="line">
+          <a:prstGeom prst="rect">
             <a:avLst/>
           </a:prstGeom>
-          <a:noFill/>
-          <a:ln w="9525" cap="flat" cmpd="sng" algn="ctr">
-            <a:solidFill>
-              <a:schemeClr val="accent2"/>
-            </a:solidFill>
-            <a:prstDash val="dash"/>
-            <a:round/>
-            <a:headEnd type="none" w="med" len="med"/>
-            <a:tailEnd type="none" w="med" len="med"/>
-          </a:ln>
-          <a:effectLst/>
-        </p:spPr>
-        <p:txBody>
-          <a:bodyPr vert="horz" wrap="square" lIns="91440" tIns="45720" rIns="91440" bIns="45720" anchor="t" compatLnSpc="1"/>
-          <a:lstStyle/>
-          <a:p>
-            <a:endParaRPr kumimoji="0" lang="en-US"/>
-          </a:p>
-        </p:txBody>
-      </p:sp>
-      <p:sp>
-        <p:nvSpPr>
-          <p:cNvPr id="8" name="Isosceles Triangle 7"/>
-          <p:cNvSpPr>
-            <a:spLocks noChangeAspect="1"/>
-          </p:cNvSpPr>
-          <p:nvPr/>
-        </p:nvSpPr>
-        <p:spPr>
-          <a:xfrm rot="5400000">
-            <a:off x="419100" y="6467475"/>
-            <a:ext cx="190849" cy="120314"/>
-          </a:xfrm>
-          <a:prstGeom prst="triangle">
-            <a:avLst>
-              <a:gd name="adj" fmla="val 50000"/>
-            </a:avLst>
-          </a:prstGeom>
           <a:solidFill>
-            <a:schemeClr val="accent2"/>
+            <a:srgbClr val="FFFFFF"/>
           </a:solidFill>
-          <a:ln w="25400" cap="rnd" cmpd="sng" algn="ctr">
+          <a:ln w="48000" cap="flat" cmpd="thickThin" algn="ctr">
             <a:noFill/>
             <a:prstDash val="solid"/>
           </a:ln>
-          <a:effectLst/>
+          <a:effectLst>
+            <a:outerShdw blurRad="31750" dist="10160" dir="10800000" algn="tl" rotWithShape="0">
+              <a:srgbClr val="000000">
+                <a:alpha val="60000"/>
+              </a:srgbClr>
+            </a:outerShdw>
+          </a:effectLst>
         </p:spPr>
         <p:style>
-          <a:lnRef idx="3">
-            <a:schemeClr val="lt1"/>
+          <a:lnRef idx="2">
+            <a:schemeClr val="accent1"/>
           </a:lnRef>
           <a:fillRef idx="1">
             <a:schemeClr val="accent1"/>
           </a:fillRef>
-          <a:effectRef idx="1">
+          <a:effectRef idx="0">
             <a:schemeClr val="accent1"/>
           </a:effectRef>
           <a:fontRef idx="minor">
@@ -913,8 +703,10 @@
           </a:fontRef>
         </p:style>
         <p:txBody>
-          <a:bodyPr anchor="ctr"/>
-          <a:lstStyle/>
+          <a:bodyPr rtlCol="0" anchor="ctr"/>
+          <a:lstStyle>
+            <a:extLst/>
+          </a:lstStyle>
           <a:p>
             <a:pPr algn="ctr" eaLnBrk="1" latinLnBrk="0" hangingPunct="1"/>
             <a:endParaRPr kumimoji="0" lang="en-US"/>
@@ -923,37 +715,209 @@
       </p:sp>
       <p:sp>
         <p:nvSpPr>
-          <p:cNvPr id="9" name="Straight Connector 8"/>
-          <p:cNvSpPr>
-            <a:spLocks noChangeShapeType="1"/>
-          </p:cNvSpPr>
+          <p:cNvPr id="8" name="Rectangle 7"/>
+          <p:cNvSpPr/>
           <p:nvPr/>
         </p:nvSpPr>
-        <p:spPr bwMode="auto">
-          <a:xfrm rot="5400000">
-            <a:off x="3629607" y="3201952"/>
-            <a:ext cx="5852160" cy="0"/>
+        <p:spPr bwMode="ltGray">
+          <a:xfrm>
+            <a:off x="6647687" y="0"/>
+            <a:ext cx="2514601" cy="6858000"/>
           </a:xfrm>
-          <a:prstGeom prst="line">
+          <a:prstGeom prst="rect">
             <a:avLst/>
           </a:prstGeom>
-          <a:noFill/>
-          <a:ln w="9525" cap="flat" cmpd="sng" algn="ctr">
-            <a:solidFill>
-              <a:schemeClr val="accent2"/>
-            </a:solidFill>
-            <a:prstDash val="dash"/>
-            <a:round/>
-            <a:headEnd type="none" w="med" len="med"/>
-            <a:tailEnd type="none" w="med" len="med"/>
+          <a:solidFill>
+            <a:srgbClr val="000000"/>
+          </a:solidFill>
+          <a:ln w="48000" cap="flat" cmpd="thickThin" algn="ctr">
+            <a:noFill/>
+            <a:prstDash val="solid"/>
           </a:ln>
-          <a:effectLst/>
         </p:spPr>
-        <p:txBody>
-          <a:bodyPr vert="horz" wrap="square" lIns="91440" tIns="45720" rIns="91440" bIns="45720" anchor="t" compatLnSpc="1"/>
+        <p:style>
+          <a:lnRef idx="2">
+            <a:schemeClr val="accent1"/>
+          </a:lnRef>
+          <a:fillRef idx="1">
+            <a:schemeClr val="accent1"/>
+          </a:fillRef>
+          <a:effectRef idx="0">
+            <a:schemeClr val="accent1"/>
+          </a:effectRef>
+          <a:fontRef idx="minor">
+            <a:schemeClr val="lt1"/>
+          </a:fontRef>
+        </p:style>
+        <p:txBody>
+          <a:bodyPr rtlCol="0" anchor="ctr"/>
+          <a:lstStyle>
+            <a:extLst/>
+          </a:lstStyle>
+          <a:p>
+            <a:pPr algn="ctr" eaLnBrk="1" latinLnBrk="0" hangingPunct="1"/>
+            <a:endParaRPr kumimoji="0" lang="en-US"/>
+          </a:p>
+        </p:txBody>
+      </p:sp>
+      <p:sp>
+        <p:nvSpPr>
+          <p:cNvPr id="2" name="Vertical Title 1"/>
+          <p:cNvSpPr>
+            <a:spLocks noGrp="1"/>
+          </p:cNvSpPr>
+          <p:nvPr>
+            <p:ph type="title" orient="vert"/>
+          </p:nvPr>
+        </p:nvSpPr>
+        <p:spPr>
+          <a:xfrm>
+            <a:off x="6781800" y="274640"/>
+            <a:ext cx="1905000" cy="5851525"/>
+          </a:xfrm>
+        </p:spPr>
+        <p:txBody>
+          <a:bodyPr vert="eaVert"/>
+          <a:lstStyle>
+            <a:extLst/>
+          </a:lstStyle>
+          <a:p>
+            <a:r>
+              <a:rPr kumimoji="0" lang="en-US" smtClean="0"/>
+              <a:t>Click to edit Master title style</a:t>
+            </a:r>
+            <a:endParaRPr kumimoji="0" lang="en-US"/>
+          </a:p>
+        </p:txBody>
+      </p:sp>
+      <p:sp>
+        <p:nvSpPr>
+          <p:cNvPr id="3" name="Vertical Text Placeholder 2"/>
+          <p:cNvSpPr>
+            <a:spLocks noGrp="1"/>
+          </p:cNvSpPr>
+          <p:nvPr>
+            <p:ph type="body" orient="vert" idx="1"/>
+          </p:nvPr>
+        </p:nvSpPr>
+        <p:spPr>
+          <a:xfrm>
+            <a:off x="457200" y="304800"/>
+            <a:ext cx="6019800" cy="5851525"/>
+          </a:xfrm>
+        </p:spPr>
+        <p:txBody>
+          <a:bodyPr vert="eaVert"/>
+          <a:lstStyle>
+            <a:extLst/>
+          </a:lstStyle>
+          <a:p>
+            <a:pPr lvl="0" eaLnBrk="1" latinLnBrk="0" hangingPunct="1"/>
+            <a:r>
+              <a:rPr lang="en-US" smtClean="0"/>
+              <a:t>Click to edit Master text styles</a:t>
+            </a:r>
+          </a:p>
+          <a:p>
+            <a:pPr lvl="1" eaLnBrk="1" latinLnBrk="0" hangingPunct="1"/>
+            <a:r>
+              <a:rPr lang="en-US" smtClean="0"/>
+              <a:t>Second level</a:t>
+            </a:r>
+          </a:p>
+          <a:p>
+            <a:pPr lvl="2" eaLnBrk="1" latinLnBrk="0" hangingPunct="1"/>
+            <a:r>
+              <a:rPr lang="en-US" smtClean="0"/>
+              <a:t>Third level</a:t>
+            </a:r>
+          </a:p>
+          <a:p>
+            <a:pPr lvl="3" eaLnBrk="1" latinLnBrk="0" hangingPunct="1"/>
+            <a:r>
+              <a:rPr lang="en-US" smtClean="0"/>
+              <a:t>Fourth level</a:t>
+            </a:r>
+          </a:p>
+          <a:p>
+            <a:pPr lvl="4" eaLnBrk="1" latinLnBrk="0" hangingPunct="1"/>
+            <a:r>
+              <a:rPr lang="en-US" smtClean="0"/>
+              <a:t>Fifth level</a:t>
+            </a:r>
+            <a:endParaRPr kumimoji="0" lang="en-US"/>
+          </a:p>
+        </p:txBody>
+      </p:sp>
+      <p:sp>
+        <p:nvSpPr>
+          <p:cNvPr id="4" name="Date Placeholder 3"/>
+          <p:cNvSpPr>
+            <a:spLocks noGrp="1"/>
+          </p:cNvSpPr>
+          <p:nvPr>
+            <p:ph type="dt" sz="half" idx="10"/>
+          </p:nvPr>
+        </p:nvSpPr>
+        <p:spPr/>
+        <p:txBody>
+          <a:bodyPr/>
           <a:lstStyle/>
           <a:p>
-            <a:endParaRPr kumimoji="0" lang="en-US"/>
+            <a:fld id="{51D6720C-CCE0-4063-BE8F-F14FA866EFA5}" type="datetimeFigureOut">
+              <a:rPr lang="en-US" smtClean="0"/>
+              <a:pPr/>
+              <a:t>5/11/2010</a:t>
+            </a:fld>
+            <a:endParaRPr lang="en-US"/>
+          </a:p>
+        </p:txBody>
+      </p:sp>
+      <p:sp>
+        <p:nvSpPr>
+          <p:cNvPr id="5" name="Footer Placeholder 4"/>
+          <p:cNvSpPr>
+            <a:spLocks noGrp="1"/>
+          </p:cNvSpPr>
+          <p:nvPr>
+            <p:ph type="ftr" sz="quarter" idx="11"/>
+          </p:nvPr>
+        </p:nvSpPr>
+        <p:spPr>
+          <a:xfrm>
+            <a:off x="2640597" y="6377459"/>
+            <a:ext cx="3836404" cy="365125"/>
+          </a:xfrm>
+        </p:spPr>
+        <p:txBody>
+          <a:bodyPr/>
+          <a:lstStyle/>
+          <a:p>
+            <a:endParaRPr lang="en-US"/>
+          </a:p>
+        </p:txBody>
+      </p:sp>
+      <p:sp>
+        <p:nvSpPr>
+          <p:cNvPr id="6" name="Slide Number Placeholder 5"/>
+          <p:cNvSpPr>
+            <a:spLocks noGrp="1"/>
+          </p:cNvSpPr>
+          <p:nvPr>
+            <p:ph type="sldNum" sz="quarter" idx="12"/>
+          </p:nvPr>
+        </p:nvSpPr>
+        <p:spPr/>
+        <p:txBody>
+          <a:bodyPr/>
+          <a:lstStyle/>
+          <a:p>
+            <a:fld id="{29DA0FC7-CCA2-43EF-9EF1-9875407B5314}" type="slidenum">
+              <a:rPr lang="en-US" smtClean="0"/>
+              <a:pPr/>
+              <a:t>‹#›</a:t>
+            </a:fld>
+            <a:endParaRPr lang="en-US"/>
           </a:p>
         </p:txBody>
       </p:sp>
@@ -992,10 +956,17 @@
             <p:ph type="title"/>
           </p:nvPr>
         </p:nvSpPr>
-        <p:spPr/>
-        <p:txBody>
-          <a:bodyPr/>
-          <a:lstStyle/>
+        <p:spPr>
+          <a:xfrm>
+            <a:off x="457200" y="155448"/>
+            <a:ext cx="8229600" cy="1252728"/>
+          </a:xfrm>
+        </p:spPr>
+        <p:txBody>
+          <a:bodyPr/>
+          <a:lstStyle>
+            <a:extLst/>
+          </a:lstStyle>
           <a:p>
             <a:r>
               <a:rPr kumimoji="0" lang="en-US" smtClean="0"/>
@@ -1007,6 +978,60 @@
       </p:sp>
       <p:sp>
         <p:nvSpPr>
+          <p:cNvPr id="3" name="Content Placeholder 2"/>
+          <p:cNvSpPr>
+            <a:spLocks noGrp="1"/>
+          </p:cNvSpPr>
+          <p:nvPr>
+            <p:ph idx="1"/>
+          </p:nvPr>
+        </p:nvSpPr>
+        <p:spPr/>
+        <p:txBody>
+          <a:bodyPr/>
+          <a:lstStyle>
+            <a:extLst/>
+          </a:lstStyle>
+          <a:p>
+            <a:pPr lvl="0" eaLnBrk="1" latinLnBrk="0" hangingPunct="1"/>
+            <a:r>
+              <a:rPr lang="en-US" smtClean="0"/>
+              <a:t>Click to edit Master text styles</a:t>
+            </a:r>
+          </a:p>
+          <a:p>
+            <a:pPr lvl="1" eaLnBrk="1" latinLnBrk="0" hangingPunct="1"/>
+            <a:r>
+              <a:rPr lang="en-US" smtClean="0"/>
+              <a:t>Second level</a:t>
+            </a:r>
+          </a:p>
+          <a:p>
+            <a:pPr lvl="2" eaLnBrk="1" latinLnBrk="0" hangingPunct="1"/>
+            <a:r>
+              <a:rPr lang="en-US" smtClean="0"/>
+              <a:t>Third level</a:t>
+            </a:r>
+          </a:p>
+          <a:p>
+            <a:pPr lvl="3" eaLnBrk="1" latinLnBrk="0" hangingPunct="1"/>
+            <a:r>
+              <a:rPr lang="en-US" smtClean="0"/>
+              <a:t>Fourth level</a:t>
+            </a:r>
+          </a:p>
+          <a:p>
+            <a:pPr lvl="4" eaLnBrk="1" latinLnBrk="0" hangingPunct="1"/>
+            <a:r>
+              <a:rPr lang="en-US" smtClean="0"/>
+              <a:t>Fifth level</a:t>
+            </a:r>
+            <a:endParaRPr kumimoji="0" lang="en-US"/>
+          </a:p>
+        </p:txBody>
+      </p:sp>
+      <p:sp>
+        <p:nvSpPr>
           <p:cNvPr id="4" name="Date Placeholder 3"/>
           <p:cNvSpPr>
             <a:spLocks noGrp="1"/>
@@ -1022,7 +1047,8 @@
           <a:p>
             <a:fld id="{51D6720C-CCE0-4063-BE8F-F14FA866EFA5}" type="datetimeFigureOut">
               <a:rPr lang="en-US" smtClean="0"/>
-              <a:t>5/10/2010</a:t>
+              <a:pPr/>
+              <a:t>5/11/2010</a:t>
             </a:fld>
             <a:endParaRPr lang="en-US"/>
           </a:p>
@@ -1064,66 +1090,10 @@
           <a:p>
             <a:fld id="{29DA0FC7-CCA2-43EF-9EF1-9875407B5314}" type="slidenum">
               <a:rPr lang="en-US" smtClean="0"/>
+              <a:pPr/>
               <a:t>‹#›</a:t>
             </a:fld>
             <a:endParaRPr lang="en-US"/>
-          </a:p>
-        </p:txBody>
-      </p:sp>
-      <p:sp>
-        <p:nvSpPr>
-          <p:cNvPr id="8" name="Content Placeholder 7"/>
-          <p:cNvSpPr>
-            <a:spLocks noGrp="1"/>
-          </p:cNvSpPr>
-          <p:nvPr>
-            <p:ph sz="quarter" idx="1"/>
-          </p:nvPr>
-        </p:nvSpPr>
-        <p:spPr>
-          <a:xfrm>
-            <a:off x="457200" y="1219200"/>
-            <a:ext cx="8229600" cy="4937760"/>
-          </a:xfrm>
-        </p:spPr>
-        <p:txBody>
-          <a:bodyPr/>
-          <a:lstStyle/>
-          <a:p>
-            <a:pPr lvl="0" eaLnBrk="1" latinLnBrk="0" hangingPunct="1"/>
-            <a:r>
-              <a:rPr lang="en-US" smtClean="0"/>
-              <a:t>Click to edit Master text styles</a:t>
-            </a:r>
-          </a:p>
-          <a:p>
-            <a:pPr lvl="1" eaLnBrk="1" latinLnBrk="0" hangingPunct="1"/>
-            <a:r>
-              <a:rPr lang="en-US" smtClean="0"/>
-              <a:t>Second level</a:t>
-            </a:r>
-          </a:p>
-          <a:p>
-            <a:pPr lvl="2" eaLnBrk="1" latinLnBrk="0" hangingPunct="1"/>
-            <a:r>
-              <a:rPr lang="en-US" smtClean="0"/>
-              <a:t>Third level</a:t>
-            </a:r>
-          </a:p>
-          <a:p>
-            <a:pPr lvl="3" eaLnBrk="1" latinLnBrk="0" hangingPunct="1"/>
-            <a:r>
-              <a:rPr lang="en-US" smtClean="0"/>
-              <a:t>Fourth level</a:t>
-            </a:r>
-          </a:p>
-          <a:p>
-            <a:pPr lvl="4" eaLnBrk="1" latinLnBrk="0" hangingPunct="1"/>
-            <a:r>
-              <a:rPr lang="en-US" smtClean="0"/>
-              <a:t>Fifth level</a:t>
-            </a:r>
-            <a:endParaRPr kumimoji="0" lang="en-US"/>
           </a:p>
         </p:txBody>
       </p:sp>
@@ -1139,7 +1109,7 @@
 <p:sldLayout xmlns:a="http://schemas.openxmlformats.org/drawingml/2006/main" xmlns:r="http://schemas.openxmlformats.org/officeDocument/2006/relationships" xmlns:p="http://schemas.openxmlformats.org/presentationml/2006/main" showMasterSp="0" type="secHead" preserve="1">
   <p:cSld name="Section Header">
     <p:bg>
-      <p:bgRef idx="1001">
+      <p:bgRef idx="1002">
         <a:schemeClr val="bg2"/>
       </p:bgRef>
     </p:bg>
@@ -1159,6 +1129,107 @@
       </p:grpSpPr>
       <p:sp>
         <p:nvSpPr>
+          <p:cNvPr id="9" name="Rectangle 8"/>
+          <p:cNvSpPr/>
+          <p:nvPr/>
+        </p:nvSpPr>
+        <p:spPr bwMode="ltGray">
+          <a:xfrm>
+            <a:off x="0" y="1"/>
+            <a:ext cx="9144000" cy="2602520"/>
+          </a:xfrm>
+          <a:prstGeom prst="rect">
+            <a:avLst/>
+          </a:prstGeom>
+          <a:solidFill>
+            <a:srgbClr val="000000"/>
+          </a:solidFill>
+          <a:ln w="48000" cap="flat" cmpd="thickThin" algn="ctr">
+            <a:noFill/>
+            <a:prstDash val="solid"/>
+          </a:ln>
+        </p:spPr>
+        <p:style>
+          <a:lnRef idx="2">
+            <a:schemeClr val="accent1"/>
+          </a:lnRef>
+          <a:fillRef idx="1">
+            <a:schemeClr val="accent1"/>
+          </a:fillRef>
+          <a:effectRef idx="0">
+            <a:schemeClr val="accent1"/>
+          </a:effectRef>
+          <a:fontRef idx="minor">
+            <a:schemeClr val="lt1"/>
+          </a:fontRef>
+        </p:style>
+        <p:txBody>
+          <a:bodyPr rtlCol="0" anchor="ctr"/>
+          <a:lstStyle>
+            <a:extLst/>
+          </a:lstStyle>
+          <a:p>
+            <a:pPr algn="ctr" eaLnBrk="1" latinLnBrk="0" hangingPunct="1"/>
+            <a:endParaRPr kumimoji="0" lang="en-US"/>
+          </a:p>
+        </p:txBody>
+      </p:sp>
+      <p:sp>
+        <p:nvSpPr>
+          <p:cNvPr id="12" name="Rectangle 11"/>
+          <p:cNvSpPr/>
+          <p:nvPr/>
+        </p:nvSpPr>
+        <p:spPr bwMode="invGray">
+          <a:xfrm>
+            <a:off x="0" y="2602520"/>
+            <a:ext cx="9144000" cy="45720"/>
+          </a:xfrm>
+          <a:prstGeom prst="rect">
+            <a:avLst/>
+          </a:prstGeom>
+          <a:solidFill>
+            <a:srgbClr val="FFFFFF"/>
+          </a:solidFill>
+          <a:ln w="48000" cap="flat" cmpd="thickThin" algn="ctr">
+            <a:noFill/>
+            <a:prstDash val="solid"/>
+          </a:ln>
+          <a:effectLst>
+            <a:outerShdw blurRad="31750" dist="10160" dir="5400000" algn="tl" rotWithShape="0">
+              <a:srgbClr val="000000">
+                <a:alpha val="60000"/>
+              </a:srgbClr>
+            </a:outerShdw>
+          </a:effectLst>
+        </p:spPr>
+        <p:style>
+          <a:lnRef idx="2">
+            <a:schemeClr val="accent1"/>
+          </a:lnRef>
+          <a:fillRef idx="1">
+            <a:schemeClr val="accent1"/>
+          </a:fillRef>
+          <a:effectRef idx="0">
+            <a:schemeClr val="accent1"/>
+          </a:effectRef>
+          <a:fontRef idx="minor">
+            <a:schemeClr val="lt1"/>
+          </a:fontRef>
+        </p:style>
+        <p:txBody>
+          <a:bodyPr rtlCol="0" anchor="ctr"/>
+          <a:lstStyle>
+            <a:extLst/>
+          </a:lstStyle>
+          <a:p>
+            <a:pPr algn="ctr" eaLnBrk="1" latinLnBrk="0" hangingPunct="1"/>
+            <a:endParaRPr kumimoji="0" lang="en-US"/>
+          </a:p>
+        </p:txBody>
+      </p:sp>
+      <p:sp>
+        <p:nvSpPr>
           <p:cNvPr id="2" name="Title 1"/>
           <p:cNvSpPr>
             <a:spLocks noGrp="1"/>
@@ -1169,17 +1240,28 @@
         </p:nvSpPr>
         <p:spPr>
           <a:xfrm>
-            <a:off x="1219200" y="2971800"/>
-            <a:ext cx="6858000" cy="1066800"/>
+            <a:off x="749808" y="118872"/>
+            <a:ext cx="8013192" cy="1636776"/>
           </a:xfrm>
         </p:spPr>
         <p:txBody>
-          <a:bodyPr anchor="t" anchorCtr="0"/>
+          <a:bodyPr vert="horz" lIns="91440" tIns="0" rIns="91440" bIns="0" rtlCol="0" anchor="b">
+            <a:normAutofit/>
+            <a:scene3d>
+              <a:camera prst="orthographicFront"/>
+              <a:lightRig rig="threePt" dir="t">
+                <a:rot lat="0" lon="0" rev="4800000"/>
+              </a:lightRig>
+            </a:scene3d>
+            <a:sp3d prstMaterial="matte">
+              <a:bevelT w="50800" h="10160"/>
+            </a:sp3d>
+          </a:bodyPr>
           <a:lstStyle>
-            <a:lvl1pPr algn="r">
-              <a:buNone/>
-              <a:defRPr sz="3200" b="0" cap="none" baseline="0"/>
+            <a:lvl1pPr algn="l">
+              <a:defRPr sz="4700" b="1" cap="none" baseline="0"/>
             </a:lvl1pPr>
+            <a:extLst/>
           </a:lstStyle>
           <a:p>
             <a:r>
@@ -1202,24 +1284,22 @@
         </p:nvSpPr>
         <p:spPr>
           <a:xfrm>
-            <a:off x="1295400" y="4267200"/>
-            <a:ext cx="6781800" cy="1143000"/>
+            <a:off x="740664" y="1828800"/>
+            <a:ext cx="8022336" cy="685800"/>
           </a:xfrm>
         </p:spPr>
         <p:txBody>
-          <a:bodyPr anchor="t" anchorCtr="0"/>
+          <a:bodyPr lIns="146304" tIns="0" rIns="45720" bIns="0" anchor="t"/>
           <a:lstStyle>
-            <a:lvl1pPr marL="0" indent="0" algn="r">
+            <a:lvl1pPr marL="0" indent="0">
               <a:buNone/>
               <a:defRPr sz="2000">
                 <a:solidFill>
-                  <a:schemeClr val="tx1">
-                    <a:tint val="75000"/>
-                  </a:schemeClr>
+                  <a:srgbClr val="FFFFFF"/>
                 </a:solidFill>
               </a:defRPr>
             </a:lvl1pPr>
-            <a:lvl2pPr>
+            <a:lvl2pPr marL="457200" indent="0">
               <a:buNone/>
               <a:defRPr sz="1800">
                 <a:solidFill>
@@ -1229,7 +1309,7 @@
                 </a:solidFill>
               </a:defRPr>
             </a:lvl2pPr>
-            <a:lvl3pPr>
+            <a:lvl3pPr marL="914400" indent="0">
               <a:buNone/>
               <a:defRPr sz="1600">
                 <a:solidFill>
@@ -1239,7 +1319,7 @@
                 </a:solidFill>
               </a:defRPr>
             </a:lvl3pPr>
-            <a:lvl4pPr>
+            <a:lvl4pPr marL="1371600" indent="0">
               <a:buNone/>
               <a:defRPr sz="1400">
                 <a:solidFill>
@@ -1249,7 +1329,7 @@
                 </a:solidFill>
               </a:defRPr>
             </a:lvl4pPr>
-            <a:lvl5pPr>
+            <a:lvl5pPr marL="1828800" indent="0">
               <a:buNone/>
               <a:defRPr sz="1400">
                 <a:solidFill>
@@ -1259,6 +1339,47 @@
                 </a:solidFill>
               </a:defRPr>
             </a:lvl5pPr>
+            <a:lvl6pPr marL="2286000" indent="0">
+              <a:buNone/>
+              <a:defRPr sz="1400">
+                <a:solidFill>
+                  <a:schemeClr val="tx1">
+                    <a:tint val="75000"/>
+                  </a:schemeClr>
+                </a:solidFill>
+              </a:defRPr>
+            </a:lvl6pPr>
+            <a:lvl7pPr marL="2743200" indent="0">
+              <a:buNone/>
+              <a:defRPr sz="1400">
+                <a:solidFill>
+                  <a:schemeClr val="tx1">
+                    <a:tint val="75000"/>
+                  </a:schemeClr>
+                </a:solidFill>
+              </a:defRPr>
+            </a:lvl7pPr>
+            <a:lvl8pPr marL="3200400" indent="0">
+              <a:buNone/>
+              <a:defRPr sz="1400">
+                <a:solidFill>
+                  <a:schemeClr val="tx1">
+                    <a:tint val="75000"/>
+                  </a:schemeClr>
+                </a:solidFill>
+              </a:defRPr>
+            </a:lvl8pPr>
+            <a:lvl9pPr marL="3657600" indent="0">
+              <a:buNone/>
+              <a:defRPr sz="1400">
+                <a:solidFill>
+                  <a:schemeClr val="tx1">
+                    <a:tint val="75000"/>
+                  </a:schemeClr>
+                </a:solidFill>
+              </a:defRPr>
+            </a:lvl9pPr>
+            <a:extLst/>
           </a:lstStyle>
           <a:p>
             <a:pPr lvl="0" eaLnBrk="1" latinLnBrk="0" hangingPunct="1"/>
@@ -1279,19 +1400,15 @@
             <p:ph type="dt" sz="half" idx="10"/>
           </p:nvPr>
         </p:nvSpPr>
-        <p:spPr>
-          <a:xfrm>
-            <a:off x="6400800" y="6355080"/>
-            <a:ext cx="2286000" cy="365760"/>
-          </a:xfrm>
-        </p:spPr>
+        <p:spPr/>
         <p:txBody>
           <a:bodyPr/>
           <a:lstStyle/>
           <a:p>
             <a:fld id="{51D6720C-CCE0-4063-BE8F-F14FA866EFA5}" type="datetimeFigureOut">
               <a:rPr lang="en-US" smtClean="0"/>
-              <a:t>5/10/2010</a:t>
+              <a:pPr/>
+              <a:t>5/11/2010</a:t>
             </a:fld>
             <a:endParaRPr lang="en-US"/>
           </a:p>
@@ -1307,12 +1424,7 @@
             <p:ph type="ftr" sz="quarter" idx="11"/>
           </p:nvPr>
         </p:nvSpPr>
-        <p:spPr>
-          <a:xfrm>
-            <a:off x="2898648" y="6355080"/>
-            <a:ext cx="3474720" cy="365760"/>
-          </a:xfrm>
-        </p:spPr>
+        <p:spPr/>
         <p:txBody>
           <a:bodyPr/>
           <a:lstStyle/>
@@ -1331,113 +1443,17 @@
             <p:ph type="sldNum" sz="quarter" idx="12"/>
           </p:nvPr>
         </p:nvSpPr>
-        <p:spPr>
-          <a:xfrm>
-            <a:off x="1069848" y="6355080"/>
-            <a:ext cx="1520952" cy="365760"/>
-          </a:xfrm>
-        </p:spPr>
+        <p:spPr/>
         <p:txBody>
           <a:bodyPr/>
           <a:lstStyle/>
           <a:p>
             <a:fld id="{29DA0FC7-CCA2-43EF-9EF1-9875407B5314}" type="slidenum">
               <a:rPr lang="en-US" smtClean="0"/>
+              <a:pPr/>
               <a:t>‹#›</a:t>
             </a:fld>
             <a:endParaRPr lang="en-US"/>
-          </a:p>
-        </p:txBody>
-      </p:sp>
-      <p:sp>
-        <p:nvSpPr>
-          <p:cNvPr id="7" name="Rectangle 6"/>
-          <p:cNvSpPr/>
-          <p:nvPr/>
-        </p:nvSpPr>
-        <p:spPr>
-          <a:xfrm>
-            <a:off x="914400" y="2819400"/>
-            <a:ext cx="7315200" cy="1280160"/>
-          </a:xfrm>
-          <a:prstGeom prst="rect">
-            <a:avLst/>
-          </a:prstGeom>
-          <a:noFill/>
-          <a:ln w="6350" cap="rnd" cmpd="sng" algn="ctr">
-            <a:solidFill>
-              <a:schemeClr val="accent1"/>
-            </a:solidFill>
-            <a:prstDash val="solid"/>
-          </a:ln>
-          <a:effectLst/>
-        </p:spPr>
-        <p:style>
-          <a:lnRef idx="3">
-            <a:schemeClr val="lt1"/>
-          </a:lnRef>
-          <a:fillRef idx="1">
-            <a:schemeClr val="accent1"/>
-          </a:fillRef>
-          <a:effectRef idx="1">
-            <a:schemeClr val="accent1"/>
-          </a:effectRef>
-          <a:fontRef idx="minor">
-            <a:schemeClr val="lt1"/>
-          </a:fontRef>
-        </p:style>
-        <p:txBody>
-          <a:bodyPr anchor="ctr"/>
-          <a:lstStyle/>
-          <a:p>
-            <a:pPr algn="ctr" eaLnBrk="1" latinLnBrk="0" hangingPunct="1"/>
-            <a:endParaRPr kumimoji="0" lang="en-US"/>
-          </a:p>
-        </p:txBody>
-      </p:sp>
-      <p:sp>
-        <p:nvSpPr>
-          <p:cNvPr id="8" name="Rectangle 7"/>
-          <p:cNvSpPr/>
-          <p:nvPr/>
-        </p:nvSpPr>
-        <p:spPr>
-          <a:xfrm>
-            <a:off x="914400" y="2819400"/>
-            <a:ext cx="228600" cy="1280160"/>
-          </a:xfrm>
-          <a:prstGeom prst="rect">
-            <a:avLst/>
-          </a:prstGeom>
-          <a:solidFill>
-            <a:schemeClr val="accent1"/>
-          </a:solidFill>
-          <a:ln w="6350" cap="rnd" cmpd="sng" algn="ctr">
-            <a:noFill/>
-            <a:prstDash val="solid"/>
-          </a:ln>
-          <a:effectLst/>
-        </p:spPr>
-        <p:style>
-          <a:lnRef idx="3">
-            <a:schemeClr val="lt1"/>
-          </a:lnRef>
-          <a:fillRef idx="1">
-            <a:schemeClr val="accent1"/>
-          </a:fillRef>
-          <a:effectRef idx="1">
-            <a:schemeClr val="accent1"/>
-          </a:effectRef>
-          <a:fontRef idx="minor">
-            <a:schemeClr val="lt1"/>
-          </a:fontRef>
-        </p:style>
-        <p:txBody>
-          <a:bodyPr anchor="ctr"/>
-          <a:lstStyle/>
-          <a:p>
-            <a:pPr algn="ctr" eaLnBrk="1" latinLnBrk="0" hangingPunct="1"/>
-            <a:endParaRPr kumimoji="0" lang="en-US"/>
           </a:p>
         </p:txBody>
       </p:sp>
@@ -1476,42 +1492,212 @@
             <p:ph type="title"/>
           </p:nvPr>
         </p:nvSpPr>
+        <p:spPr/>
+        <p:txBody>
+          <a:bodyPr/>
+          <a:lstStyle>
+            <a:extLst/>
+          </a:lstStyle>
+          <a:p>
+            <a:r>
+              <a:rPr kumimoji="0" lang="en-US" smtClean="0"/>
+              <a:t>Click to edit Master title style</a:t>
+            </a:r>
+            <a:endParaRPr kumimoji="0" lang="en-US"/>
+          </a:p>
+        </p:txBody>
+      </p:sp>
+      <p:sp>
+        <p:nvSpPr>
+          <p:cNvPr id="3" name="Content Placeholder 2"/>
+          <p:cNvSpPr>
+            <a:spLocks noGrp="1"/>
+          </p:cNvSpPr>
+          <p:nvPr>
+            <p:ph sz="half" idx="1"/>
+          </p:nvPr>
+        </p:nvSpPr>
         <p:spPr>
           <a:xfrm>
-            <a:off x="457200" y="228600"/>
-            <a:ext cx="8229600" cy="914400"/>
+            <a:off x="457200" y="1773936"/>
+            <a:ext cx="4038600" cy="4623816"/>
           </a:xfrm>
         </p:spPr>
         <p:txBody>
+          <a:bodyPr lIns="91440"/>
+          <a:lstStyle>
+            <a:lvl1pPr>
+              <a:defRPr sz="2800"/>
+            </a:lvl1pPr>
+            <a:lvl2pPr>
+              <a:defRPr sz="2400"/>
+            </a:lvl2pPr>
+            <a:lvl3pPr>
+              <a:defRPr sz="2000"/>
+            </a:lvl3pPr>
+            <a:lvl4pPr>
+              <a:defRPr sz="1800"/>
+            </a:lvl4pPr>
+            <a:lvl5pPr>
+              <a:defRPr sz="1800"/>
+            </a:lvl5pPr>
+            <a:lvl6pPr>
+              <a:defRPr sz="1800"/>
+            </a:lvl6pPr>
+            <a:lvl7pPr>
+              <a:defRPr sz="1800"/>
+            </a:lvl7pPr>
+            <a:lvl8pPr>
+              <a:defRPr sz="1800"/>
+            </a:lvl8pPr>
+            <a:lvl9pPr>
+              <a:defRPr sz="1800"/>
+            </a:lvl9pPr>
+            <a:extLst/>
+          </a:lstStyle>
+          <a:p>
+            <a:pPr lvl="0" eaLnBrk="1" latinLnBrk="0" hangingPunct="1"/>
+            <a:r>
+              <a:rPr lang="en-US" smtClean="0"/>
+              <a:t>Click to edit Master text styles</a:t>
+            </a:r>
+          </a:p>
+          <a:p>
+            <a:pPr lvl="1" eaLnBrk="1" latinLnBrk="0" hangingPunct="1"/>
+            <a:r>
+              <a:rPr lang="en-US" smtClean="0"/>
+              <a:t>Second level</a:t>
+            </a:r>
+          </a:p>
+          <a:p>
+            <a:pPr lvl="2" eaLnBrk="1" latinLnBrk="0" hangingPunct="1"/>
+            <a:r>
+              <a:rPr lang="en-US" smtClean="0"/>
+              <a:t>Third level</a:t>
+            </a:r>
+          </a:p>
+          <a:p>
+            <a:pPr lvl="3" eaLnBrk="1" latinLnBrk="0" hangingPunct="1"/>
+            <a:r>
+              <a:rPr lang="en-US" smtClean="0"/>
+              <a:t>Fourth level</a:t>
+            </a:r>
+          </a:p>
+          <a:p>
+            <a:pPr lvl="4" eaLnBrk="1" latinLnBrk="0" hangingPunct="1"/>
+            <a:r>
+              <a:rPr lang="en-US" smtClean="0"/>
+              <a:t>Fifth level</a:t>
+            </a:r>
+            <a:endParaRPr kumimoji="0" lang="en-US"/>
+          </a:p>
+        </p:txBody>
+      </p:sp>
+      <p:sp>
+        <p:nvSpPr>
+          <p:cNvPr id="4" name="Content Placeholder 3"/>
+          <p:cNvSpPr>
+            <a:spLocks noGrp="1"/>
+          </p:cNvSpPr>
+          <p:nvPr>
+            <p:ph sz="half" idx="2"/>
+          </p:nvPr>
+        </p:nvSpPr>
+        <p:spPr>
+          <a:xfrm>
+            <a:off x="4648200" y="1773936"/>
+            <a:ext cx="4038600" cy="4623816"/>
+          </a:xfrm>
+        </p:spPr>
+        <p:txBody>
+          <a:bodyPr/>
+          <a:lstStyle>
+            <a:lvl1pPr>
+              <a:defRPr sz="2800"/>
+            </a:lvl1pPr>
+            <a:lvl2pPr>
+              <a:defRPr sz="2400"/>
+            </a:lvl2pPr>
+            <a:lvl3pPr>
+              <a:defRPr sz="2000"/>
+            </a:lvl3pPr>
+            <a:lvl4pPr>
+              <a:defRPr sz="1800"/>
+            </a:lvl4pPr>
+            <a:lvl5pPr>
+              <a:defRPr sz="1800"/>
+            </a:lvl5pPr>
+            <a:lvl6pPr>
+              <a:defRPr sz="1800"/>
+            </a:lvl6pPr>
+            <a:lvl7pPr>
+              <a:defRPr sz="1800"/>
+            </a:lvl7pPr>
+            <a:lvl8pPr>
+              <a:defRPr sz="1800"/>
+            </a:lvl8pPr>
+            <a:lvl9pPr>
+              <a:defRPr sz="1800"/>
+            </a:lvl9pPr>
+            <a:extLst/>
+          </a:lstStyle>
+          <a:p>
+            <a:pPr lvl="0" eaLnBrk="1" latinLnBrk="0" hangingPunct="1"/>
+            <a:r>
+              <a:rPr lang="en-US" smtClean="0"/>
+              <a:t>Click to edit Master text styles</a:t>
+            </a:r>
+          </a:p>
+          <a:p>
+            <a:pPr lvl="1" eaLnBrk="1" latinLnBrk="0" hangingPunct="1"/>
+            <a:r>
+              <a:rPr lang="en-US" smtClean="0"/>
+              <a:t>Second level</a:t>
+            </a:r>
+          </a:p>
+          <a:p>
+            <a:pPr lvl="2" eaLnBrk="1" latinLnBrk="0" hangingPunct="1"/>
+            <a:r>
+              <a:rPr lang="en-US" smtClean="0"/>
+              <a:t>Third level</a:t>
+            </a:r>
+          </a:p>
+          <a:p>
+            <a:pPr lvl="3" eaLnBrk="1" latinLnBrk="0" hangingPunct="1"/>
+            <a:r>
+              <a:rPr lang="en-US" smtClean="0"/>
+              <a:t>Fourth level</a:t>
+            </a:r>
+          </a:p>
+          <a:p>
+            <a:pPr lvl="4" eaLnBrk="1" latinLnBrk="0" hangingPunct="1"/>
+            <a:r>
+              <a:rPr lang="en-US" smtClean="0"/>
+              <a:t>Fifth level</a:t>
+            </a:r>
+            <a:endParaRPr kumimoji="0" lang="en-US"/>
+          </a:p>
+        </p:txBody>
+      </p:sp>
+      <p:sp>
+        <p:nvSpPr>
+          <p:cNvPr id="5" name="Date Placeholder 4"/>
+          <p:cNvSpPr>
+            <a:spLocks noGrp="1"/>
+          </p:cNvSpPr>
+          <p:nvPr>
+            <p:ph type="dt" sz="half" idx="10"/>
+          </p:nvPr>
+        </p:nvSpPr>
+        <p:spPr/>
+        <p:txBody>
           <a:bodyPr/>
           <a:lstStyle/>
           <a:p>
-            <a:r>
-              <a:rPr kumimoji="0" lang="en-US" smtClean="0"/>
-              <a:t>Click to edit Master title style</a:t>
-            </a:r>
-            <a:endParaRPr kumimoji="0" lang="en-US"/>
-          </a:p>
-        </p:txBody>
-      </p:sp>
-      <p:sp>
-        <p:nvSpPr>
-          <p:cNvPr id="5" name="Date Placeholder 4"/>
-          <p:cNvSpPr>
-            <a:spLocks noGrp="1"/>
-          </p:cNvSpPr>
-          <p:nvPr>
-            <p:ph type="dt" sz="half" idx="10"/>
-          </p:nvPr>
-        </p:nvSpPr>
-        <p:spPr/>
-        <p:txBody>
-          <a:bodyPr/>
-          <a:lstStyle/>
-          <a:p>
             <a:fld id="{51D6720C-CCE0-4063-BE8F-F14FA866EFA5}" type="datetimeFigureOut">
               <a:rPr lang="en-US" smtClean="0"/>
-              <a:t>5/10/2010</a:t>
+              <a:pPr/>
+              <a:t>5/11/2010</a:t>
             </a:fld>
             <a:endParaRPr lang="en-US"/>
           </a:p>
@@ -1553,123 +1739,10 @@
           <a:p>
             <a:fld id="{29DA0FC7-CCA2-43EF-9EF1-9875407B5314}" type="slidenum">
               <a:rPr lang="en-US" smtClean="0"/>
+              <a:pPr/>
               <a:t>‹#›</a:t>
             </a:fld>
             <a:endParaRPr lang="en-US"/>
-          </a:p>
-        </p:txBody>
-      </p:sp>
-      <p:sp>
-        <p:nvSpPr>
-          <p:cNvPr id="9" name="Content Placeholder 8"/>
-          <p:cNvSpPr>
-            <a:spLocks noGrp="1"/>
-          </p:cNvSpPr>
-          <p:nvPr>
-            <p:ph sz="quarter" idx="1"/>
-          </p:nvPr>
-        </p:nvSpPr>
-        <p:spPr>
-          <a:xfrm>
-            <a:off x="457200" y="1219200"/>
-            <a:ext cx="4041648" cy="4937760"/>
-          </a:xfrm>
-        </p:spPr>
-        <p:txBody>
-          <a:bodyPr/>
-          <a:lstStyle/>
-          <a:p>
-            <a:pPr lvl="0" eaLnBrk="1" latinLnBrk="0" hangingPunct="1"/>
-            <a:r>
-              <a:rPr lang="en-US" smtClean="0"/>
-              <a:t>Click to edit Master text styles</a:t>
-            </a:r>
-          </a:p>
-          <a:p>
-            <a:pPr lvl="1" eaLnBrk="1" latinLnBrk="0" hangingPunct="1"/>
-            <a:r>
-              <a:rPr lang="en-US" smtClean="0"/>
-              <a:t>Second level</a:t>
-            </a:r>
-          </a:p>
-          <a:p>
-            <a:pPr lvl="2" eaLnBrk="1" latinLnBrk="0" hangingPunct="1"/>
-            <a:r>
-              <a:rPr lang="en-US" smtClean="0"/>
-              <a:t>Third level</a:t>
-            </a:r>
-          </a:p>
-          <a:p>
-            <a:pPr lvl="3" eaLnBrk="1" latinLnBrk="0" hangingPunct="1"/>
-            <a:r>
-              <a:rPr lang="en-US" smtClean="0"/>
-              <a:t>Fourth level</a:t>
-            </a:r>
-          </a:p>
-          <a:p>
-            <a:pPr lvl="4" eaLnBrk="1" latinLnBrk="0" hangingPunct="1"/>
-            <a:r>
-              <a:rPr lang="en-US" smtClean="0"/>
-              <a:t>Fifth level</a:t>
-            </a:r>
-            <a:endParaRPr kumimoji="0" lang="en-US"/>
-          </a:p>
-        </p:txBody>
-      </p:sp>
-      <p:sp>
-        <p:nvSpPr>
-          <p:cNvPr id="11" name="Content Placeholder 10"/>
-          <p:cNvSpPr>
-            <a:spLocks noGrp="1"/>
-          </p:cNvSpPr>
-          <p:nvPr>
-            <p:ph sz="quarter" idx="2"/>
-          </p:nvPr>
-        </p:nvSpPr>
-        <p:spPr>
-          <a:xfrm>
-            <a:off x="4632198" y="1216152"/>
-            <a:ext cx="4041648" cy="4937760"/>
-          </a:xfrm>
-        </p:spPr>
-        <p:txBody>
-          <a:bodyPr/>
-          <a:lstStyle/>
-          <a:p>
-            <a:pPr lvl="0" eaLnBrk="1" latinLnBrk="0" hangingPunct="1"/>
-            <a:r>
-              <a:rPr lang="en-US" smtClean="0"/>
-              <a:t>Click to edit Master text styles</a:t>
-            </a:r>
-          </a:p>
-          <a:p>
-            <a:pPr lvl="1" eaLnBrk="1" latinLnBrk="0" hangingPunct="1"/>
-            <a:r>
-              <a:rPr lang="en-US" smtClean="0"/>
-              <a:t>Second level</a:t>
-            </a:r>
-          </a:p>
-          <a:p>
-            <a:pPr lvl="2" eaLnBrk="1" latinLnBrk="0" hangingPunct="1"/>
-            <a:r>
-              <a:rPr lang="en-US" smtClean="0"/>
-              <a:t>Third level</a:t>
-            </a:r>
-          </a:p>
-          <a:p>
-            <a:pPr lvl="3" eaLnBrk="1" latinLnBrk="0" hangingPunct="1"/>
-            <a:r>
-              <a:rPr lang="en-US" smtClean="0"/>
-              <a:t>Fourth level</a:t>
-            </a:r>
-          </a:p>
-          <a:p>
-            <a:pPr lvl="4" eaLnBrk="1" latinLnBrk="0" hangingPunct="1"/>
-            <a:r>
-              <a:rPr lang="en-US" smtClean="0"/>
-              <a:t>Fifth level</a:t>
-            </a:r>
-            <a:endParaRPr kumimoji="0" lang="en-US"/>
           </a:p>
         </p:txBody>
       </p:sp>
@@ -1708,18 +1781,14 @@
             <p:ph type="title"/>
           </p:nvPr>
         </p:nvSpPr>
-        <p:spPr>
-          <a:xfrm>
-            <a:off x="457200" y="228600"/>
-            <a:ext cx="8229600" cy="914400"/>
-          </a:xfrm>
-        </p:spPr>
-        <p:txBody>
-          <a:bodyPr anchor="ctr"/>
+        <p:spPr/>
+        <p:txBody>
+          <a:bodyPr/>
           <a:lstStyle>
             <a:lvl1pPr>
               <a:defRPr/>
             </a:lvl1pPr>
+            <a:extLst/>
           </a:lstStyle>
           <a:p>
             <a:r>
@@ -1742,43 +1811,202 @@
         </p:nvSpPr>
         <p:spPr>
           <a:xfrm>
-            <a:off x="457200" y="1285875"/>
-            <a:ext cx="4040188" cy="685800"/>
+            <a:off x="457200" y="1698987"/>
+            <a:ext cx="4040188" cy="715355"/>
           </a:xfrm>
-          <a:noFill/>
-          <a:ln>
-            <a:noFill/>
-          </a:ln>
         </p:spPr>
         <p:txBody>
-          <a:bodyPr lIns="91440" anchor="b" anchorCtr="0">
-            <a:noAutofit/>
-          </a:bodyPr>
+          <a:bodyPr lIns="146304" anchor="ctr"/>
           <a:lstStyle>
             <a:lvl1pPr marL="0" indent="0">
               <a:buNone/>
-              <a:defRPr sz="2400" b="1">
-                <a:solidFill>
-                  <a:schemeClr val="accent2"/>
-                </a:solidFill>
-              </a:defRPr>
+              <a:defRPr sz="2300" b="1" cap="all" baseline="0"/>
+            </a:lvl1pPr>
+            <a:lvl2pPr marL="457200" indent="0">
+              <a:buNone/>
+              <a:defRPr sz="2000" b="1"/>
+            </a:lvl2pPr>
+            <a:lvl3pPr marL="914400" indent="0">
+              <a:buNone/>
+              <a:defRPr sz="1800" b="1"/>
+            </a:lvl3pPr>
+            <a:lvl4pPr marL="1371600" indent="0">
+              <a:buNone/>
+              <a:defRPr sz="1600" b="1"/>
+            </a:lvl4pPr>
+            <a:lvl5pPr marL="1828800" indent="0">
+              <a:buNone/>
+              <a:defRPr sz="1600" b="1"/>
+            </a:lvl5pPr>
+            <a:lvl6pPr marL="2286000" indent="0">
+              <a:buNone/>
+              <a:defRPr sz="1600" b="1"/>
+            </a:lvl6pPr>
+            <a:lvl7pPr marL="2743200" indent="0">
+              <a:buNone/>
+              <a:defRPr sz="1600" b="1"/>
+            </a:lvl7pPr>
+            <a:lvl8pPr marL="3200400" indent="0">
+              <a:buNone/>
+              <a:defRPr sz="1600" b="1"/>
+            </a:lvl8pPr>
+            <a:lvl9pPr marL="3657600" indent="0">
+              <a:buNone/>
+              <a:defRPr sz="1600" b="1"/>
+            </a:lvl9pPr>
+            <a:extLst/>
+          </a:lstStyle>
+          <a:p>
+            <a:pPr lvl="0" eaLnBrk="1" latinLnBrk="0" hangingPunct="1"/>
+            <a:r>
+              <a:rPr kumimoji="0" lang="en-US" smtClean="0"/>
+              <a:t>Click to edit Master text styles</a:t>
+            </a:r>
+          </a:p>
+        </p:txBody>
+      </p:sp>
+      <p:sp>
+        <p:nvSpPr>
+          <p:cNvPr id="4" name="Content Placeholder 3"/>
+          <p:cNvSpPr>
+            <a:spLocks noGrp="1"/>
+          </p:cNvSpPr>
+          <p:nvPr>
+            <p:ph sz="half" idx="2"/>
+          </p:nvPr>
+        </p:nvSpPr>
+        <p:spPr>
+          <a:xfrm>
+            <a:off x="457200" y="2449512"/>
+            <a:ext cx="4040188" cy="3951288"/>
+          </a:xfrm>
+        </p:spPr>
+        <p:txBody>
+          <a:bodyPr/>
+          <a:lstStyle>
+            <a:lvl1pPr>
+              <a:defRPr sz="2400"/>
             </a:lvl1pPr>
             <a:lvl2pPr>
+              <a:defRPr sz="2000"/>
+            </a:lvl2pPr>
+            <a:lvl3pPr>
+              <a:defRPr sz="1800"/>
+            </a:lvl3pPr>
+            <a:lvl4pPr>
+              <a:defRPr sz="1600"/>
+            </a:lvl4pPr>
+            <a:lvl5pPr>
+              <a:defRPr sz="1600"/>
+            </a:lvl5pPr>
+            <a:lvl6pPr>
+              <a:defRPr sz="1600"/>
+            </a:lvl6pPr>
+            <a:lvl7pPr>
+              <a:defRPr sz="1600"/>
+            </a:lvl7pPr>
+            <a:lvl8pPr>
+              <a:defRPr sz="1600"/>
+            </a:lvl8pPr>
+            <a:lvl9pPr>
+              <a:defRPr sz="1600"/>
+            </a:lvl9pPr>
+            <a:extLst/>
+          </a:lstStyle>
+          <a:p>
+            <a:pPr lvl="0" eaLnBrk="1" latinLnBrk="0" hangingPunct="1"/>
+            <a:r>
+              <a:rPr lang="en-US" smtClean="0"/>
+              <a:t>Click to edit Master text styles</a:t>
+            </a:r>
+          </a:p>
+          <a:p>
+            <a:pPr lvl="1" eaLnBrk="1" latinLnBrk="0" hangingPunct="1"/>
+            <a:r>
+              <a:rPr lang="en-US" smtClean="0"/>
+              <a:t>Second level</a:t>
+            </a:r>
+          </a:p>
+          <a:p>
+            <a:pPr lvl="2" eaLnBrk="1" latinLnBrk="0" hangingPunct="1"/>
+            <a:r>
+              <a:rPr lang="en-US" smtClean="0"/>
+              <a:t>Third level</a:t>
+            </a:r>
+          </a:p>
+          <a:p>
+            <a:pPr lvl="3" eaLnBrk="1" latinLnBrk="0" hangingPunct="1"/>
+            <a:r>
+              <a:rPr lang="en-US" smtClean="0"/>
+              <a:t>Fourth level</a:t>
+            </a:r>
+          </a:p>
+          <a:p>
+            <a:pPr lvl="4" eaLnBrk="1" latinLnBrk="0" hangingPunct="1"/>
+            <a:r>
+              <a:rPr lang="en-US" smtClean="0"/>
+              <a:t>Fifth level</a:t>
+            </a:r>
+            <a:endParaRPr kumimoji="0" lang="en-US"/>
+          </a:p>
+        </p:txBody>
+      </p:sp>
+      <p:sp>
+        <p:nvSpPr>
+          <p:cNvPr id="5" name="Text Placeholder 4"/>
+          <p:cNvSpPr>
+            <a:spLocks noGrp="1"/>
+          </p:cNvSpPr>
+          <p:nvPr>
+            <p:ph type="body" sz="quarter" idx="3"/>
+          </p:nvPr>
+        </p:nvSpPr>
+        <p:spPr>
+          <a:xfrm>
+            <a:off x="4645025" y="1698987"/>
+            <a:ext cx="4041775" cy="715355"/>
+          </a:xfrm>
+        </p:spPr>
+        <p:txBody>
+          <a:bodyPr lIns="146304" anchor="ctr"/>
+          <a:lstStyle>
+            <a:lvl1pPr marL="0" indent="0">
+              <a:buNone/>
+              <a:defRPr sz="2300" b="1" cap="all" baseline="0"/>
+            </a:lvl1pPr>
+            <a:lvl2pPr marL="457200" indent="0">
               <a:buNone/>
               <a:defRPr sz="2000" b="1"/>
             </a:lvl2pPr>
-            <a:lvl3pPr>
+            <a:lvl3pPr marL="914400" indent="0">
               <a:buNone/>
               <a:defRPr sz="1800" b="1"/>
             </a:lvl3pPr>
-            <a:lvl4pPr>
+            <a:lvl4pPr marL="1371600" indent="0">
               <a:buNone/>
               <a:defRPr sz="1600" b="1"/>
             </a:lvl4pPr>
-            <a:lvl5pPr>
+            <a:lvl5pPr marL="1828800" indent="0">
               <a:buNone/>
               <a:defRPr sz="1600" b="1"/>
             </a:lvl5pPr>
+            <a:lvl6pPr marL="2286000" indent="0">
+              <a:buNone/>
+              <a:defRPr sz="1600" b="1"/>
+            </a:lvl6pPr>
+            <a:lvl7pPr marL="2743200" indent="0">
+              <a:buNone/>
+              <a:defRPr sz="1600" b="1"/>
+            </a:lvl7pPr>
+            <a:lvl8pPr marL="3200400" indent="0">
+              <a:buNone/>
+              <a:defRPr sz="1600" b="1"/>
+            </a:lvl8pPr>
+            <a:lvl9pPr marL="3657600" indent="0">
+              <a:buNone/>
+              <a:defRPr sz="1600" b="1"/>
+            </a:lvl9pPr>
+            <a:extLst/>
           </a:lstStyle>
           <a:p>
             <a:pPr lvl="0" eaLnBrk="1" latinLnBrk="0" hangingPunct="1"/>
@@ -1791,59 +2019,88 @@
       </p:sp>
       <p:sp>
         <p:nvSpPr>
-          <p:cNvPr id="4" name="Text Placeholder 3"/>
-          <p:cNvSpPr>
-            <a:spLocks noGrp="1"/>
-          </p:cNvSpPr>
-          <p:nvPr>
-            <p:ph type="body" sz="half" idx="3"/>
+          <p:cNvPr id="6" name="Content Placeholder 5"/>
+          <p:cNvSpPr>
+            <a:spLocks noGrp="1"/>
+          </p:cNvSpPr>
+          <p:nvPr>
+            <p:ph sz="quarter" idx="4"/>
           </p:nvPr>
         </p:nvSpPr>
         <p:spPr>
           <a:xfrm>
-            <a:off x="4648200" y="1295400"/>
-            <a:ext cx="4041775" cy="685800"/>
+            <a:off x="4645025" y="2449512"/>
+            <a:ext cx="4041775" cy="3951288"/>
           </a:xfrm>
-          <a:noFill/>
-          <a:ln>
-            <a:noFill/>
-          </a:ln>
         </p:spPr>
         <p:txBody>
-          <a:bodyPr lIns="91440" anchor="b" anchorCtr="0"/>
+          <a:bodyPr/>
           <a:lstStyle>
-            <a:lvl1pPr marL="0" indent="0">
-              <a:buNone/>
-              <a:defRPr sz="2400" b="1">
-                <a:solidFill>
-                  <a:schemeClr val="accent2"/>
-                </a:solidFill>
-              </a:defRPr>
+            <a:lvl1pPr>
+              <a:defRPr sz="2400"/>
             </a:lvl1pPr>
             <a:lvl2pPr>
-              <a:buNone/>
-              <a:defRPr sz="2000" b="1"/>
+              <a:defRPr sz="2000"/>
             </a:lvl2pPr>
             <a:lvl3pPr>
-              <a:buNone/>
-              <a:defRPr sz="1800" b="1"/>
+              <a:defRPr sz="1800"/>
             </a:lvl3pPr>
             <a:lvl4pPr>
-              <a:buNone/>
-              <a:defRPr sz="1600" b="1"/>
+              <a:defRPr sz="1600"/>
             </a:lvl4pPr>
             <a:lvl5pPr>
-              <a:buNone/>
-              <a:defRPr sz="1600" b="1"/>
+              <a:defRPr sz="1600"/>
             </a:lvl5pPr>
+            <a:lvl6pPr>
+              <a:defRPr sz="1600"/>
+            </a:lvl6pPr>
+            <a:lvl7pPr>
+              <a:defRPr sz="1600"/>
+            </a:lvl7pPr>
+            <a:lvl8pPr>
+              <a:defRPr sz="1600"/>
+            </a:lvl8pPr>
+            <a:lvl9pPr>
+              <a:defRPr sz="1600"/>
+            </a:lvl9pPr>
+            <a:extLst/>
           </a:lstStyle>
           <a:p>
             <a:pPr lvl="0" eaLnBrk="1" latinLnBrk="0" hangingPunct="1"/>
             <a:r>
-              <a:rPr kumimoji="0" lang="en-US" smtClean="0"/>
+              <a:rPr lang="en-US" smtClean="0"/>
               <a:t>Click to edit Master text styles</a:t>
             </a:r>
           </a:p>
+          <a:p>
+            <a:pPr lvl="1" eaLnBrk="1" latinLnBrk="0" hangingPunct="1"/>
+            <a:r>
+              <a:rPr lang="en-US" smtClean="0"/>
+              <a:t>Second level</a:t>
+            </a:r>
+          </a:p>
+          <a:p>
+            <a:pPr lvl="2" eaLnBrk="1" latinLnBrk="0" hangingPunct="1"/>
+            <a:r>
+              <a:rPr lang="en-US" smtClean="0"/>
+              <a:t>Third level</a:t>
+            </a:r>
+          </a:p>
+          <a:p>
+            <a:pPr lvl="3" eaLnBrk="1" latinLnBrk="0" hangingPunct="1"/>
+            <a:r>
+              <a:rPr lang="en-US" smtClean="0"/>
+              <a:t>Fourth level</a:t>
+            </a:r>
+          </a:p>
+          <a:p>
+            <a:pPr lvl="4" eaLnBrk="1" latinLnBrk="0" hangingPunct="1"/>
+            <a:r>
+              <a:rPr lang="en-US" smtClean="0"/>
+              <a:t>Fifth level</a:t>
+            </a:r>
+            <a:endParaRPr kumimoji="0" lang="en-US"/>
+          </a:p>
         </p:txBody>
       </p:sp>
       <p:sp>
@@ -1863,7 +2120,8 @@
           <a:p>
             <a:fld id="{51D6720C-CCE0-4063-BE8F-F14FA866EFA5}" type="datetimeFigureOut">
               <a:rPr lang="en-US" smtClean="0"/>
-              <a:t>5/10/2010</a:t>
+              <a:pPr/>
+              <a:t>5/11/2010</a:t>
             </a:fld>
             <a:endParaRPr lang="en-US"/>
           </a:p>
@@ -1905,123 +2163,10 @@
           <a:p>
             <a:fld id="{29DA0FC7-CCA2-43EF-9EF1-9875407B5314}" type="slidenum">
               <a:rPr lang="en-US" smtClean="0"/>
+              <a:pPr/>
               <a:t>‹#›</a:t>
             </a:fld>
             <a:endParaRPr lang="en-US"/>
-          </a:p>
-        </p:txBody>
-      </p:sp>
-      <p:sp>
-        <p:nvSpPr>
-          <p:cNvPr id="11" name="Content Placeholder 10"/>
-          <p:cNvSpPr>
-            <a:spLocks noGrp="1"/>
-          </p:cNvSpPr>
-          <p:nvPr>
-            <p:ph sz="quarter" idx="2"/>
-          </p:nvPr>
-        </p:nvSpPr>
-        <p:spPr>
-          <a:xfrm>
-            <a:off x="457200" y="2133600"/>
-            <a:ext cx="4038600" cy="4038600"/>
-          </a:xfrm>
-        </p:spPr>
-        <p:txBody>
-          <a:bodyPr/>
-          <a:lstStyle/>
-          <a:p>
-            <a:pPr lvl="0" eaLnBrk="1" latinLnBrk="0" hangingPunct="1"/>
-            <a:r>
-              <a:rPr lang="en-US" smtClean="0"/>
-              <a:t>Click to edit Master text styles</a:t>
-            </a:r>
-          </a:p>
-          <a:p>
-            <a:pPr lvl="1" eaLnBrk="1" latinLnBrk="0" hangingPunct="1"/>
-            <a:r>
-              <a:rPr lang="en-US" smtClean="0"/>
-              <a:t>Second level</a:t>
-            </a:r>
-          </a:p>
-          <a:p>
-            <a:pPr lvl="2" eaLnBrk="1" latinLnBrk="0" hangingPunct="1"/>
-            <a:r>
-              <a:rPr lang="en-US" smtClean="0"/>
-              <a:t>Third level</a:t>
-            </a:r>
-          </a:p>
-          <a:p>
-            <a:pPr lvl="3" eaLnBrk="1" latinLnBrk="0" hangingPunct="1"/>
-            <a:r>
-              <a:rPr lang="en-US" smtClean="0"/>
-              <a:t>Fourth level</a:t>
-            </a:r>
-          </a:p>
-          <a:p>
-            <a:pPr lvl="4" eaLnBrk="1" latinLnBrk="0" hangingPunct="1"/>
-            <a:r>
-              <a:rPr lang="en-US" smtClean="0"/>
-              <a:t>Fifth level</a:t>
-            </a:r>
-            <a:endParaRPr kumimoji="0" lang="en-US"/>
-          </a:p>
-        </p:txBody>
-      </p:sp>
-      <p:sp>
-        <p:nvSpPr>
-          <p:cNvPr id="13" name="Content Placeholder 12"/>
-          <p:cNvSpPr>
-            <a:spLocks noGrp="1"/>
-          </p:cNvSpPr>
-          <p:nvPr>
-            <p:ph sz="quarter" idx="4"/>
-          </p:nvPr>
-        </p:nvSpPr>
-        <p:spPr>
-          <a:xfrm>
-            <a:off x="4648200" y="2133600"/>
-            <a:ext cx="4038600" cy="4038600"/>
-          </a:xfrm>
-        </p:spPr>
-        <p:txBody>
-          <a:bodyPr/>
-          <a:lstStyle/>
-          <a:p>
-            <a:pPr lvl="0" eaLnBrk="1" latinLnBrk="0" hangingPunct="1"/>
-            <a:r>
-              <a:rPr lang="en-US" smtClean="0"/>
-              <a:t>Click to edit Master text styles</a:t>
-            </a:r>
-          </a:p>
-          <a:p>
-            <a:pPr lvl="1" eaLnBrk="1" latinLnBrk="0" hangingPunct="1"/>
-            <a:r>
-              <a:rPr lang="en-US" smtClean="0"/>
-              <a:t>Second level</a:t>
-            </a:r>
-          </a:p>
-          <a:p>
-            <a:pPr lvl="2" eaLnBrk="1" latinLnBrk="0" hangingPunct="1"/>
-            <a:r>
-              <a:rPr lang="en-US" smtClean="0"/>
-              <a:t>Third level</a:t>
-            </a:r>
-          </a:p>
-          <a:p>
-            <a:pPr lvl="3" eaLnBrk="1" latinLnBrk="0" hangingPunct="1"/>
-            <a:r>
-              <a:rPr lang="en-US" smtClean="0"/>
-              <a:t>Fourth level</a:t>
-            </a:r>
-          </a:p>
-          <a:p>
-            <a:pPr lvl="4" eaLnBrk="1" latinLnBrk="0" hangingPunct="1"/>
-            <a:r>
-              <a:rPr lang="en-US" smtClean="0"/>
-              <a:t>Fifth level</a:t>
-            </a:r>
-            <a:endParaRPr kumimoji="0" lang="en-US"/>
           </a:p>
         </p:txBody>
       </p:sp>
@@ -2060,15 +2205,12 @@
             <p:ph type="title"/>
           </p:nvPr>
         </p:nvSpPr>
-        <p:spPr>
-          <a:xfrm>
-            <a:off x="457200" y="228600"/>
-            <a:ext cx="8229600" cy="914400"/>
-          </a:xfrm>
-        </p:spPr>
-        <p:txBody>
-          <a:bodyPr/>
-          <a:lstStyle/>
+        <p:spPr/>
+        <p:txBody>
+          <a:bodyPr/>
+          <a:lstStyle>
+            <a:extLst/>
+          </a:lstStyle>
           <a:p>
             <a:r>
               <a:rPr kumimoji="0" lang="en-US" smtClean="0"/>
@@ -2095,7 +2237,8 @@
           <a:p>
             <a:fld id="{51D6720C-CCE0-4063-BE8F-F14FA866EFA5}" type="datetimeFigureOut">
               <a:rPr lang="en-US" smtClean="0"/>
-              <a:t>5/10/2010</a:t>
+              <a:pPr/>
+              <a:t>5/11/2010</a:t>
             </a:fld>
             <a:endParaRPr lang="en-US"/>
           </a:p>
@@ -2137,59 +2280,10 @@
           <a:p>
             <a:fld id="{29DA0FC7-CCA2-43EF-9EF1-9875407B5314}" type="slidenum">
               <a:rPr lang="en-US" smtClean="0"/>
+              <a:pPr/>
               <a:t>‹#›</a:t>
             </a:fld>
             <a:endParaRPr lang="en-US"/>
-          </a:p>
-        </p:txBody>
-      </p:sp>
-      <p:sp>
-        <p:nvSpPr>
-          <p:cNvPr id="6" name="Isosceles Triangle 5"/>
-          <p:cNvSpPr>
-            <a:spLocks noChangeAspect="1"/>
-          </p:cNvSpPr>
-          <p:nvPr/>
-        </p:nvSpPr>
-        <p:spPr>
-          <a:xfrm rot="5400000">
-            <a:off x="419100" y="6467475"/>
-            <a:ext cx="190849" cy="120314"/>
-          </a:xfrm>
-          <a:prstGeom prst="triangle">
-            <a:avLst>
-              <a:gd name="adj" fmla="val 50000"/>
-            </a:avLst>
-          </a:prstGeom>
-          <a:solidFill>
-            <a:schemeClr val="accent2"/>
-          </a:solidFill>
-          <a:ln w="25400" cap="rnd" cmpd="sng" algn="ctr">
-            <a:noFill/>
-            <a:prstDash val="solid"/>
-          </a:ln>
-          <a:effectLst/>
-        </p:spPr>
-        <p:style>
-          <a:lnRef idx="3">
-            <a:schemeClr val="lt1"/>
-          </a:lnRef>
-          <a:fillRef idx="1">
-            <a:schemeClr val="accent1"/>
-          </a:fillRef>
-          <a:effectRef idx="1">
-            <a:schemeClr val="accent1"/>
-          </a:effectRef>
-          <a:fontRef idx="minor">
-            <a:schemeClr val="lt1"/>
-          </a:fontRef>
-        </p:style>
-        <p:txBody>
-          <a:bodyPr anchor="ctr"/>
-          <a:lstStyle/>
-          <a:p>
-            <a:pPr algn="ctr" eaLnBrk="1" latinLnBrk="0" hangingPunct="1"/>
-            <a:endParaRPr kumimoji="0" lang="en-US"/>
           </a:p>
         </p:txBody>
       </p:sp>
@@ -2235,7 +2329,8 @@
           <a:p>
             <a:fld id="{51D6720C-CCE0-4063-BE8F-F14FA866EFA5}" type="datetimeFigureOut">
               <a:rPr lang="en-US" smtClean="0"/>
-              <a:t>5/10/2010</a:t>
+              <a:pPr/>
+              <a:t>5/11/2010</a:t>
             </a:fld>
             <a:endParaRPr lang="en-US"/>
           </a:p>
@@ -2277,95 +2372,10 @@
           <a:p>
             <a:fld id="{29DA0FC7-CCA2-43EF-9EF1-9875407B5314}" type="slidenum">
               <a:rPr lang="en-US" smtClean="0"/>
+              <a:pPr/>
               <a:t>‹#›</a:t>
             </a:fld>
             <a:endParaRPr lang="en-US"/>
-          </a:p>
-        </p:txBody>
-      </p:sp>
-      <p:sp>
-        <p:nvSpPr>
-          <p:cNvPr id="5" name="Straight Connector 4"/>
-          <p:cNvSpPr>
-            <a:spLocks noChangeShapeType="1"/>
-          </p:cNvSpPr>
-          <p:nvPr/>
-        </p:nvSpPr>
-        <p:spPr bwMode="auto">
-          <a:xfrm>
-            <a:off x="457200" y="6353175"/>
-            <a:ext cx="8229600" cy="0"/>
-          </a:xfrm>
-          <a:prstGeom prst="line">
-            <a:avLst/>
-          </a:prstGeom>
-          <a:noFill/>
-          <a:ln w="9525" cap="flat" cmpd="sng" algn="ctr">
-            <a:solidFill>
-              <a:schemeClr val="accent2"/>
-            </a:solidFill>
-            <a:prstDash val="dash"/>
-            <a:round/>
-            <a:headEnd type="none" w="med" len="med"/>
-            <a:tailEnd type="none" w="med" len="med"/>
-          </a:ln>
-          <a:effectLst/>
-        </p:spPr>
-        <p:txBody>
-          <a:bodyPr vert="horz" wrap="square" lIns="91440" tIns="45720" rIns="91440" bIns="45720" anchor="t" compatLnSpc="1"/>
-          <a:lstStyle/>
-          <a:p>
-            <a:endParaRPr kumimoji="0" lang="en-US"/>
-          </a:p>
-        </p:txBody>
-      </p:sp>
-      <p:sp>
-        <p:nvSpPr>
-          <p:cNvPr id="6" name="Isosceles Triangle 5"/>
-          <p:cNvSpPr>
-            <a:spLocks noChangeAspect="1"/>
-          </p:cNvSpPr>
-          <p:nvPr/>
-        </p:nvSpPr>
-        <p:spPr>
-          <a:xfrm rot="5400000">
-            <a:off x="419100" y="6467475"/>
-            <a:ext cx="190849" cy="120314"/>
-          </a:xfrm>
-          <a:prstGeom prst="triangle">
-            <a:avLst>
-              <a:gd name="adj" fmla="val 50000"/>
-            </a:avLst>
-          </a:prstGeom>
-          <a:solidFill>
-            <a:schemeClr val="accent2"/>
-          </a:solidFill>
-          <a:ln w="25400" cap="rnd" cmpd="sng" algn="ctr">
-            <a:noFill/>
-            <a:prstDash val="solid"/>
-          </a:ln>
-          <a:effectLst/>
-        </p:spPr>
-        <p:style>
-          <a:lnRef idx="3">
-            <a:schemeClr val="lt1"/>
-          </a:lnRef>
-          <a:fillRef idx="1">
-            <a:schemeClr val="accent1"/>
-          </a:fillRef>
-          <a:effectRef idx="1">
-            <a:schemeClr val="accent1"/>
-          </a:effectRef>
-          <a:fontRef idx="minor">
-            <a:schemeClr val="lt1"/>
-          </a:fontRef>
-        </p:style>
-        <p:txBody>
-          <a:bodyPr anchor="ctr"/>
-          <a:lstStyle/>
-          <a:p>
-            <a:pPr algn="ctr" eaLnBrk="1" latinLnBrk="0" hangingPunct="1"/>
-            <a:endParaRPr kumimoji="0" lang="en-US"/>
           </a:p>
         </p:txBody>
       </p:sp>
@@ -2378,7 +2388,7 @@
 </file>
 
 <file path=ppt/slideLayouts/slideLayout8.xml><?xml version="1.0" encoding="utf-8"?>
-<p:sldLayout xmlns:a="http://schemas.openxmlformats.org/drawingml/2006/main" xmlns:r="http://schemas.openxmlformats.org/officeDocument/2006/relationships" xmlns:p="http://schemas.openxmlformats.org/presentationml/2006/main" showMasterSp="0" type="objTx" preserve="1">
+<p:sldLayout xmlns:a="http://schemas.openxmlformats.org/drawingml/2006/main" xmlns:r="http://schemas.openxmlformats.org/officeDocument/2006/relationships" xmlns:p="http://schemas.openxmlformats.org/presentationml/2006/main" type="objTx" preserve="1">
   <p:cSld name="Content with Caption">
     <p:spTree>
       <p:nvGrpSpPr>
@@ -2406,26 +2416,20 @@
         </p:nvSpPr>
         <p:spPr>
           <a:xfrm>
-            <a:off x="6324600" y="304800"/>
-            <a:ext cx="2514600" cy="838200"/>
+            <a:off x="167838" y="152400"/>
+            <a:ext cx="2523744" cy="978408"/>
           </a:xfrm>
         </p:spPr>
         <p:txBody>
-          <a:bodyPr anchor="b" anchorCtr="0">
-            <a:noAutofit/>
+          <a:bodyPr vert="horz" lIns="73152" rIns="45720" bIns="0" rtlCol="0" anchor="b">
+            <a:normAutofit/>
+            <a:sp3d prstMaterial="matte"/>
           </a:bodyPr>
           <a:lstStyle>
             <a:lvl1pPr algn="l">
-              <a:buNone/>
-              <a:defRPr sz="2000" b="1">
-                <a:solidFill>
-                  <a:schemeClr val="tx2"/>
-                </a:solidFill>
-                <a:latin typeface="+mn-lt"/>
-                <a:ea typeface="+mn-ea"/>
-                <a:cs typeface="+mn-cs"/>
-              </a:defRPr>
+              <a:defRPr sz="2000" b="0"/>
             </a:lvl1pPr>
+            <a:extLst/>
           </a:lstStyle>
           <a:p>
             <a:r>
@@ -2438,53 +2442,146 @@
       </p:sp>
       <p:sp>
         <p:nvSpPr>
-          <p:cNvPr id="3" name="Text Placeholder 2"/>
-          <p:cNvSpPr>
-            <a:spLocks noGrp="1"/>
-          </p:cNvSpPr>
-          <p:nvPr>
-            <p:ph type="body" idx="2"/>
+          <p:cNvPr id="3" name="Content Placeholder 2"/>
+          <p:cNvSpPr>
+            <a:spLocks noGrp="1"/>
+          </p:cNvSpPr>
+          <p:nvPr>
+            <p:ph idx="1"/>
           </p:nvPr>
         </p:nvSpPr>
         <p:spPr>
           <a:xfrm>
-            <a:off x="6324600" y="1219200"/>
-            <a:ext cx="2514600" cy="4843463"/>
+            <a:off x="3019377" y="1743133"/>
+            <a:ext cx="5920641" cy="4558885"/>
           </a:xfrm>
         </p:spPr>
         <p:txBody>
           <a:bodyPr/>
           <a:lstStyle>
-            <a:lvl1pPr marL="0" indent="0">
-              <a:lnSpc>
-                <a:spcPts val="2200"/>
-              </a:lnSpc>
-              <a:spcAft>
-                <a:spcPts val="1000"/>
-              </a:spcAft>
-              <a:buNone/>
-              <a:defRPr sz="1600">
-                <a:solidFill>
-                  <a:schemeClr val="tx2"/>
-                </a:solidFill>
-              </a:defRPr>
+            <a:lvl1pPr>
+              <a:defRPr sz="3200"/>
             </a:lvl1pPr>
             <a:lvl2pPr>
+              <a:defRPr sz="2800"/>
+            </a:lvl2pPr>
+            <a:lvl3pPr>
+              <a:defRPr sz="2400"/>
+            </a:lvl3pPr>
+            <a:lvl4pPr>
+              <a:defRPr sz="2000"/>
+            </a:lvl4pPr>
+            <a:lvl5pPr>
+              <a:defRPr sz="2000"/>
+            </a:lvl5pPr>
+            <a:lvl6pPr>
+              <a:defRPr sz="2000"/>
+            </a:lvl6pPr>
+            <a:lvl7pPr>
+              <a:defRPr sz="2000"/>
+            </a:lvl7pPr>
+            <a:lvl8pPr>
+              <a:defRPr sz="2000"/>
+            </a:lvl8pPr>
+            <a:lvl9pPr>
+              <a:defRPr sz="2000"/>
+            </a:lvl9pPr>
+            <a:extLst/>
+          </a:lstStyle>
+          <a:p>
+            <a:pPr lvl="0" eaLnBrk="1" latinLnBrk="0" hangingPunct="1"/>
+            <a:r>
+              <a:rPr lang="en-US" smtClean="0"/>
+              <a:t>Click to edit Master text styles</a:t>
+            </a:r>
+          </a:p>
+          <a:p>
+            <a:pPr lvl="1" eaLnBrk="1" latinLnBrk="0" hangingPunct="1"/>
+            <a:r>
+              <a:rPr lang="en-US" smtClean="0"/>
+              <a:t>Second level</a:t>
+            </a:r>
+          </a:p>
+          <a:p>
+            <a:pPr lvl="2" eaLnBrk="1" latinLnBrk="0" hangingPunct="1"/>
+            <a:r>
+              <a:rPr lang="en-US" smtClean="0"/>
+              <a:t>Third level</a:t>
+            </a:r>
+          </a:p>
+          <a:p>
+            <a:pPr lvl="3" eaLnBrk="1" latinLnBrk="0" hangingPunct="1"/>
+            <a:r>
+              <a:rPr lang="en-US" smtClean="0"/>
+              <a:t>Fourth level</a:t>
+            </a:r>
+          </a:p>
+          <a:p>
+            <a:pPr lvl="4" eaLnBrk="1" latinLnBrk="0" hangingPunct="1"/>
+            <a:r>
+              <a:rPr lang="en-US" smtClean="0"/>
+              <a:t>Fifth level</a:t>
+            </a:r>
+            <a:endParaRPr kumimoji="0" lang="en-US"/>
+          </a:p>
+        </p:txBody>
+      </p:sp>
+      <p:sp>
+        <p:nvSpPr>
+          <p:cNvPr id="4" name="Text Placeholder 3"/>
+          <p:cNvSpPr>
+            <a:spLocks noGrp="1"/>
+          </p:cNvSpPr>
+          <p:nvPr>
+            <p:ph type="body" sz="half" idx="2"/>
+          </p:nvPr>
+        </p:nvSpPr>
+        <p:spPr>
+          <a:xfrm>
+            <a:off x="167838" y="1730018"/>
+            <a:ext cx="2468880" cy="4572000"/>
+          </a:xfrm>
+        </p:spPr>
+        <p:txBody>
+          <a:bodyPr/>
+          <a:lstStyle>
+            <a:lvl1pPr marL="0" indent="0">
+              <a:buNone/>
+              <a:defRPr sz="1400"/>
+            </a:lvl1pPr>
+            <a:lvl2pPr marL="457200" indent="0">
               <a:buNone/>
               <a:defRPr sz="1200"/>
             </a:lvl2pPr>
-            <a:lvl3pPr>
+            <a:lvl3pPr marL="914400" indent="0">
               <a:buNone/>
               <a:defRPr sz="1000"/>
             </a:lvl3pPr>
-            <a:lvl4pPr>
+            <a:lvl4pPr marL="1371600" indent="0">
               <a:buNone/>
               <a:defRPr sz="900"/>
             </a:lvl4pPr>
-            <a:lvl5pPr>
+            <a:lvl5pPr marL="1828800" indent="0">
               <a:buNone/>
               <a:defRPr sz="900"/>
             </a:lvl5pPr>
+            <a:lvl6pPr marL="2286000" indent="0">
+              <a:buNone/>
+              <a:defRPr sz="900"/>
+            </a:lvl6pPr>
+            <a:lvl7pPr marL="2743200" indent="0">
+              <a:buNone/>
+              <a:defRPr sz="900"/>
+            </a:lvl7pPr>
+            <a:lvl8pPr marL="3200400" indent="0">
+              <a:buNone/>
+              <a:defRPr sz="900"/>
+            </a:lvl8pPr>
+            <a:lvl9pPr marL="3657600" indent="0">
+              <a:buNone/>
+              <a:defRPr sz="900"/>
+            </a:lvl9pPr>
+            <a:extLst/>
           </a:lstStyle>
           <a:p>
             <a:pPr lvl="0" eaLnBrk="1" latinLnBrk="0" hangingPunct="1"/>
@@ -2512,7 +2609,8 @@
           <a:p>
             <a:fld id="{51D6720C-CCE0-4063-BE8F-F14FA866EFA5}" type="datetimeFigureOut">
               <a:rPr lang="en-US" smtClean="0"/>
-              <a:t>5/10/2010</a:t>
+              <a:pPr/>
+              <a:t>5/11/2010</a:t>
             </a:fld>
             <a:endParaRPr lang="en-US"/>
           </a:p>
@@ -2554,6 +2652,7 @@
           <a:p>
             <a:fld id="{29DA0FC7-CCA2-43EF-9EF1-9875407B5314}" type="slidenum">
               <a:rPr lang="en-US" smtClean="0"/>
+              <a:pPr/>
               <a:t>‹#›</a:t>
             </a:fld>
             <a:endParaRPr lang="en-US"/>
@@ -2562,111 +2661,34 @@
       </p:sp>
       <p:sp>
         <p:nvSpPr>
-          <p:cNvPr id="8" name="Straight Connector 7"/>
-          <p:cNvSpPr>
-            <a:spLocks noChangeShapeType="1"/>
-          </p:cNvSpPr>
+          <p:cNvPr id="12" name="Rectangle 11"/>
+          <p:cNvSpPr/>
           <p:nvPr/>
         </p:nvSpPr>
-        <p:spPr bwMode="auto">
+        <p:spPr bwMode="invGray">
           <a:xfrm>
-            <a:off x="457200" y="6353175"/>
-            <a:ext cx="8229600" cy="0"/>
+            <a:off x="2855737" y="0"/>
+            <a:ext cx="45720" cy="1453896"/>
           </a:xfrm>
-          <a:prstGeom prst="line">
+          <a:prstGeom prst="rect">
             <a:avLst/>
           </a:prstGeom>
-          <a:noFill/>
-          <a:ln w="9525" cap="flat" cmpd="sng" algn="ctr">
-            <a:solidFill>
-              <a:schemeClr val="accent2"/>
-            </a:solidFill>
-            <a:prstDash val="dash"/>
-            <a:round/>
-            <a:headEnd type="none" w="med" len="med"/>
-            <a:tailEnd type="none" w="med" len="med"/>
-          </a:ln>
-          <a:effectLst/>
-        </p:spPr>
-        <p:txBody>
-          <a:bodyPr vert="horz" wrap="square" lIns="91440" tIns="45720" rIns="91440" bIns="45720" anchor="t" compatLnSpc="1"/>
-          <a:lstStyle/>
-          <a:p>
-            <a:endParaRPr kumimoji="0" lang="en-US"/>
-          </a:p>
-        </p:txBody>
-      </p:sp>
-      <p:sp>
-        <p:nvSpPr>
-          <p:cNvPr id="10" name="Straight Connector 9"/>
-          <p:cNvSpPr>
-            <a:spLocks noChangeShapeType="1"/>
-          </p:cNvSpPr>
-          <p:nvPr/>
-        </p:nvSpPr>
-        <p:spPr bwMode="auto">
-          <a:xfrm rot="5400000">
-            <a:off x="3160645" y="3324225"/>
-            <a:ext cx="6035040" cy="0"/>
-          </a:xfrm>
-          <a:prstGeom prst="line">
-            <a:avLst/>
-          </a:prstGeom>
-          <a:noFill/>
-          <a:ln w="9525" cap="flat" cmpd="sng" algn="ctr">
-            <a:solidFill>
-              <a:schemeClr val="accent2"/>
-            </a:solidFill>
-            <a:prstDash val="dash"/>
-            <a:round/>
-            <a:headEnd type="none" w="med" len="med"/>
-            <a:tailEnd type="none" w="med" len="med"/>
-          </a:ln>
-          <a:effectLst/>
-        </p:spPr>
-        <p:txBody>
-          <a:bodyPr vert="horz" wrap="square" lIns="91440" tIns="45720" rIns="91440" bIns="45720" anchor="t" compatLnSpc="1"/>
-          <a:lstStyle/>
-          <a:p>
-            <a:endParaRPr kumimoji="0" lang="en-US" dirty="0"/>
-          </a:p>
-        </p:txBody>
-      </p:sp>
-      <p:sp>
-        <p:nvSpPr>
-          <p:cNvPr id="9" name="Isosceles Triangle 8"/>
-          <p:cNvSpPr>
-            <a:spLocks noChangeAspect="1"/>
-          </p:cNvSpPr>
-          <p:nvPr/>
-        </p:nvSpPr>
-        <p:spPr>
-          <a:xfrm rot="5400000">
-            <a:off x="419100" y="6467475"/>
-            <a:ext cx="190849" cy="120314"/>
-          </a:xfrm>
-          <a:prstGeom prst="triangle">
-            <a:avLst>
-              <a:gd name="adj" fmla="val 50000"/>
-            </a:avLst>
-          </a:prstGeom>
           <a:solidFill>
-            <a:schemeClr val="accent2"/>
+            <a:srgbClr val="FFFFFF"/>
           </a:solidFill>
-          <a:ln w="25400" cap="rnd" cmpd="sng" algn="ctr">
+          <a:ln w="48000" cap="flat" cmpd="thickThin" algn="ctr">
             <a:noFill/>
             <a:prstDash val="solid"/>
           </a:ln>
-          <a:effectLst/>
         </p:spPr>
         <p:style>
-          <a:lnRef idx="3">
-            <a:schemeClr val="lt1"/>
+          <a:lnRef idx="2">
+            <a:schemeClr val="accent1"/>
           </a:lnRef>
           <a:fillRef idx="1">
             <a:schemeClr val="accent1"/>
           </a:fillRef>
-          <a:effectRef idx="1">
+          <a:effectRef idx="0">
             <a:schemeClr val="accent1"/>
           </a:effectRef>
           <a:fontRef idx="minor">
@@ -2674,8 +2696,10 @@
           </a:fontRef>
         </p:style>
         <p:txBody>
-          <a:bodyPr anchor="ctr"/>
-          <a:lstStyle/>
+          <a:bodyPr rtlCol="0" anchor="ctr"/>
+          <a:lstStyle>
+            <a:extLst/>
+          </a:lstStyle>
           <a:p>
             <a:pPr algn="ctr" eaLnBrk="1" latinLnBrk="0" hangingPunct="1"/>
             <a:endParaRPr kumimoji="0" lang="en-US"/>
@@ -2684,57 +2708,47 @@
       </p:sp>
       <p:sp>
         <p:nvSpPr>
-          <p:cNvPr id="12" name="Content Placeholder 11"/>
-          <p:cNvSpPr>
-            <a:spLocks noGrp="1"/>
-          </p:cNvSpPr>
-          <p:nvPr>
-            <p:ph sz="quarter" idx="1"/>
-          </p:nvPr>
-        </p:nvSpPr>
-        <p:spPr>
+          <p:cNvPr id="9" name="Rectangle 8"/>
+          <p:cNvSpPr/>
+          <p:nvPr/>
+        </p:nvSpPr>
+        <p:spPr bwMode="invGray">
           <a:xfrm>
-            <a:off x="304800" y="304800"/>
-            <a:ext cx="5715000" cy="5715000"/>
+            <a:off x="2855737" y="0"/>
+            <a:ext cx="45720" cy="1453896"/>
           </a:xfrm>
+          <a:prstGeom prst="rect">
+            <a:avLst/>
+          </a:prstGeom>
+          <a:solidFill>
+            <a:srgbClr val="FFFFFF"/>
+          </a:solidFill>
+          <a:ln w="48000" cap="flat" cmpd="thickThin" algn="ctr">
+            <a:noFill/>
+            <a:prstDash val="solid"/>
+          </a:ln>
         </p:spPr>
-        <p:txBody>
-          <a:bodyPr/>
-          <a:lstStyle/>
-          <a:p>
-            <a:pPr lvl="0" eaLnBrk="1" latinLnBrk="0" hangingPunct="1"/>
-            <a:r>
-              <a:rPr lang="en-US" smtClean="0"/>
-              <a:t>Click to edit Master text styles</a:t>
-            </a:r>
-          </a:p>
-          <a:p>
-            <a:pPr lvl="1" eaLnBrk="1" latinLnBrk="0" hangingPunct="1"/>
-            <a:r>
-              <a:rPr lang="en-US" smtClean="0"/>
-              <a:t>Second level</a:t>
-            </a:r>
-          </a:p>
-          <a:p>
-            <a:pPr lvl="2" eaLnBrk="1" latinLnBrk="0" hangingPunct="1"/>
-            <a:r>
-              <a:rPr lang="en-US" smtClean="0"/>
-              <a:t>Third level</a:t>
-            </a:r>
-          </a:p>
-          <a:p>
-            <a:pPr lvl="3" eaLnBrk="1" latinLnBrk="0" hangingPunct="1"/>
-            <a:r>
-              <a:rPr lang="en-US" smtClean="0"/>
-              <a:t>Fourth level</a:t>
-            </a:r>
-          </a:p>
-          <a:p>
-            <a:pPr lvl="4" eaLnBrk="1" latinLnBrk="0" hangingPunct="1"/>
-            <a:r>
-              <a:rPr lang="en-US" smtClean="0"/>
-              <a:t>Fifth level</a:t>
-            </a:r>
+        <p:style>
+          <a:lnRef idx="2">
+            <a:schemeClr val="accent1"/>
+          </a:lnRef>
+          <a:fillRef idx="1">
+            <a:schemeClr val="accent1"/>
+          </a:fillRef>
+          <a:effectRef idx="0">
+            <a:schemeClr val="accent1"/>
+          </a:effectRef>
+          <a:fontRef idx="minor">
+            <a:schemeClr val="lt1"/>
+          </a:fontRef>
+        </p:style>
+        <p:txBody>
+          <a:bodyPr rtlCol="0" anchor="ctr"/>
+          <a:lstStyle>
+            <a:extLst/>
+          </a:lstStyle>
+          <a:p>
+            <a:pPr algn="ctr" eaLnBrk="1" latinLnBrk="0" hangingPunct="1"/>
             <a:endParaRPr kumimoji="0" lang="en-US"/>
           </a:p>
         </p:txBody>
@@ -2748,7 +2762,7 @@
 </file>
 
 <file path=ppt/slideLayouts/slideLayout9.xml><?xml version="1.0" encoding="utf-8"?>
-<p:sldLayout xmlns:a="http://schemas.openxmlformats.org/drawingml/2006/main" xmlns:r="http://schemas.openxmlformats.org/officeDocument/2006/relationships" xmlns:p="http://schemas.openxmlformats.org/presentationml/2006/main" showMasterSp="0" type="picTx" preserve="1">
+<p:sldLayout xmlns:a="http://schemas.openxmlformats.org/drawingml/2006/main" xmlns:r="http://schemas.openxmlformats.org/officeDocument/2006/relationships" xmlns:p="http://schemas.openxmlformats.org/presentationml/2006/main" type="picTx" preserve="1">
   <p:cSld name="Picture with Caption">
     <p:bg>
       <p:bgRef idx="1001">
@@ -2781,26 +2795,19 @@
         </p:nvSpPr>
         <p:spPr>
           <a:xfrm>
-            <a:off x="457200" y="500856"/>
-            <a:ext cx="8229600" cy="674688"/>
+            <a:off x="164592" y="155448"/>
+            <a:ext cx="2525150" cy="978408"/>
           </a:xfrm>
-          <a:ln>
-            <a:solidFill>
-              <a:schemeClr val="accent1"/>
-            </a:solidFill>
-          </a:ln>
         </p:spPr>
         <p:txBody>
-          <a:bodyPr lIns="274320" anchor="ctr"/>
+          <a:bodyPr lIns="73152" bIns="0" anchor="b">
+            <a:sp3d prstMaterial="matte"/>
+          </a:bodyPr>
           <a:lstStyle>
-            <a:lvl1pPr algn="r">
-              <a:buNone/>
-              <a:defRPr sz="2000" b="0">
-                <a:solidFill>
-                  <a:schemeClr val="tx1"/>
-                </a:solidFill>
-              </a:defRPr>
+            <a:lvl1pPr algn="l">
+              <a:defRPr sz="2000" b="0"/>
             </a:lvl1pPr>
+            <a:extLst/>
           </a:lstStyle>
           <a:p>
             <a:r>
@@ -2823,29 +2830,55 @@
         </p:nvSpPr>
         <p:spPr>
           <a:xfrm>
-            <a:off x="457200" y="1905000"/>
-            <a:ext cx="8229600" cy="4270248"/>
+            <a:off x="2903805" y="1484808"/>
+            <a:ext cx="6247397" cy="5373192"/>
           </a:xfrm>
           <a:solidFill>
-            <a:schemeClr val="tx1">
-              <a:shade val="50000"/>
+            <a:schemeClr val="bg2">
+              <a:shade val="75000"/>
             </a:schemeClr>
           </a:solidFill>
-          <a:ln>
-            <a:noFill/>
-          </a:ln>
-          <a:effectLst/>
         </p:spPr>
         <p:txBody>
           <a:bodyPr/>
           <a:lstStyle>
             <a:lvl1pPr marL="0" indent="0">
-              <a:spcBef>
-                <a:spcPts val="600"/>
-              </a:spcBef>
               <a:buNone/>
               <a:defRPr sz="3200"/>
             </a:lvl1pPr>
+            <a:lvl2pPr marL="457200" indent="0">
+              <a:buNone/>
+              <a:defRPr sz="2800"/>
+            </a:lvl2pPr>
+            <a:lvl3pPr marL="914400" indent="0">
+              <a:buNone/>
+              <a:defRPr sz="2400"/>
+            </a:lvl3pPr>
+            <a:lvl4pPr marL="1371600" indent="0">
+              <a:buNone/>
+              <a:defRPr sz="2000"/>
+            </a:lvl4pPr>
+            <a:lvl5pPr marL="1828800" indent="0">
+              <a:buNone/>
+              <a:defRPr sz="2000"/>
+            </a:lvl5pPr>
+            <a:lvl6pPr marL="2286000" indent="0">
+              <a:buNone/>
+              <a:defRPr sz="2000"/>
+            </a:lvl6pPr>
+            <a:lvl7pPr marL="2743200" indent="0">
+              <a:buNone/>
+              <a:defRPr sz="2000"/>
+            </a:lvl7pPr>
+            <a:lvl8pPr marL="3200400" indent="0">
+              <a:buNone/>
+              <a:defRPr sz="2000"/>
+            </a:lvl8pPr>
+            <a:lvl9pPr marL="3657600" indent="0">
+              <a:buNone/>
+              <a:defRPr sz="2000"/>
+            </a:lvl9pPr>
+            <a:extLst/>
           </a:lstStyle>
           <a:p>
             <a:r>
@@ -2868,30 +2901,50 @@
         </p:nvSpPr>
         <p:spPr>
           <a:xfrm>
-            <a:off x="457200" y="1219200"/>
-            <a:ext cx="8229600" cy="533400"/>
+            <a:off x="164592" y="1728216"/>
+            <a:ext cx="2468880" cy="4572000"/>
           </a:xfrm>
         </p:spPr>
         <p:txBody>
-          <a:bodyPr anchor="ctr" anchorCtr="0"/>
+          <a:bodyPr/>
           <a:lstStyle>
-            <a:lvl1pPr marL="0" indent="0" algn="l">
-              <a:buFontTx/>
+            <a:lvl1pPr marL="0" indent="0">
               <a:buNone/>
               <a:defRPr sz="1400"/>
             </a:lvl1pPr>
-            <a:lvl2pPr>
+            <a:lvl2pPr marL="457200" indent="0">
+              <a:buNone/>
               <a:defRPr sz="1200"/>
             </a:lvl2pPr>
-            <a:lvl3pPr>
+            <a:lvl3pPr marL="914400" indent="0">
+              <a:buNone/>
               <a:defRPr sz="1000"/>
             </a:lvl3pPr>
-            <a:lvl4pPr>
+            <a:lvl4pPr marL="1371600" indent="0">
+              <a:buNone/>
               <a:defRPr sz="900"/>
             </a:lvl4pPr>
-            <a:lvl5pPr>
+            <a:lvl5pPr marL="1828800" indent="0">
+              <a:buNone/>
               <a:defRPr sz="900"/>
             </a:lvl5pPr>
+            <a:lvl6pPr marL="2286000" indent="0">
+              <a:buNone/>
+              <a:defRPr sz="900"/>
+            </a:lvl6pPr>
+            <a:lvl7pPr marL="2743200" indent="0">
+              <a:buNone/>
+              <a:defRPr sz="900"/>
+            </a:lvl7pPr>
+            <a:lvl8pPr marL="3200400" indent="0">
+              <a:buNone/>
+              <a:defRPr sz="900"/>
+            </a:lvl8pPr>
+            <a:lvl9pPr marL="3657600" indent="0">
+              <a:buNone/>
+              <a:defRPr sz="900"/>
+            </a:lvl9pPr>
+            <a:extLst/>
           </a:lstStyle>
           <a:p>
             <a:pPr lvl="0" eaLnBrk="1" latinLnBrk="0" hangingPunct="1"/>
@@ -2912,14 +2965,20 @@
             <p:ph type="dt" sz="half" idx="10"/>
           </p:nvPr>
         </p:nvSpPr>
-        <p:spPr/>
+        <p:spPr>
+          <a:xfrm>
+            <a:off x="164592" y="1170432"/>
+            <a:ext cx="2523744" cy="201168"/>
+          </a:xfrm>
+        </p:spPr>
         <p:txBody>
           <a:bodyPr/>
           <a:lstStyle/>
           <a:p>
             <a:fld id="{51D6720C-CCE0-4063-BE8F-F14FA866EFA5}" type="datetimeFigureOut">
               <a:rPr lang="en-US" smtClean="0"/>
-              <a:t>5/10/2010</a:t>
+              <a:pPr/>
+              <a:t>5/11/2010</a:t>
             </a:fld>
             <a:endParaRPr lang="en-US"/>
           </a:p>
@@ -2927,117 +2986,34 @@
       </p:sp>
       <p:sp>
         <p:nvSpPr>
-          <p:cNvPr id="6" name="Footer Placeholder 5"/>
-          <p:cNvSpPr>
-            <a:spLocks noGrp="1"/>
-          </p:cNvSpPr>
-          <p:nvPr>
-            <p:ph type="ftr" sz="quarter" idx="11"/>
-          </p:nvPr>
-        </p:nvSpPr>
-        <p:spPr/>
-        <p:txBody>
-          <a:bodyPr/>
-          <a:lstStyle/>
-          <a:p>
-            <a:endParaRPr lang="en-US"/>
-          </a:p>
-        </p:txBody>
-      </p:sp>
-      <p:sp>
-        <p:nvSpPr>
-          <p:cNvPr id="7" name="Slide Number Placeholder 6"/>
-          <p:cNvSpPr>
-            <a:spLocks noGrp="1"/>
-          </p:cNvSpPr>
-          <p:nvPr>
-            <p:ph type="sldNum" sz="quarter" idx="12"/>
-          </p:nvPr>
-        </p:nvSpPr>
-        <p:spPr/>
-        <p:txBody>
-          <a:bodyPr/>
-          <a:lstStyle/>
-          <a:p>
-            <a:fld id="{29DA0FC7-CCA2-43EF-9EF1-9875407B5314}" type="slidenum">
-              <a:rPr lang="en-US" smtClean="0"/>
-              <a:t>‹#›</a:t>
-            </a:fld>
-            <a:endParaRPr lang="en-US"/>
-          </a:p>
-        </p:txBody>
-      </p:sp>
-      <p:sp>
-        <p:nvSpPr>
-          <p:cNvPr id="8" name="Straight Connector 7"/>
-          <p:cNvSpPr>
-            <a:spLocks noChangeShapeType="1"/>
-          </p:cNvSpPr>
+          <p:cNvPr id="11" name="Rectangle 10"/>
+          <p:cNvSpPr/>
           <p:nvPr/>
         </p:nvSpPr>
-        <p:spPr bwMode="auto">
+        <p:spPr>
           <a:xfrm>
-            <a:off x="457200" y="6353175"/>
-            <a:ext cx="8229600" cy="0"/>
+            <a:off x="2855737" y="0"/>
+            <a:ext cx="45720" cy="6858000"/>
           </a:xfrm>
-          <a:prstGeom prst="line">
+          <a:prstGeom prst="rect">
             <a:avLst/>
           </a:prstGeom>
-          <a:noFill/>
-          <a:ln w="9525" cap="flat" cmpd="sng" algn="ctr">
-            <a:solidFill>
-              <a:schemeClr val="accent2"/>
-            </a:solidFill>
-            <a:prstDash val="dash"/>
-            <a:round/>
-            <a:headEnd type="none" w="med" len="med"/>
-            <a:tailEnd type="none" w="med" len="med"/>
-          </a:ln>
-          <a:effectLst/>
-        </p:spPr>
-        <p:txBody>
-          <a:bodyPr vert="horz" wrap="square" lIns="91440" tIns="45720" rIns="91440" bIns="45720" anchor="t" compatLnSpc="1"/>
-          <a:lstStyle/>
-          <a:p>
-            <a:endParaRPr kumimoji="0" lang="en-US"/>
-          </a:p>
-        </p:txBody>
-      </p:sp>
-      <p:sp>
-        <p:nvSpPr>
-          <p:cNvPr id="9" name="Isosceles Triangle 8"/>
-          <p:cNvSpPr>
-            <a:spLocks noChangeAspect="1"/>
-          </p:cNvSpPr>
-          <p:nvPr/>
-        </p:nvSpPr>
-        <p:spPr>
-          <a:xfrm rot="5400000">
-            <a:off x="419100" y="6467475"/>
-            <a:ext cx="190849" cy="120314"/>
-          </a:xfrm>
-          <a:prstGeom prst="triangle">
-            <a:avLst>
-              <a:gd name="adj" fmla="val 50000"/>
-            </a:avLst>
-          </a:prstGeom>
           <a:solidFill>
-            <a:schemeClr val="accent2"/>
+            <a:srgbClr val="FFFFFF"/>
           </a:solidFill>
-          <a:ln w="25400" cap="rnd" cmpd="sng" algn="ctr">
+          <a:ln w="48000" cap="flat" cmpd="thickThin" algn="ctr">
             <a:noFill/>
             <a:prstDash val="solid"/>
           </a:ln>
-          <a:effectLst/>
         </p:spPr>
         <p:style>
-          <a:lnRef idx="3">
-            <a:schemeClr val="lt1"/>
+          <a:lnRef idx="2">
+            <a:schemeClr val="accent1"/>
           </a:lnRef>
           <a:fillRef idx="1">
             <a:schemeClr val="accent1"/>
           </a:fillRef>
-          <a:effectRef idx="1">
+          <a:effectRef idx="0">
             <a:schemeClr val="accent1"/>
           </a:effectRef>
           <a:fontRef idx="minor">
@@ -3045,8 +3021,10 @@
           </a:fontRef>
         </p:style>
         <p:txBody>
-          <a:bodyPr anchor="ctr"/>
-          <a:lstStyle/>
+          <a:bodyPr rtlCol="0" anchor="ctr"/>
+          <a:lstStyle>
+            <a:extLst/>
+          </a:lstStyle>
           <a:p>
             <a:pPr algn="ctr" eaLnBrk="1" latinLnBrk="0" hangingPunct="1"/>
             <a:endParaRPr kumimoji="0" lang="en-US"/>
@@ -3055,35 +3033,34 @@
       </p:sp>
       <p:sp>
         <p:nvSpPr>
-          <p:cNvPr id="10" name="Rectangle 9"/>
+          <p:cNvPr id="9" name="Rectangle 8"/>
           <p:cNvSpPr/>
           <p:nvPr/>
         </p:nvSpPr>
-        <p:spPr>
+        <p:spPr bwMode="invGray">
           <a:xfrm>
-            <a:off x="457200" y="500856"/>
-            <a:ext cx="182880" cy="685800"/>
+            <a:off x="2855737" y="0"/>
+            <a:ext cx="45720" cy="6858000"/>
           </a:xfrm>
           <a:prstGeom prst="rect">
             <a:avLst/>
           </a:prstGeom>
           <a:solidFill>
-            <a:schemeClr val="accent1"/>
+            <a:srgbClr val="FFFFFF"/>
           </a:solidFill>
-          <a:ln w="6350" cap="rnd" cmpd="sng" algn="ctr">
+          <a:ln w="48000" cap="flat" cmpd="thickThin" algn="ctr">
             <a:noFill/>
             <a:prstDash val="solid"/>
           </a:ln>
-          <a:effectLst/>
         </p:spPr>
         <p:style>
-          <a:lnRef idx="3">
-            <a:schemeClr val="lt1"/>
+          <a:lnRef idx="2">
+            <a:schemeClr val="accent1"/>
           </a:lnRef>
           <a:fillRef idx="1">
             <a:schemeClr val="accent1"/>
           </a:fillRef>
-          <a:effectRef idx="1">
+          <a:effectRef idx="0">
             <a:schemeClr val="accent1"/>
           </a:effectRef>
           <a:fontRef idx="minor">
@@ -3091,18 +3068,83 @@
           </a:fontRef>
         </p:style>
         <p:txBody>
-          <a:bodyPr anchor="ctr"/>
-          <a:lstStyle/>
+          <a:bodyPr rtlCol="0" anchor="ctr"/>
+          <a:lstStyle>
+            <a:extLst/>
+          </a:lstStyle>
           <a:p>
             <a:pPr algn="ctr" eaLnBrk="1" latinLnBrk="0" hangingPunct="1"/>
             <a:endParaRPr kumimoji="0" lang="en-US"/>
+          </a:p>
+        </p:txBody>
+      </p:sp>
+      <p:sp>
+        <p:nvSpPr>
+          <p:cNvPr id="6" name="Footer Placeholder 5"/>
+          <p:cNvSpPr>
+            <a:spLocks noGrp="1"/>
+          </p:cNvSpPr>
+          <p:nvPr>
+            <p:ph type="ftr" sz="quarter" idx="11"/>
+          </p:nvPr>
+        </p:nvSpPr>
+        <p:spPr>
+          <a:xfrm>
+            <a:off x="3035808" y="1170432"/>
+            <a:ext cx="5193792" cy="201168"/>
+          </a:xfrm>
+        </p:spPr>
+        <p:txBody>
+          <a:bodyPr/>
+          <a:lstStyle>
+            <a:lvl1pPr>
+              <a:defRPr>
+                <a:solidFill>
+                  <a:schemeClr val="bg1">
+                    <a:shade val="50000"/>
+                  </a:schemeClr>
+                </a:solidFill>
+              </a:defRPr>
+            </a:lvl1pPr>
+          </a:lstStyle>
+          <a:p>
+            <a:endParaRPr lang="en-US"/>
+          </a:p>
+        </p:txBody>
+      </p:sp>
+      <p:sp>
+        <p:nvSpPr>
+          <p:cNvPr id="7" name="Slide Number Placeholder 6"/>
+          <p:cNvSpPr>
+            <a:spLocks noGrp="1"/>
+          </p:cNvSpPr>
+          <p:nvPr>
+            <p:ph type="sldNum" sz="quarter" idx="12"/>
+          </p:nvPr>
+        </p:nvSpPr>
+        <p:spPr>
+          <a:xfrm>
+            <a:off x="8339328" y="1170432"/>
+            <a:ext cx="733864" cy="201168"/>
+          </a:xfrm>
+        </p:spPr>
+        <p:txBody>
+          <a:bodyPr/>
+          <a:lstStyle/>
+          <a:p>
+            <a:fld id="{29DA0FC7-CCA2-43EF-9EF1-9875407B5314}" type="slidenum">
+              <a:rPr lang="en-US" smtClean="0"/>
+              <a:pPr/>
+              <a:t>‹#›</a:t>
+            </a:fld>
+            <a:endParaRPr lang="en-US"/>
           </a:p>
         </p:txBody>
       </p:sp>
     </p:spTree>
   </p:cSld>
   <p:clrMapOvr>
-    <a:overrideClrMapping bg1="dk1" tx1="lt1" bg2="dk2" tx2="lt2" accent1="accent1" accent2="accent2" accent3="accent3" accent4="accent4" accent5="accent5" accent6="accent6" hlink="hlink" folHlink="folHlink"/>
+    <a:overrideClrMapping bg1="lt1" tx1="dk1" bg2="lt2" tx2="dk2" accent1="accent1" accent2="accent2" accent3="accent3" accent4="accent4" accent5="accent5" accent6="accent6" hlink="hlink" folHlink="folHlink"/>
   </p:clrMapOvr>
 </p:sldLayout>
 </file>
@@ -3131,319 +3173,41 @@
       </p:grpSpPr>
       <p:sp>
         <p:nvSpPr>
-          <p:cNvPr id="22" name="Title Placeholder 21"/>
-          <p:cNvSpPr>
-            <a:spLocks noGrp="1"/>
-          </p:cNvSpPr>
-          <p:nvPr>
-            <p:ph type="title"/>
-          </p:nvPr>
-        </p:nvSpPr>
-        <p:spPr>
+          <p:cNvPr id="10" name="Rectangle 9"/>
+          <p:cNvSpPr/>
+          <p:nvPr/>
+        </p:nvSpPr>
+        <p:spPr bwMode="invGray">
           <a:xfrm>
-            <a:off x="457200" y="152400"/>
-            <a:ext cx="8229600" cy="990600"/>
+            <a:off x="0" y="1435895"/>
+            <a:ext cx="9144000" cy="45720"/>
           </a:xfrm>
           <a:prstGeom prst="rect">
             <a:avLst/>
           </a:prstGeom>
-        </p:spPr>
-        <p:txBody>
-          <a:bodyPr vert="horz" anchor="b" anchorCtr="0">
-            <a:normAutofit/>
-          </a:bodyPr>
-          <a:lstStyle/>
-          <a:p>
-            <a:r>
-              <a:rPr kumimoji="0" lang="en-US" smtClean="0"/>
-              <a:t>Click to edit Master title style</a:t>
-            </a:r>
-            <a:endParaRPr kumimoji="0" lang="en-US"/>
-          </a:p>
-        </p:txBody>
-      </p:sp>
-      <p:sp>
-        <p:nvSpPr>
-          <p:cNvPr id="13" name="Text Placeholder 12"/>
-          <p:cNvSpPr>
-            <a:spLocks noGrp="1"/>
-          </p:cNvSpPr>
-          <p:nvPr>
-            <p:ph type="body" idx="1"/>
-          </p:nvPr>
-        </p:nvSpPr>
-        <p:spPr>
-          <a:xfrm>
-            <a:off x="457200" y="1219200"/>
-            <a:ext cx="8229600" cy="4910328"/>
-          </a:xfrm>
-          <a:prstGeom prst="rect">
-            <a:avLst/>
-          </a:prstGeom>
-        </p:spPr>
-        <p:txBody>
-          <a:bodyPr vert="horz">
-            <a:normAutofit/>
-          </a:bodyPr>
-          <a:lstStyle/>
-          <a:p>
-            <a:pPr lvl="0" eaLnBrk="1" latinLnBrk="0" hangingPunct="1"/>
-            <a:r>
-              <a:rPr kumimoji="0" lang="en-US" smtClean="0"/>
-              <a:t>Click to edit Master text styles</a:t>
-            </a:r>
-          </a:p>
-          <a:p>
-            <a:pPr lvl="1" eaLnBrk="1" latinLnBrk="0" hangingPunct="1"/>
-            <a:r>
-              <a:rPr kumimoji="0" lang="en-US" smtClean="0"/>
-              <a:t>Second level</a:t>
-            </a:r>
-          </a:p>
-          <a:p>
-            <a:pPr lvl="2" eaLnBrk="1" latinLnBrk="0" hangingPunct="1"/>
-            <a:r>
-              <a:rPr kumimoji="0" lang="en-US" smtClean="0"/>
-              <a:t>Third level</a:t>
-            </a:r>
-          </a:p>
-          <a:p>
-            <a:pPr lvl="3" eaLnBrk="1" latinLnBrk="0" hangingPunct="1"/>
-            <a:r>
-              <a:rPr kumimoji="0" lang="en-US" smtClean="0"/>
-              <a:t>Fourth level</a:t>
-            </a:r>
-          </a:p>
-          <a:p>
-            <a:pPr lvl="4" eaLnBrk="1" latinLnBrk="0" hangingPunct="1"/>
-            <a:r>
-              <a:rPr kumimoji="0" lang="en-US" smtClean="0"/>
-              <a:t>Fifth level</a:t>
-            </a:r>
-            <a:endParaRPr kumimoji="0" lang="en-US"/>
-          </a:p>
-        </p:txBody>
-      </p:sp>
-      <p:sp>
-        <p:nvSpPr>
-          <p:cNvPr id="14" name="Date Placeholder 13"/>
-          <p:cNvSpPr>
-            <a:spLocks noGrp="1"/>
-          </p:cNvSpPr>
-          <p:nvPr>
-            <p:ph type="dt" sz="half" idx="2"/>
-          </p:nvPr>
-        </p:nvSpPr>
-        <p:spPr>
-          <a:xfrm>
-            <a:off x="6400800" y="6356350"/>
-            <a:ext cx="2289048" cy="365760"/>
-          </a:xfrm>
-          <a:prstGeom prst="rect">
-            <a:avLst/>
-          </a:prstGeom>
-        </p:spPr>
-        <p:txBody>
-          <a:bodyPr vert="horz"/>
-          <a:lstStyle>
-            <a:lvl1pPr algn="l" eaLnBrk="1" latinLnBrk="0" hangingPunct="1">
-              <a:defRPr kumimoji="0" sz="1400">
-                <a:solidFill>
-                  <a:schemeClr val="tx2"/>
-                </a:solidFill>
-              </a:defRPr>
-            </a:lvl1pPr>
-          </a:lstStyle>
-          <a:p>
-            <a:fld id="{51D6720C-CCE0-4063-BE8F-F14FA866EFA5}" type="datetimeFigureOut">
-              <a:rPr lang="en-US" smtClean="0"/>
-              <a:t>5/10/2010</a:t>
-            </a:fld>
-            <a:endParaRPr lang="en-US"/>
-          </a:p>
-        </p:txBody>
-      </p:sp>
-      <p:sp>
-        <p:nvSpPr>
-          <p:cNvPr id="3" name="Footer Placeholder 2"/>
-          <p:cNvSpPr>
-            <a:spLocks noGrp="1"/>
-          </p:cNvSpPr>
-          <p:nvPr>
-            <p:ph type="ftr" sz="quarter" idx="3"/>
-          </p:nvPr>
-        </p:nvSpPr>
-        <p:spPr>
-          <a:xfrm>
-            <a:off x="2898648" y="6356350"/>
-            <a:ext cx="3505200" cy="365760"/>
-          </a:xfrm>
-          <a:prstGeom prst="rect">
-            <a:avLst/>
-          </a:prstGeom>
-        </p:spPr>
-        <p:txBody>
-          <a:bodyPr vert="horz"/>
-          <a:lstStyle>
-            <a:lvl1pPr algn="r" eaLnBrk="1" latinLnBrk="0" hangingPunct="1">
-              <a:defRPr kumimoji="0" sz="1400">
-                <a:solidFill>
-                  <a:schemeClr val="tx2"/>
-                </a:solidFill>
-              </a:defRPr>
-            </a:lvl1pPr>
-          </a:lstStyle>
-          <a:p>
-            <a:endParaRPr lang="en-US"/>
-          </a:p>
-        </p:txBody>
-      </p:sp>
-      <p:sp>
-        <p:nvSpPr>
-          <p:cNvPr id="23" name="Slide Number Placeholder 22"/>
-          <p:cNvSpPr>
-            <a:spLocks noGrp="1"/>
-          </p:cNvSpPr>
-          <p:nvPr>
-            <p:ph type="sldNum" sz="quarter" idx="4"/>
-          </p:nvPr>
-        </p:nvSpPr>
-        <p:spPr>
-          <a:xfrm>
-            <a:off x="612648" y="6356350"/>
-            <a:ext cx="1981200" cy="365760"/>
-          </a:xfrm>
-          <a:prstGeom prst="rect">
-            <a:avLst/>
-          </a:prstGeom>
-        </p:spPr>
-        <p:txBody>
-          <a:bodyPr vert="horz"/>
-          <a:lstStyle>
-            <a:lvl1pPr algn="l" eaLnBrk="1" latinLnBrk="0" hangingPunct="1">
-              <a:defRPr kumimoji="0" sz="1400">
-                <a:solidFill>
-                  <a:schemeClr val="tx2"/>
-                </a:solidFill>
-              </a:defRPr>
-            </a:lvl1pPr>
-          </a:lstStyle>
-          <a:p>
-            <a:fld id="{29DA0FC7-CCA2-43EF-9EF1-9875407B5314}" type="slidenum">
-              <a:rPr lang="en-US" smtClean="0"/>
-              <a:t>‹#›</a:t>
-            </a:fld>
-            <a:endParaRPr lang="en-US"/>
-          </a:p>
-        </p:txBody>
-      </p:sp>
-      <p:sp>
-        <p:nvSpPr>
-          <p:cNvPr id="28" name="Straight Connector 27"/>
-          <p:cNvSpPr>
-            <a:spLocks noChangeShapeType="1"/>
-          </p:cNvSpPr>
-          <p:nvPr/>
-        </p:nvSpPr>
-        <p:spPr bwMode="auto">
-          <a:xfrm>
-            <a:off x="457200" y="6353175"/>
-            <a:ext cx="8229600" cy="0"/>
-          </a:xfrm>
-          <a:prstGeom prst="line">
-            <a:avLst/>
-          </a:prstGeom>
-          <a:noFill/>
-          <a:ln w="9525" cap="flat" cmpd="sng" algn="ctr">
-            <a:solidFill>
-              <a:schemeClr val="accent2"/>
-            </a:solidFill>
-            <a:prstDash val="dash"/>
-            <a:round/>
-            <a:headEnd type="none" w="med" len="med"/>
-            <a:tailEnd type="none" w="med" len="med"/>
-          </a:ln>
-          <a:effectLst/>
-        </p:spPr>
-        <p:txBody>
-          <a:bodyPr vert="horz" wrap="square" lIns="91440" tIns="45720" rIns="91440" bIns="45720" anchor="t" compatLnSpc="1"/>
-          <a:lstStyle/>
-          <a:p>
-            <a:endParaRPr kumimoji="0" lang="en-US"/>
-          </a:p>
-        </p:txBody>
-      </p:sp>
-      <p:sp>
-        <p:nvSpPr>
-          <p:cNvPr id="29" name="Straight Connector 28"/>
-          <p:cNvSpPr>
-            <a:spLocks noChangeShapeType="1"/>
-          </p:cNvSpPr>
-          <p:nvPr/>
-        </p:nvSpPr>
-        <p:spPr bwMode="auto">
-          <a:xfrm>
-            <a:off x="457200" y="1143000"/>
-            <a:ext cx="8229600" cy="0"/>
-          </a:xfrm>
-          <a:prstGeom prst="line">
-            <a:avLst/>
-          </a:prstGeom>
-          <a:noFill/>
-          <a:ln w="9525" cap="flat" cmpd="sng" algn="ctr">
-            <a:solidFill>
-              <a:schemeClr val="accent2"/>
-            </a:solidFill>
-            <a:prstDash val="dash"/>
-            <a:round/>
-            <a:headEnd type="none" w="med" len="med"/>
-            <a:tailEnd type="none" w="med" len="med"/>
-          </a:ln>
-          <a:effectLst/>
-        </p:spPr>
-        <p:txBody>
-          <a:bodyPr vert="horz" wrap="square" lIns="91440" tIns="45720" rIns="91440" bIns="45720" anchor="t" compatLnSpc="1"/>
-          <a:lstStyle/>
-          <a:p>
-            <a:endParaRPr kumimoji="0" lang="en-US"/>
-          </a:p>
-        </p:txBody>
-      </p:sp>
-      <p:sp>
-        <p:nvSpPr>
-          <p:cNvPr id="10" name="Isosceles Triangle 9"/>
-          <p:cNvSpPr>
-            <a:spLocks noChangeAspect="1"/>
-          </p:cNvSpPr>
-          <p:nvPr/>
-        </p:nvSpPr>
-        <p:spPr>
-          <a:xfrm rot="5400000">
-            <a:off x="419100" y="6467475"/>
-            <a:ext cx="190849" cy="120314"/>
-          </a:xfrm>
-          <a:prstGeom prst="triangle">
-            <a:avLst>
-              <a:gd name="adj" fmla="val 50000"/>
-            </a:avLst>
-          </a:prstGeom>
           <a:solidFill>
-            <a:schemeClr val="accent2"/>
+            <a:srgbClr val="FFFFFF"/>
           </a:solidFill>
-          <a:ln w="25400" cap="rnd" cmpd="sng" algn="ctr">
+          <a:ln w="48000" cap="flat" cmpd="thickThin" algn="ctr">
             <a:noFill/>
             <a:prstDash val="solid"/>
           </a:ln>
-          <a:effectLst/>
+          <a:effectLst>
+            <a:outerShdw blurRad="31750" dist="10160" dir="5400000" algn="tl" rotWithShape="0">
+              <a:srgbClr val="000000">
+                <a:alpha val="60000"/>
+              </a:srgbClr>
+            </a:outerShdw>
+          </a:effectLst>
         </p:spPr>
         <p:style>
-          <a:lnRef idx="3">
-            <a:schemeClr val="lt1"/>
+          <a:lnRef idx="2">
+            <a:schemeClr val="accent1"/>
           </a:lnRef>
           <a:fillRef idx="1">
             <a:schemeClr val="accent1"/>
           </a:fillRef>
-          <a:effectRef idx="1">
+          <a:effectRef idx="0">
             <a:schemeClr val="accent1"/>
           </a:effectRef>
           <a:fontRef idx="minor">
@@ -3451,11 +3215,292 @@
           </a:fontRef>
         </p:style>
         <p:txBody>
-          <a:bodyPr anchor="ctr"/>
-          <a:lstStyle/>
+          <a:bodyPr rtlCol="0" anchor="ctr"/>
+          <a:lstStyle>
+            <a:extLst/>
+          </a:lstStyle>
           <a:p>
             <a:pPr algn="ctr" eaLnBrk="1" latinLnBrk="0" hangingPunct="1"/>
             <a:endParaRPr kumimoji="0" lang="en-US"/>
+          </a:p>
+        </p:txBody>
+      </p:sp>
+      <p:sp>
+        <p:nvSpPr>
+          <p:cNvPr id="7" name="Rectangle 6"/>
+          <p:cNvSpPr/>
+          <p:nvPr/>
+        </p:nvSpPr>
+        <p:spPr bwMode="ltGray">
+          <a:xfrm>
+            <a:off x="0" y="0"/>
+            <a:ext cx="9143999" cy="1433733"/>
+          </a:xfrm>
+          <a:prstGeom prst="rect">
+            <a:avLst/>
+          </a:prstGeom>
+          <a:solidFill>
+            <a:srgbClr val="000000"/>
+          </a:solidFill>
+          <a:ln w="48000" cap="flat" cmpd="thickThin" algn="ctr">
+            <a:noFill/>
+            <a:prstDash val="solid"/>
+          </a:ln>
+        </p:spPr>
+        <p:style>
+          <a:lnRef idx="2">
+            <a:schemeClr val="accent1"/>
+          </a:lnRef>
+          <a:fillRef idx="1">
+            <a:schemeClr val="accent1"/>
+          </a:fillRef>
+          <a:effectRef idx="0">
+            <a:schemeClr val="accent1"/>
+          </a:effectRef>
+          <a:fontRef idx="minor">
+            <a:schemeClr val="lt1"/>
+          </a:fontRef>
+        </p:style>
+        <p:txBody>
+          <a:bodyPr rtlCol="0" anchor="ctr"/>
+          <a:lstStyle>
+            <a:extLst/>
+          </a:lstStyle>
+          <a:p>
+            <a:pPr algn="ctr" eaLnBrk="1" latinLnBrk="0" hangingPunct="1"/>
+            <a:endParaRPr kumimoji="0" lang="en-US"/>
+          </a:p>
+        </p:txBody>
+      </p:sp>
+      <p:sp>
+        <p:nvSpPr>
+          <p:cNvPr id="2" name="Title Placeholder 1"/>
+          <p:cNvSpPr>
+            <a:spLocks noGrp="1"/>
+          </p:cNvSpPr>
+          <p:nvPr>
+            <p:ph type="title"/>
+          </p:nvPr>
+        </p:nvSpPr>
+        <p:spPr>
+          <a:xfrm>
+            <a:off x="457200" y="152400"/>
+            <a:ext cx="8229600" cy="1251062"/>
+          </a:xfrm>
+          <a:prstGeom prst="rect">
+            <a:avLst/>
+          </a:prstGeom>
+        </p:spPr>
+        <p:txBody>
+          <a:bodyPr vert="horz" lIns="91440" rIns="45720" rtlCol="0" anchor="ctr">
+            <a:normAutofit/>
+            <a:scene3d>
+              <a:camera prst="orthographicFront"/>
+              <a:lightRig rig="threePt" dir="t">
+                <a:rot lat="0" lon="0" rev="4800000"/>
+              </a:lightRig>
+            </a:scene3d>
+            <a:sp3d prstMaterial="matte">
+              <a:bevelT w="50800" h="10160"/>
+            </a:sp3d>
+          </a:bodyPr>
+          <a:lstStyle>
+            <a:extLst/>
+          </a:lstStyle>
+          <a:p>
+            <a:r>
+              <a:rPr kumimoji="0" lang="en-US" smtClean="0"/>
+              <a:t>Click to edit Master title style</a:t>
+            </a:r>
+            <a:endParaRPr kumimoji="0" lang="en-US"/>
+          </a:p>
+        </p:txBody>
+      </p:sp>
+      <p:sp>
+        <p:nvSpPr>
+          <p:cNvPr id="3" name="Text Placeholder 2"/>
+          <p:cNvSpPr>
+            <a:spLocks noGrp="1"/>
+          </p:cNvSpPr>
+          <p:nvPr>
+            <p:ph type="body" idx="1"/>
+          </p:nvPr>
+        </p:nvSpPr>
+        <p:spPr>
+          <a:xfrm>
+            <a:off x="457200" y="1775191"/>
+            <a:ext cx="8229600" cy="4625609"/>
+          </a:xfrm>
+          <a:prstGeom prst="rect">
+            <a:avLst/>
+          </a:prstGeom>
+        </p:spPr>
+        <p:txBody>
+          <a:bodyPr vert="horz" lIns="54864" tIns="91440" rtlCol="0">
+            <a:normAutofit/>
+          </a:bodyPr>
+          <a:lstStyle>
+            <a:extLst/>
+          </a:lstStyle>
+          <a:p>
+            <a:pPr lvl="0" eaLnBrk="1" latinLnBrk="0" hangingPunct="1"/>
+            <a:r>
+              <a:rPr kumimoji="0" lang="en-US" smtClean="0"/>
+              <a:t>Click to edit Master text styles</a:t>
+            </a:r>
+          </a:p>
+          <a:p>
+            <a:pPr lvl="1" eaLnBrk="1" latinLnBrk="0" hangingPunct="1"/>
+            <a:r>
+              <a:rPr kumimoji="0" lang="en-US" smtClean="0"/>
+              <a:t>Second level</a:t>
+            </a:r>
+          </a:p>
+          <a:p>
+            <a:pPr lvl="2" eaLnBrk="1" latinLnBrk="0" hangingPunct="1"/>
+            <a:r>
+              <a:rPr kumimoji="0" lang="en-US" smtClean="0"/>
+              <a:t>Third level</a:t>
+            </a:r>
+          </a:p>
+          <a:p>
+            <a:pPr lvl="3" eaLnBrk="1" latinLnBrk="0" hangingPunct="1"/>
+            <a:r>
+              <a:rPr kumimoji="0" lang="en-US" smtClean="0"/>
+              <a:t>Fourth level</a:t>
+            </a:r>
+          </a:p>
+          <a:p>
+            <a:pPr lvl="4" eaLnBrk="1" latinLnBrk="0" hangingPunct="1"/>
+            <a:r>
+              <a:rPr kumimoji="0" lang="en-US" smtClean="0"/>
+              <a:t>Fifth level</a:t>
+            </a:r>
+            <a:endParaRPr kumimoji="0" lang="en-US"/>
+          </a:p>
+        </p:txBody>
+      </p:sp>
+      <p:sp>
+        <p:nvSpPr>
+          <p:cNvPr id="4" name="Date Placeholder 3"/>
+          <p:cNvSpPr>
+            <a:spLocks noGrp="1"/>
+          </p:cNvSpPr>
+          <p:nvPr>
+            <p:ph type="dt" sz="half" idx="2"/>
+          </p:nvPr>
+        </p:nvSpPr>
+        <p:spPr>
+          <a:xfrm>
+            <a:off x="457200" y="6476999"/>
+            <a:ext cx="2133600" cy="274320"/>
+          </a:xfrm>
+          <a:prstGeom prst="rect">
+            <a:avLst/>
+          </a:prstGeom>
+        </p:spPr>
+        <p:txBody>
+          <a:bodyPr vert="horz" lIns="109728" rIns="45720" bIns="0" rtlCol="0" anchor="b"/>
+          <a:lstStyle>
+            <a:lvl1pPr algn="l" eaLnBrk="1" latinLnBrk="0" hangingPunct="1">
+              <a:defRPr kumimoji="0" sz="1200">
+                <a:solidFill>
+                  <a:schemeClr val="tx1">
+                    <a:tint val="95000"/>
+                  </a:schemeClr>
+                </a:solidFill>
+              </a:defRPr>
+            </a:lvl1pPr>
+            <a:extLst/>
+          </a:lstStyle>
+          <a:p>
+            <a:fld id="{51D6720C-CCE0-4063-BE8F-F14FA866EFA5}" type="datetimeFigureOut">
+              <a:rPr lang="en-US" smtClean="0"/>
+              <a:pPr/>
+              <a:t>5/11/2010</a:t>
+            </a:fld>
+            <a:endParaRPr lang="en-US"/>
+          </a:p>
+        </p:txBody>
+      </p:sp>
+      <p:sp>
+        <p:nvSpPr>
+          <p:cNvPr id="5" name="Footer Placeholder 4"/>
+          <p:cNvSpPr>
+            <a:spLocks noGrp="1"/>
+          </p:cNvSpPr>
+          <p:nvPr>
+            <p:ph type="ftr" sz="quarter" idx="3"/>
+          </p:nvPr>
+        </p:nvSpPr>
+        <p:spPr>
+          <a:xfrm>
+            <a:off x="2640596" y="6476999"/>
+            <a:ext cx="5507719" cy="274320"/>
+          </a:xfrm>
+          <a:prstGeom prst="rect">
+            <a:avLst/>
+          </a:prstGeom>
+        </p:spPr>
+        <p:txBody>
+          <a:bodyPr vert="horz" lIns="45720" rIns="45720" bIns="0" rtlCol="0" anchor="b"/>
+          <a:lstStyle>
+            <a:lvl1pPr algn="l" eaLnBrk="1" latinLnBrk="0" hangingPunct="1">
+              <a:defRPr kumimoji="0" sz="1200">
+                <a:solidFill>
+                  <a:schemeClr val="tx1">
+                    <a:tint val="95000"/>
+                  </a:schemeClr>
+                </a:solidFill>
+              </a:defRPr>
+            </a:lvl1pPr>
+            <a:extLst/>
+          </a:lstStyle>
+          <a:p>
+            <a:endParaRPr lang="en-US"/>
+          </a:p>
+        </p:txBody>
+      </p:sp>
+      <p:sp>
+        <p:nvSpPr>
+          <p:cNvPr id="6" name="Slide Number Placeholder 5"/>
+          <p:cNvSpPr>
+            <a:spLocks noGrp="1"/>
+          </p:cNvSpPr>
+          <p:nvPr>
+            <p:ph type="sldNum" sz="quarter" idx="4"/>
+          </p:nvPr>
+        </p:nvSpPr>
+        <p:spPr>
+          <a:xfrm>
+            <a:off x="8204396" y="6476999"/>
+            <a:ext cx="733864" cy="274320"/>
+          </a:xfrm>
+          <a:prstGeom prst="rect">
+            <a:avLst/>
+          </a:prstGeom>
+        </p:spPr>
+        <p:txBody>
+          <a:bodyPr vert="horz" bIns="0" rtlCol="0" anchor="b"/>
+          <a:lstStyle>
+            <a:lvl1pPr algn="r" eaLnBrk="1" latinLnBrk="0" hangingPunct="1">
+              <a:defRPr kumimoji="0" sz="1200">
+                <a:solidFill>
+                  <a:schemeClr val="tx1">
+                    <a:tint val="95000"/>
+                  </a:schemeClr>
+                </a:solidFill>
+              </a:defRPr>
+            </a:lvl1pPr>
+            <a:extLst/>
+          </a:lstStyle>
+          <a:p>
+            <a:fld id="{29DA0FC7-CCA2-43EF-9EF1-9875407B5314}" type="slidenum">
+              <a:rPr lang="en-US" smtClean="0"/>
+              <a:pPr/>
+              <a:t>‹#›</a:t>
+            </a:fld>
+            <a:endParaRPr lang="en-US"/>
           </a:p>
         </p:txBody>
       </p:sp>
@@ -3463,17 +3508,17 @@
   </p:cSld>
   <p:clrMap bg1="lt1" tx1="dk1" bg2="lt2" tx2="dk2" accent1="accent1" accent2="accent2" accent3="accent3" accent4="accent4" accent5="accent5" accent6="accent6" hlink="hlink" folHlink="folHlink"/>
   <p:sldLayoutIdLst>
-    <p:sldLayoutId id="2147483733" r:id="rId1"/>
-    <p:sldLayoutId id="2147483734" r:id="rId2"/>
-    <p:sldLayoutId id="2147483735" r:id="rId3"/>
-    <p:sldLayoutId id="2147483736" r:id="rId4"/>
-    <p:sldLayoutId id="2147483737" r:id="rId5"/>
-    <p:sldLayoutId id="2147483738" r:id="rId6"/>
-    <p:sldLayoutId id="2147483739" r:id="rId7"/>
-    <p:sldLayoutId id="2147483740" r:id="rId8"/>
-    <p:sldLayoutId id="2147483741" r:id="rId9"/>
-    <p:sldLayoutId id="2147483742" r:id="rId10"/>
-    <p:sldLayoutId id="2147483743" r:id="rId11"/>
+    <p:sldLayoutId id="2147483769" r:id="rId1"/>
+    <p:sldLayoutId id="2147483770" r:id="rId2"/>
+    <p:sldLayoutId id="2147483771" r:id="rId3"/>
+    <p:sldLayoutId id="2147483772" r:id="rId4"/>
+    <p:sldLayoutId id="2147483773" r:id="rId5"/>
+    <p:sldLayoutId id="2147483774" r:id="rId6"/>
+    <p:sldLayoutId id="2147483775" r:id="rId7"/>
+    <p:sldLayoutId id="2147483776" r:id="rId8"/>
+    <p:sldLayoutId id="2147483777" r:id="rId9"/>
+    <p:sldLayoutId id="2147483778" r:id="rId10"/>
+    <p:sldLayoutId id="2147483779" r:id="rId11"/>
   </p:sldLayoutIdLst>
   <p:txStyles>
     <p:titleStyle>
@@ -3482,28 +3527,32 @@
           <a:spcPct val="0"/>
         </a:spcBef>
         <a:buNone/>
-        <a:defRPr kumimoji="0" sz="3200" kern="1200">
+        <a:defRPr kumimoji="0" sz="4500" b="1" kern="1200">
           <a:solidFill>
-            <a:schemeClr val="tx2"/>
+            <a:schemeClr val="accent1">
+              <a:satMod val="150000"/>
+            </a:schemeClr>
           </a:solidFill>
+          <a:effectLst/>
           <a:latin typeface="+mj-lt"/>
           <a:ea typeface="+mj-ea"/>
           <a:cs typeface="+mj-cs"/>
         </a:defRPr>
       </a:lvl1pPr>
+      <a:extLst/>
     </p:titleStyle>
     <p:bodyStyle>
-      <a:lvl1pPr marL="274320" indent="-274320" algn="l" rtl="0" eaLnBrk="1" latinLnBrk="0" hangingPunct="1">
+      <a:lvl1pPr marL="438912" indent="-320040" algn="l" rtl="0" eaLnBrk="1" latinLnBrk="0" hangingPunct="1">
         <a:spcBef>
-          <a:spcPts val="600"/>
+          <a:spcPts val="0"/>
         </a:spcBef>
         <a:buClr>
           <a:schemeClr val="accent1"/>
         </a:buClr>
-        <a:buSzPct val="76000"/>
-        <a:buFont typeface="Wingdings 3"/>
-        <a:buChar char=""/>
-        <a:defRPr kumimoji="0" sz="2600" kern="1200">
+        <a:buSzPct val="80000"/>
+        <a:buFont typeface="Wingdings 2"/>
+        <a:buChar char=""/>
+        <a:defRPr kumimoji="0" sz="3200" kern="1200">
           <a:solidFill>
             <a:schemeClr val="tx1"/>
           </a:solidFill>
@@ -3512,37 +3561,52 @@
           <a:cs typeface="+mn-cs"/>
         </a:defRPr>
       </a:lvl1pPr>
-      <a:lvl2pPr marL="548640" indent="-274320" algn="l" rtl="0" eaLnBrk="1" latinLnBrk="0" hangingPunct="1">
+      <a:lvl2pPr marL="731520" indent="-274320" algn="l" rtl="0" eaLnBrk="1" latinLnBrk="0" hangingPunct="1">
         <a:spcBef>
-          <a:spcPts val="500"/>
+          <a:spcPct val="20000"/>
         </a:spcBef>
         <a:buClr>
           <a:schemeClr val="accent2"/>
         </a:buClr>
-        <a:buSzPct val="76000"/>
-        <a:buFont typeface="Wingdings 3"/>
-        <a:buChar char=""/>
-        <a:defRPr kumimoji="0" sz="2300" kern="1200">
+        <a:buSzPct val="90000"/>
+        <a:buFont typeface="Wingdings"/>
+        <a:buChar char=""/>
+        <a:defRPr kumimoji="0" sz="2800" kern="1200">
           <a:solidFill>
-            <a:schemeClr val="tx2"/>
+            <a:schemeClr val="tx1"/>
           </a:solidFill>
           <a:latin typeface="+mn-lt"/>
           <a:ea typeface="+mn-ea"/>
           <a:cs typeface="+mn-cs"/>
         </a:defRPr>
       </a:lvl2pPr>
-      <a:lvl3pPr marL="822960" indent="-228600" algn="l" rtl="0" eaLnBrk="1" latinLnBrk="0" hangingPunct="1">
+      <a:lvl3pPr marL="996696" indent="-228600" algn="l" rtl="0" eaLnBrk="1" latinLnBrk="0" hangingPunct="1">
         <a:spcBef>
-          <a:spcPts val="500"/>
+          <a:spcPct val="20000"/>
         </a:spcBef>
         <a:buClr>
-          <a:schemeClr val="bg1">
-            <a:shade val="50000"/>
-          </a:schemeClr>
+          <a:schemeClr val="accent3"/>
         </a:buClr>
-        <a:buSzPct val="76000"/>
-        <a:buFont typeface="Wingdings 3"/>
-        <a:buChar char=""/>
+        <a:buFont typeface="Arial"/>
+        <a:buChar char="▪"/>
+        <a:defRPr kumimoji="0" sz="2400" kern="1200">
+          <a:solidFill>
+            <a:schemeClr val="tx1"/>
+          </a:solidFill>
+          <a:latin typeface="+mn-lt"/>
+          <a:ea typeface="+mn-ea"/>
+          <a:cs typeface="+mn-cs"/>
+        </a:defRPr>
+      </a:lvl3pPr>
+      <a:lvl4pPr marL="1216152" indent="-182880" algn="l" rtl="0" eaLnBrk="1" latinLnBrk="0" hangingPunct="1">
+        <a:spcBef>
+          <a:spcPct val="20000"/>
+        </a:spcBef>
+        <a:buClr>
+          <a:schemeClr val="accent4"/>
+        </a:buClr>
+        <a:buFont typeface="Arial"/>
+        <a:buChar char="▪"/>
         <a:defRPr kumimoji="0" sz="2000" kern="1200">
           <a:solidFill>
             <a:schemeClr val="tx1"/>
@@ -3551,39 +3615,17 @@
           <a:ea typeface="+mn-ea"/>
           <a:cs typeface="+mn-cs"/>
         </a:defRPr>
-      </a:lvl3pPr>
-      <a:lvl4pPr marL="1097280" indent="-228600" algn="l" rtl="0" eaLnBrk="1" latinLnBrk="0" hangingPunct="1">
+      </a:lvl4pPr>
+      <a:lvl5pPr marL="1426464" indent="-182880" algn="l" rtl="0" eaLnBrk="1" latinLnBrk="0" hangingPunct="1">
         <a:spcBef>
-          <a:spcPts val="400"/>
+          <a:spcPct val="20000"/>
         </a:spcBef>
         <a:buClr>
-          <a:schemeClr val="accent2">
-            <a:shade val="75000"/>
-          </a:schemeClr>
+          <a:schemeClr val="accent5"/>
         </a:buClr>
-        <a:buSzPct val="70000"/>
-        <a:buFont typeface="Wingdings"/>
-        <a:buChar char=""/>
-        <a:defRPr kumimoji="0" sz="1800" kern="1200">
-          <a:solidFill>
-            <a:schemeClr val="tx1"/>
-          </a:solidFill>
-          <a:latin typeface="+mn-lt"/>
-          <a:ea typeface="+mn-ea"/>
-          <a:cs typeface="+mn-cs"/>
-        </a:defRPr>
-      </a:lvl4pPr>
-      <a:lvl5pPr marL="1371600" indent="-228600" algn="l" rtl="0" eaLnBrk="1" latinLnBrk="0" hangingPunct="1">
-        <a:spcBef>
-          <a:spcPts val="300"/>
-        </a:spcBef>
-        <a:buClr>
-          <a:schemeClr val="accent2"/>
-        </a:buClr>
-        <a:buSzPct val="70000"/>
-        <a:buFont typeface="Wingdings"/>
-        <a:buChar char=""/>
-        <a:defRPr kumimoji="0" sz="1600" kern="1200">
+        <a:buFont typeface="Wingdings 3"/>
+        <a:buChar char=""/>
+        <a:defRPr kumimoji="0" lang="en-US" sz="2000" kern="1200" smtClean="0">
           <a:solidFill>
             <a:schemeClr val="tx1"/>
           </a:solidFill>
@@ -3592,19 +3634,17 @@
           <a:cs typeface="+mn-cs"/>
         </a:defRPr>
       </a:lvl5pPr>
-      <a:lvl6pPr marL="1645920" indent="-182880" algn="l" rtl="0" eaLnBrk="1" latinLnBrk="0" hangingPunct="1">
+      <a:lvl6pPr marL="1627632" indent="-182880" algn="l" rtl="0" eaLnBrk="1" latinLnBrk="0" hangingPunct="1">
         <a:spcBef>
-          <a:spcPts val="300"/>
+          <a:spcPct val="20000"/>
         </a:spcBef>
         <a:buClr>
-          <a:srgbClr val="9FB8CD">
-            <a:shade val="75000"/>
-          </a:srgbClr>
+          <a:schemeClr val="accent6"/>
         </a:buClr>
-        <a:buSzPct val="75000"/>
-        <a:buFont typeface="Wingdings 3"/>
-        <a:buChar char=""/>
-        <a:defRPr kumimoji="0" lang="en-US" sz="1600" kern="1200" smtClean="0">
+        <a:buSzPct val="100000"/>
+        <a:buFont typeface="Wingdings 2"/>
+        <a:buChar char=""/>
+        <a:defRPr kumimoji="0" sz="2000" kern="1200">
           <a:solidFill>
             <a:schemeClr val="tx1"/>
           </a:solidFill>
@@ -3615,17 +3655,15 @@
       </a:lvl6pPr>
       <a:lvl7pPr marL="1828800" indent="-182880" algn="l" rtl="0" eaLnBrk="1" latinLnBrk="0" hangingPunct="1">
         <a:spcBef>
-          <a:spcPts val="300"/>
+          <a:spcPct val="20000"/>
         </a:spcBef>
         <a:buClr>
-          <a:srgbClr val="727CA3">
-            <a:shade val="75000"/>
-          </a:srgbClr>
+          <a:schemeClr val="accent1"/>
         </a:buClr>
-        <a:buSzPct val="75000"/>
-        <a:buFont typeface="Wingdings 3"/>
-        <a:buChar char=""/>
-        <a:defRPr kumimoji="0" lang="en-US" sz="1400" kern="1200" smtClean="0">
+        <a:buSzPct val="100000"/>
+        <a:buFont typeface="Wingdings 2"/>
+        <a:buChar char=""/>
+        <a:defRPr kumimoji="0" sz="1800" kern="1200">
           <a:solidFill>
             <a:schemeClr val="tx1"/>
           </a:solidFill>
@@ -3634,19 +3672,16 @@
           <a:cs typeface="+mn-cs"/>
         </a:defRPr>
       </a:lvl7pPr>
-      <a:lvl8pPr marL="2011680" indent="-182880" algn="l" rtl="0" eaLnBrk="1" latinLnBrk="0" hangingPunct="1">
+      <a:lvl8pPr marL="2029968" indent="-182880" algn="l" rtl="0" eaLnBrk="1" latinLnBrk="0" hangingPunct="1">
         <a:spcBef>
-          <a:spcPts val="300"/>
+          <a:spcPct val="20000"/>
         </a:spcBef>
         <a:buClr>
-          <a:prstClr val="white">
-            <a:shade val="50000"/>
-          </a:prstClr>
+          <a:schemeClr val="accent2"/>
         </a:buClr>
-        <a:buSzPct val="75000"/>
-        <a:buFont typeface="Wingdings 3"/>
-        <a:buChar char=""/>
-        <a:defRPr kumimoji="0" lang="en-US" sz="1400" kern="1200" smtClean="0">
+        <a:buFont typeface="Wingdings 2" pitchFamily="18" charset="2"/>
+        <a:buChar char=""/>
+        <a:defRPr kumimoji="0" sz="1800" kern="1200">
           <a:solidFill>
             <a:schemeClr val="tx1"/>
           </a:solidFill>
@@ -3655,17 +3690,16 @@
           <a:cs typeface="+mn-cs"/>
         </a:defRPr>
       </a:lvl8pPr>
-      <a:lvl9pPr marL="2194560" indent="-182880" algn="l" rtl="0" eaLnBrk="1" latinLnBrk="0" hangingPunct="1">
+      <a:lvl9pPr marL="2231136" indent="-182880" algn="l" rtl="0" eaLnBrk="1" latinLnBrk="0" hangingPunct="1">
         <a:spcBef>
-          <a:spcPts val="300"/>
+          <a:spcPct val="20000"/>
         </a:spcBef>
         <a:buClr>
-          <a:srgbClr val="9FB8CD"/>
+          <a:schemeClr val="accent3"/>
         </a:buClr>
-        <a:buSzPct val="75000"/>
-        <a:buFont typeface="Wingdings 3"/>
-        <a:buChar char=""/>
-        <a:defRPr kumimoji="0" lang="en-US" sz="1200" kern="1200" smtClean="0">
+        <a:buFont typeface="Wingdings 2" pitchFamily="18" charset="2"/>
+        <a:buChar char=""/>
+        <a:defRPr kumimoji="0" sz="1800" kern="1200" baseline="0">
           <a:solidFill>
             <a:schemeClr val="tx1"/>
           </a:solidFill>
@@ -3674,6 +3708,7 @@
           <a:cs typeface="+mn-cs"/>
         </a:defRPr>
       </a:lvl9pPr>
+      <a:extLst/>
     </p:bodyStyle>
     <p:otherStyle>
       <a:lvl1pPr marL="0" algn="l" rtl="0" eaLnBrk="1" latinLnBrk="0" hangingPunct="1">
@@ -3766,6 +3801,7 @@
           <a:cs typeface="+mn-cs"/>
         </a:defRPr>
       </a:lvl9pPr>
+      <a:extLst/>
     </p:otherStyle>
   </p:txStyles>
 </p:sldMaster>
@@ -3850,11 +3886,7 @@
             </a:r>
             <a:r>
               <a:rPr lang="en-US" dirty="0" smtClean="0"/>
-              <a:t> </a:t>
-            </a:r>
-            <a:r>
-              <a:rPr lang="en-US" dirty="0" smtClean="0"/>
-              <a:t>Chuck </a:t>
+              <a:t> Chuck </a:t>
             </a:r>
             <a:r>
               <a:rPr lang="en-US" dirty="0" err="1" smtClean="0"/>
@@ -3930,12 +3962,14 @@
             <a:spLocks noGrp="1"/>
           </p:cNvSpPr>
           <p:nvPr>
-            <p:ph sz="quarter" idx="1"/>
+            <p:ph idx="1"/>
           </p:nvPr>
         </p:nvSpPr>
         <p:spPr/>
         <p:txBody>
-          <a:bodyPr/>
+          <a:bodyPr>
+            <a:normAutofit fontScale="92500" lnSpcReduction="10000"/>
+          </a:bodyPr>
           <a:lstStyle/>
           <a:p>
             <a:r>
@@ -3964,11 +3998,7 @@
             </a:r>
             <a:r>
               <a:rPr lang="en-US" dirty="0" smtClean="0"/>
-              <a:t> </a:t>
-            </a:r>
-            <a:r>
-              <a:rPr lang="en-US" dirty="0" smtClean="0"/>
-              <a:t>from the Math &amp; Computer Science Department at Salisbury University.</a:t>
+              <a:t> from the Math &amp; Computer Science Department at Salisbury University.</a:t>
             </a:r>
           </a:p>
           <a:p>
@@ -3999,6 +4029,13 @@
   <p:clrMapOvr>
     <a:masterClrMapping/>
   </p:clrMapOvr>
+  <p:timing>
+    <p:tnLst>
+      <p:par>
+        <p:cTn id="1" dur="indefinite" restart="never" nodeType="tmRoot"/>
+      </p:par>
+    </p:tnLst>
+  </p:timing>
 </p:sld>
 </file>
 
@@ -4053,18 +4090,13 @@
             <a:spLocks noGrp="1"/>
           </p:cNvSpPr>
           <p:nvPr>
-            <p:ph sz="quarter" idx="1"/>
-          </p:nvPr>
-        </p:nvSpPr>
-        <p:spPr>
-          <a:xfrm>
-            <a:off x="457200" y="1219200"/>
-            <a:ext cx="8229600" cy="4937760"/>
-          </a:xfrm>
-        </p:spPr>
+            <p:ph idx="1"/>
+          </p:nvPr>
+        </p:nvSpPr>
+        <p:spPr/>
         <p:txBody>
           <a:bodyPr>
-            <a:normAutofit lnSpcReduction="10000"/>
+            <a:normAutofit fontScale="77500" lnSpcReduction="20000"/>
           </a:bodyPr>
           <a:lstStyle/>
           <a:p>
@@ -4157,6 +4189,13 @@
   <p:clrMapOvr>
     <a:masterClrMapping/>
   </p:clrMapOvr>
+  <p:timing>
+    <p:tnLst>
+      <p:par>
+        <p:cTn id="1" dur="indefinite" restart="never" nodeType="tmRoot"/>
+      </p:par>
+    </p:tnLst>
+  </p:timing>
 </p:sld>
 </file>
 
@@ -4193,12 +4232,8 @@
           <a:lstStyle/>
           <a:p>
             <a:r>
-              <a:rPr lang="en-US" dirty="0" err="1" smtClean="0"/>
-              <a:t>CryptoViz</a:t>
-            </a:r>
-            <a:r>
               <a:rPr lang="en-US" dirty="0" smtClean="0"/>
-              <a:t> – The Classes</a:t>
+              <a:t>DES Implementation</a:t>
             </a:r>
             <a:endParaRPr lang="en-US" dirty="0"/>
           </a:p>
@@ -4211,7 +4246,7 @@
             <a:spLocks noGrp="1"/>
           </p:cNvSpPr>
           <p:nvPr>
-            <p:ph sz="quarter" idx="1"/>
+            <p:ph idx="1"/>
           </p:nvPr>
         </p:nvSpPr>
         <p:spPr/>
@@ -4221,33 +4256,7 @@
           <a:p>
             <a:r>
               <a:rPr lang="en-US" dirty="0" smtClean="0"/>
-              <a:t>CryptMain.java…………main class. </a:t>
-            </a:r>
-            <a:r>
-              <a:rPr lang="en-US" dirty="0" smtClean="0"/>
-              <a:t> </a:t>
-            </a:r>
-          </a:p>
-          <a:p>
-            <a:r>
-              <a:rPr lang="en-US" dirty="0" smtClean="0"/>
-              <a:t>DES.java………………...DES implementation</a:t>
-            </a:r>
-          </a:p>
-          <a:p>
-            <a:r>
-              <a:rPr lang="en-US" dirty="0" smtClean="0"/>
-              <a:t>VisualizationPanel.java….</a:t>
-            </a:r>
-            <a:r>
-              <a:rPr lang="en-US" smtClean="0"/>
-              <a:t>Visualization algorithm</a:t>
-            </a:r>
-          </a:p>
-          <a:p>
-            <a:r>
-              <a:rPr lang="en-US" smtClean="0"/>
-              <a:t> </a:t>
+              <a:t>John write stuff here</a:t>
             </a:r>
             <a:endParaRPr lang="en-US" dirty="0"/>
           </a:p>
@@ -4261,10 +4270,199 @@
 </p:sld>
 </file>
 
+<file path=ppt/slides/slide5.xml><?xml version="1.0" encoding="utf-8"?>
+<p:sld xmlns:a="http://schemas.openxmlformats.org/drawingml/2006/main" xmlns:r="http://schemas.openxmlformats.org/officeDocument/2006/relationships" xmlns:p="http://schemas.openxmlformats.org/presentationml/2006/main">
+  <p:cSld>
+    <p:spTree>
+      <p:nvGrpSpPr>
+        <p:cNvPr id="1" name=""/>
+        <p:cNvGrpSpPr/>
+        <p:nvPr/>
+      </p:nvGrpSpPr>
+      <p:grpSpPr>
+        <a:xfrm>
+          <a:off x="0" y="0"/>
+          <a:ext cx="0" cy="0"/>
+          <a:chOff x="0" y="0"/>
+          <a:chExt cx="0" cy="0"/>
+        </a:xfrm>
+      </p:grpSpPr>
+      <p:sp>
+        <p:nvSpPr>
+          <p:cNvPr id="2" name="Title 1"/>
+          <p:cNvSpPr>
+            <a:spLocks noGrp="1"/>
+          </p:cNvSpPr>
+          <p:nvPr>
+            <p:ph type="title"/>
+          </p:nvPr>
+        </p:nvSpPr>
+        <p:spPr/>
+        <p:txBody>
+          <a:bodyPr/>
+          <a:lstStyle/>
+          <a:p>
+            <a:r>
+              <a:rPr lang="en-US" dirty="0" err="1" smtClean="0"/>
+              <a:t>CryptoViz</a:t>
+            </a:r>
+            <a:r>
+              <a:rPr lang="en-US" dirty="0" smtClean="0"/>
+              <a:t> – The Classes</a:t>
+            </a:r>
+            <a:endParaRPr lang="en-US" dirty="0"/>
+          </a:p>
+        </p:txBody>
+      </p:sp>
+      <p:sp>
+        <p:nvSpPr>
+          <p:cNvPr id="3" name="Content Placeholder 2"/>
+          <p:cNvSpPr>
+            <a:spLocks noGrp="1"/>
+          </p:cNvSpPr>
+          <p:nvPr>
+            <p:ph idx="1"/>
+          </p:nvPr>
+        </p:nvSpPr>
+        <p:spPr/>
+        <p:txBody>
+          <a:bodyPr/>
+          <a:lstStyle/>
+          <a:p>
+            <a:r>
+              <a:rPr lang="en-US" sz="2000" dirty="0" smtClean="0"/>
+              <a:t>CryptMain.java</a:t>
+            </a:r>
+            <a:r>
+              <a:rPr lang="en-US" sz="2000" dirty="0" smtClean="0"/>
+              <a:t>……….……</a:t>
+            </a:r>
+            <a:r>
+              <a:rPr lang="en-US" sz="2000" dirty="0" smtClean="0"/>
+              <a:t>main class.  </a:t>
+            </a:r>
+          </a:p>
+          <a:p>
+            <a:r>
+              <a:rPr lang="en-US" sz="2000" dirty="0" smtClean="0"/>
+              <a:t>DES.java</a:t>
+            </a:r>
+            <a:r>
+              <a:rPr lang="en-US" sz="2000" dirty="0" smtClean="0"/>
+              <a:t>……………………..</a:t>
+            </a:r>
+            <a:r>
+              <a:rPr lang="en-US" sz="2000" dirty="0" smtClean="0"/>
+              <a:t>DES implementation</a:t>
+            </a:r>
+          </a:p>
+          <a:p>
+            <a:r>
+              <a:rPr lang="en-US" sz="2000" dirty="0" smtClean="0"/>
+              <a:t>VisualizationPanel.java….Visualization </a:t>
+            </a:r>
+            <a:r>
+              <a:rPr lang="en-US" sz="2000" dirty="0" smtClean="0"/>
+              <a:t>algorithm</a:t>
+            </a:r>
+            <a:endParaRPr lang="en-US" sz="2000" dirty="0"/>
+          </a:p>
+          <a:p>
+            <a:r>
+              <a:rPr lang="en-US" sz="2000" dirty="0" smtClean="0"/>
+              <a:t>KeyFrame.java……………..Key Generation</a:t>
+            </a:r>
+          </a:p>
+          <a:p>
+            <a:r>
+              <a:rPr lang="en-US" sz="2000" dirty="0" smtClean="0"/>
+              <a:t>QuickDES.java……………..Encryption &amp; Decryption</a:t>
+            </a:r>
+          </a:p>
+          <a:p>
+            <a:r>
+              <a:rPr lang="en-US" sz="2000" dirty="0" smtClean="0"/>
+              <a:t>BitList.java…………………..Custom </a:t>
+            </a:r>
+            <a:r>
+              <a:rPr lang="en-US" sz="2000" dirty="0" err="1" smtClean="0"/>
+              <a:t>BitSet</a:t>
+            </a:r>
+            <a:r>
+              <a:rPr lang="en-US" sz="2000" dirty="0" smtClean="0"/>
+              <a:t> extension</a:t>
+            </a:r>
+          </a:p>
+          <a:p>
+            <a:r>
+              <a:rPr lang="en-US" sz="2000" dirty="0" smtClean="0"/>
+              <a:t>ConvertString.java………..Used for converting string to </a:t>
+            </a:r>
+            <a:r>
+              <a:rPr lang="en-US" sz="2000" dirty="0" err="1" smtClean="0"/>
+              <a:t>BitList</a:t>
+            </a:r>
+            <a:r>
+              <a:rPr lang="en-US" sz="2000" dirty="0" smtClean="0"/>
+              <a:t>, vice versa</a:t>
+            </a:r>
+          </a:p>
+          <a:p>
+            <a:r>
+              <a:rPr lang="en-US" sz="2000" dirty="0" smtClean="0"/>
+              <a:t>Node.java…………………….Used for visualization</a:t>
+            </a:r>
+          </a:p>
+          <a:p>
+            <a:r>
+              <a:rPr lang="en-US" sz="2000" dirty="0" smtClean="0"/>
+              <a:t>EncryptPanel.java………….Hand drawn </a:t>
+            </a:r>
+            <a:r>
+              <a:rPr lang="en-US" sz="2000" dirty="0" err="1" smtClean="0"/>
+              <a:t>Fiestel</a:t>
+            </a:r>
+            <a:r>
+              <a:rPr lang="en-US" sz="2000" dirty="0" smtClean="0"/>
+              <a:t> Structure including encryption and decryption.</a:t>
+            </a:r>
+          </a:p>
+          <a:p>
+            <a:r>
+              <a:rPr lang="en-US" sz="2000" dirty="0" smtClean="0"/>
+              <a:t>RoundPanel.java……………Used in </a:t>
+            </a:r>
+            <a:r>
+              <a:rPr lang="en-US" sz="2000" dirty="0" err="1" smtClean="0"/>
+              <a:t>EncryptPanel</a:t>
+            </a:r>
+            <a:r>
+              <a:rPr lang="en-US" sz="2000" dirty="0" smtClean="0"/>
+              <a:t> to visualize each round</a:t>
+            </a:r>
+            <a:endParaRPr lang="en-US" sz="2000" dirty="0" smtClean="0"/>
+          </a:p>
+        </p:txBody>
+      </p:sp>
+    </p:spTree>
+  </p:cSld>
+  <p:clrMapOvr>
+    <a:masterClrMapping/>
+  </p:clrMapOvr>
+  <p:timing>
+    <p:tnLst>
+      <p:par>
+        <p:cTn id="1" dur="indefinite" restart="never" nodeType="tmRoot"/>
+      </p:par>
+    </p:tnLst>
+  </p:timing>
+</p:sld>
+</file>
+
 <file path=ppt/theme/theme1.xml><?xml version="1.0" encoding="utf-8"?>
-<a:theme xmlns:a="http://schemas.openxmlformats.org/drawingml/2006/main" name="Origin">
+<a:theme xmlns:a="http://schemas.openxmlformats.org/drawingml/2006/main" name="Module">
   <a:themeElements>
-    <a:clrScheme name="Origin">
+    <a:clrScheme name="Equity">
       <a:dk1>
         <a:sysClr val="windowText" lastClr="000000"/>
       </a:dk1>
@@ -4272,54 +4470,52 @@
         <a:sysClr val="window" lastClr="FFFFFF"/>
       </a:lt1>
       <a:dk2>
-        <a:srgbClr val="464653"/>
+        <a:srgbClr val="696464"/>
       </a:dk2>
       <a:lt2>
-        <a:srgbClr val="DDE9EC"/>
+        <a:srgbClr val="E9E5DC"/>
       </a:lt2>
       <a:accent1>
-        <a:srgbClr val="727CA3"/>
+        <a:srgbClr val="D34817"/>
       </a:accent1>
       <a:accent2>
-        <a:srgbClr val="9FB8CD"/>
+        <a:srgbClr val="9B2D1F"/>
       </a:accent2>
       <a:accent3>
-        <a:srgbClr val="D2DA7A"/>
+        <a:srgbClr val="A28E6A"/>
       </a:accent3>
       <a:accent4>
-        <a:srgbClr val="FADA7A"/>
+        <a:srgbClr val="956251"/>
       </a:accent4>
       <a:accent5>
-        <a:srgbClr val="B88472"/>
+        <a:srgbClr val="918485"/>
       </a:accent5>
       <a:accent6>
-        <a:srgbClr val="8E736A"/>
+        <a:srgbClr val="855D5D"/>
       </a:accent6>
       <a:hlink>
-        <a:srgbClr val="B292CA"/>
+        <a:srgbClr val="CC9900"/>
       </a:hlink>
       <a:folHlink>
-        <a:srgbClr val="6B5680"/>
+        <a:srgbClr val="96A9A9"/>
       </a:folHlink>
     </a:clrScheme>
-    <a:fontScheme name="Origin">
+    <a:fontScheme name="Module">
       <a:majorFont>
-        <a:latin typeface="Bookman Old Style"/>
+        <a:latin typeface="Corbel"/>
         <a:ea typeface=""/>
         <a:cs typeface=""/>
-        <a:font script="Grek" typeface="Cambria"/>
-        <a:font script="Cyrl" typeface="Cambria"/>
-        <a:font script="Jpan" typeface="HG明朝E"/>
-        <a:font script="Hang" typeface="돋움"/>
-        <a:font script="Hans" typeface="宋体"/>
-        <a:font script="Hant" typeface="標楷體"/>
-        <a:font script="Arab" typeface="Times New Roman"/>
-        <a:font script="Hebr" typeface="Times New Roman"/>
-        <a:font script="Thai" typeface="Browallia New"/>
+        <a:font script="Jpan" typeface="HGｺﾞｼｯｸM"/>
+        <a:font script="Hang" typeface="HY엽서L"/>
+        <a:font script="Hans" typeface="华文楷体"/>
+        <a:font script="Hant" typeface="新細明體"/>
+        <a:font script="Arab" typeface="Tahoma"/>
+        <a:font script="Hebr" typeface="Miriam"/>
+        <a:font script="Thai" typeface="DilleniaUPC"/>
         <a:font script="Ethi" typeface="Nyala"/>
         <a:font script="Beng" typeface="Vrinda"/>
         <a:font script="Gujr" typeface="Shruti"/>
-        <a:font script="Khmr" typeface="MoolBoran"/>
+        <a:font script="Khmr" typeface="DaunPenh"/>
         <a:font script="Knda" typeface="Tunga"/>
         <a:font script="Guru" typeface="Raavi"/>
         <a:font script="Cans" typeface="Euphemia"/>
@@ -4336,22 +4532,20 @@
         <a:font script="Laoo" typeface="DokChampa"/>
         <a:font script="Sinh" typeface="Iskoola Pota"/>
         <a:font script="Mong" typeface="Mongolian Baiti"/>
-        <a:font script="Viet" typeface="Times New Roman"/>
+        <a:font script="Viet" typeface="Arial"/>
         <a:font script="Uigh" typeface="Microsoft Uighur"/>
       </a:majorFont>
       <a:minorFont>
-        <a:latin typeface="Gill Sans MT"/>
+        <a:latin typeface="Corbel"/>
         <a:ea typeface=""/>
         <a:cs typeface=""/>
-        <a:font script="Grek" typeface="Calibri"/>
-        <a:font script="Cyrl" typeface="Calibri"/>
-        <a:font script="Jpan" typeface="ＭＳ Ｐゴシック"/>
-        <a:font script="Hang" typeface="맑은 고딕"/>
-        <a:font script="Hans" typeface="华文新魏"/>
+        <a:font script="Jpan" typeface="HGｺﾞｼｯｸM"/>
+        <a:font script="Hang" typeface="HY엽서L"/>
+        <a:font script="Hans" typeface="华文楷体"/>
         <a:font script="Hant" typeface="新細明體"/>
-        <a:font script="Arab" typeface="Arial"/>
-        <a:font script="Hebr" typeface="Arial"/>
-        <a:font script="Thai" typeface="Cordia New"/>
+        <a:font script="Arab" typeface="Tahoma"/>
+        <a:font script="Hebr" typeface="Miriam"/>
+        <a:font script="Thai" typeface="DilleniaUPC"/>
         <a:font script="Ethi" typeface="Nyala"/>
         <a:font script="Beng" typeface="Vrinda"/>
         <a:font script="Gujr" typeface="Shruti"/>
@@ -4376,7 +4570,7 @@
         <a:font script="Uigh" typeface="Microsoft Uighur"/>
       </a:minorFont>
     </a:fontScheme>
-    <a:fmtScheme name="Origin">
+    <a:fmtScheme name="Module">
       <a:fillStyleLst>
         <a:solidFill>
           <a:schemeClr val="phClr"/>
@@ -4385,97 +4579,66 @@
           <a:gsLst>
             <a:gs pos="0">
               <a:schemeClr val="phClr">
-                <a:tint val="45000"/>
-                <a:satMod val="200000"/>
+                <a:tint val="50000"/>
+                <a:satMod val="300000"/>
               </a:schemeClr>
             </a:gs>
-            <a:gs pos="30000">
+            <a:gs pos="35000">
               <a:schemeClr val="phClr">
-                <a:tint val="61000"/>
-                <a:satMod val="200000"/>
-              </a:schemeClr>
-            </a:gs>
-            <a:gs pos="45000">
-              <a:schemeClr val="phClr">
-                <a:tint val="66000"/>
-                <a:satMod val="200000"/>
-              </a:schemeClr>
-            </a:gs>
-            <a:gs pos="55000">
-              <a:schemeClr val="phClr">
-                <a:tint val="66000"/>
-                <a:satMod val="200000"/>
-              </a:schemeClr>
-            </a:gs>
-            <a:gs pos="73000">
-              <a:schemeClr val="phClr">
-                <a:tint val="61000"/>
-                <a:satMod val="200000"/>
+                <a:tint val="37000"/>
+                <a:satMod val="300000"/>
               </a:schemeClr>
             </a:gs>
             <a:gs pos="100000">
               <a:schemeClr val="phClr">
-                <a:tint val="45000"/>
-                <a:satMod val="200000"/>
+                <a:tint val="15000"/>
+                <a:satMod val="350000"/>
               </a:schemeClr>
             </a:gs>
           </a:gsLst>
-          <a:lin ang="950000" scaled="1"/>
+          <a:lin ang="16200000" scaled="1"/>
         </a:gradFill>
         <a:gradFill rotWithShape="1">
           <a:gsLst>
             <a:gs pos="0">
               <a:schemeClr val="phClr">
-                <a:shade val="63000"/>
-              </a:schemeClr>
-            </a:gs>
-            <a:gs pos="30000">
-              <a:schemeClr val="phClr">
-                <a:shade val="90000"/>
-                <a:satMod val="110000"/>
-              </a:schemeClr>
-            </a:gs>
-            <a:gs pos="45000">
-              <a:schemeClr val="phClr">
-                <a:shade val="100000"/>
-                <a:satMod val="118000"/>
+                <a:shade val="47500"/>
+                <a:satMod val="137000"/>
               </a:schemeClr>
             </a:gs>
             <a:gs pos="55000">
               <a:schemeClr val="phClr">
-                <a:shade val="100000"/>
-                <a:satMod val="118000"/>
-              </a:schemeClr>
-            </a:gs>
-            <a:gs pos="73000">
-              <a:schemeClr val="phClr">
-                <a:shade val="90000"/>
-                <a:satMod val="110000"/>
+                <a:shade val="69000"/>
+                <a:satMod val="137000"/>
               </a:schemeClr>
             </a:gs>
             <a:gs pos="100000">
               <a:schemeClr val="phClr">
-                <a:shade val="63000"/>
+                <a:shade val="98000"/>
+                <a:satMod val="137000"/>
               </a:schemeClr>
             </a:gs>
           </a:gsLst>
-          <a:lin ang="950000" scaled="1"/>
+          <a:lin ang="16200000" scaled="0"/>
         </a:gradFill>
       </a:fillStyleLst>
       <a:lnStyleLst>
-        <a:ln w="9525" cap="flat" cmpd="sng" algn="ctr">
+        <a:ln w="6350" cap="rnd" cmpd="sng" algn="ctr">
+          <a:solidFill>
+            <a:schemeClr val="phClr">
+              <a:shade val="95000"/>
+              <a:satMod val="105000"/>
+            </a:schemeClr>
+          </a:solidFill>
+          <a:prstDash val="solid"/>
+        </a:ln>
+        <a:ln w="48000" cap="flat" cmpd="thickThin" algn="ctr">
           <a:solidFill>
             <a:schemeClr val="phClr"/>
           </a:solidFill>
           <a:prstDash val="solid"/>
         </a:ln>
-        <a:ln w="19050" cap="flat" cmpd="sng" algn="ctr">
-          <a:solidFill>
-            <a:schemeClr val="phClr"/>
-          </a:solidFill>
-          <a:prstDash val="solid"/>
-        </a:ln>
-        <a:ln w="25400" cap="flat" cmpd="sng" algn="ctr">
+        <a:ln w="48500" cap="flat" cmpd="thickThin" algn="ctr">
           <a:solidFill>
             <a:schemeClr val="phClr"/>
           </a:solidFill>
@@ -4485,18 +4648,27 @@
       <a:effectStyleLst>
         <a:effectStyle>
           <a:effectLst>
-            <a:outerShdw blurRad="38100" dist="25400" dir="5400000" rotWithShape="0">
+            <a:outerShdw blurRad="45000" dist="25000" dir="5400000" rotWithShape="0">
               <a:srgbClr val="000000">
-                <a:alpha val="40000"/>
+                <a:alpha val="38000"/>
               </a:srgbClr>
             </a:outerShdw>
           </a:effectLst>
         </a:effectStyle>
         <a:effectStyle>
           <a:effectLst>
-            <a:outerShdw blurRad="50800" dist="43000" dir="5400000" rotWithShape="0">
+            <a:outerShdw blurRad="39000" dist="25400" dir="5400000" rotWithShape="0">
               <a:srgbClr val="000000">
-                <a:alpha val="40000"/>
+                <a:alpha val="38000"/>
+              </a:srgbClr>
+            </a:outerShdw>
+          </a:effectLst>
+        </a:effectStyle>
+        <a:effectStyle>
+          <a:effectLst>
+            <a:outerShdw blurRad="39000" dist="25400" dir="5400000" rotWithShape="0">
+              <a:srgbClr val="000000">
+                <a:alpha val="38000"/>
               </a:srgbClr>
             </a:outerShdw>
           </a:effectLst>
@@ -4504,43 +4676,12 @@
             <a:camera prst="orthographicFront" fov="0">
               <a:rot lat="0" lon="0" rev="0"/>
             </a:camera>
-            <a:lightRig rig="balanced" dir="t">
-              <a:rot lat="0" lon="0" rev="0"/>
+            <a:lightRig rig="threePt" dir="t">
+              <a:rot lat="0" lon="0" rev="1800000"/>
             </a:lightRig>
           </a:scene3d>
           <a:sp3d prstMaterial="matte">
-            <a:bevelT w="0" h="0"/>
-            <a:contourClr>
-              <a:schemeClr val="phClr">
-                <a:tint val="100000"/>
-                <a:shade val="100000"/>
-                <a:hueMod val="100000"/>
-                <a:satMod val="100000"/>
-              </a:schemeClr>
-            </a:contourClr>
-          </a:sp3d>
-        </a:effectStyle>
-        <a:effectStyle>
-          <a:effectLst>
-            <a:outerShdw blurRad="50800" dist="25400" dir="5400000" rotWithShape="0">
-              <a:srgbClr val="000000">
-                <a:alpha val="50000"/>
-              </a:srgbClr>
-            </a:outerShdw>
-          </a:effectLst>
-          <a:scene3d>
-            <a:camera prst="orthographicFront" fov="0">
-              <a:rot lat="0" lon="0" rev="0"/>
-            </a:camera>
-            <a:lightRig rig="soft" dir="t">
-              <a:rot lat="0" lon="0" rev="2700000"/>
-            </a:lightRig>
-          </a:scene3d>
-          <a:sp3d prstMaterial="matte">
-            <a:bevelT w="50800" h="50800"/>
-            <a:contourClr>
-              <a:schemeClr val="phClr"/>
-            </a:contourClr>
+            <a:bevelT h="20000"/>
           </a:sp3d>
         </a:effectStyle>
       </a:effectStyleLst>
@@ -4552,38 +4693,46 @@
           <a:gsLst>
             <a:gs pos="0">
               <a:schemeClr val="phClr">
-                <a:shade val="60000"/>
+                <a:tint val="48000"/>
                 <a:satMod val="300000"/>
               </a:schemeClr>
             </a:gs>
-            <a:gs pos="30000">
+            <a:gs pos="12000">
               <a:schemeClr val="phClr">
-                <a:shade val="80000"/>
-                <a:satMod val="230000"/>
+                <a:tint val="48000"/>
+                <a:satMod val="300000"/>
+              </a:schemeClr>
+            </a:gs>
+            <a:gs pos="20000">
+              <a:schemeClr val="phClr">
+                <a:tint val="49000"/>
+                <a:satMod val="300000"/>
               </a:schemeClr>
             </a:gs>
             <a:gs pos="100000">
               <a:schemeClr val="phClr">
-                <a:tint val="97000"/>
-                <a:satMod val="220000"/>
+                <a:shade val="30000"/>
               </a:schemeClr>
             </a:gs>
           </a:gsLst>
-          <a:lin ang="16200000" scaled="1"/>
+          <a:path path="circle">
+            <a:fillToRect l="10000" t="-25000" r="10000" b="125000"/>
+          </a:path>
         </a:gradFill>
         <a:blipFill>
           <a:blip xmlns:r="http://schemas.openxmlformats.org/officeDocument/2006/relationships" r:embed="rId1">
             <a:duotone>
               <a:schemeClr val="phClr">
-                <a:shade val="6000"/>
-                <a:satMod val="120000"/>
+                <a:shade val="75000"/>
+                <a:satMod val="105000"/>
               </a:schemeClr>
               <a:schemeClr val="phClr">
-                <a:tint val="90000"/>
+                <a:tint val="95000"/>
+                <a:satMod val="105000"/>
               </a:schemeClr>
             </a:duotone>
           </a:blip>
-          <a:tile tx="0" ty="0" sx="35000" sy="40000" flip="x" algn="tl"/>
+          <a:tile tx="0" ty="0" sx="38000" sy="38000" flip="none" algn="tl"/>
         </a:blipFill>
       </a:bgFillStyleLst>
     </a:fmtScheme>

--- a/trunk/docs/CryptoViz.pptx
+++ b/trunk/docs/CryptoViz.pptx
@@ -4,12 +4,20 @@
   <p:sldMasterIdLst>
     <p:sldMasterId id="2147483768" r:id="rId1"/>
   </p:sldMasterIdLst>
+  <p:notesMasterIdLst>
+    <p:notesMasterId r:id="rId12"/>
+  </p:notesMasterIdLst>
   <p:sldIdLst>
     <p:sldId id="256" r:id="rId2"/>
     <p:sldId id="257" r:id="rId3"/>
-    <p:sldId id="258" r:id="rId4"/>
-    <p:sldId id="260" r:id="rId5"/>
-    <p:sldId id="259" r:id="rId6"/>
+    <p:sldId id="263" r:id="rId4"/>
+    <p:sldId id="261" r:id="rId5"/>
+    <p:sldId id="262" r:id="rId6"/>
+    <p:sldId id="264" r:id="rId7"/>
+    <p:sldId id="260" r:id="rId8"/>
+    <p:sldId id="265" r:id="rId9"/>
+    <p:sldId id="266" r:id="rId10"/>
+    <p:sldId id="259" r:id="rId11"/>
   </p:sldIdLst>
   <p:sldSz cx="9144000" cy="6858000" type="screen4x3"/>
   <p:notesSz cx="6858000" cy="9144000"/>
@@ -109,6 +117,774 @@
     </a:lvl9pPr>
   </p:defaultTextStyle>
 </p:presentation>
+</file>
+
+<file path=ppt/notesMasters/notesMaster1.xml><?xml version="1.0" encoding="utf-8"?>
+<p:notesMaster xmlns:a="http://schemas.openxmlformats.org/drawingml/2006/main" xmlns:r="http://schemas.openxmlformats.org/officeDocument/2006/relationships" xmlns:p="http://schemas.openxmlformats.org/presentationml/2006/main">
+  <p:cSld>
+    <p:bg>
+      <p:bgRef idx="1001">
+        <a:schemeClr val="bg1"/>
+      </p:bgRef>
+    </p:bg>
+    <p:spTree>
+      <p:nvGrpSpPr>
+        <p:cNvPr id="1" name=""/>
+        <p:cNvGrpSpPr/>
+        <p:nvPr/>
+      </p:nvGrpSpPr>
+      <p:grpSpPr>
+        <a:xfrm>
+          <a:off x="0" y="0"/>
+          <a:ext cx="0" cy="0"/>
+          <a:chOff x="0" y="0"/>
+          <a:chExt cx="0" cy="0"/>
+        </a:xfrm>
+      </p:grpSpPr>
+      <p:sp>
+        <p:nvSpPr>
+          <p:cNvPr id="2" name="Header Placeholder 1"/>
+          <p:cNvSpPr>
+            <a:spLocks noGrp="1"/>
+          </p:cNvSpPr>
+          <p:nvPr>
+            <p:ph type="hdr" sz="quarter"/>
+          </p:nvPr>
+        </p:nvSpPr>
+        <p:spPr>
+          <a:xfrm>
+            <a:off x="0" y="0"/>
+            <a:ext cx="2971800" cy="457200"/>
+          </a:xfrm>
+          <a:prstGeom prst="rect">
+            <a:avLst/>
+          </a:prstGeom>
+        </p:spPr>
+        <p:txBody>
+          <a:bodyPr vert="horz" lIns="91440" tIns="45720" rIns="91440" bIns="45720" rtlCol="0"/>
+          <a:lstStyle>
+            <a:lvl1pPr algn="l">
+              <a:defRPr sz="1200"/>
+            </a:lvl1pPr>
+          </a:lstStyle>
+          <a:p>
+            <a:endParaRPr lang="en-US"/>
+          </a:p>
+        </p:txBody>
+      </p:sp>
+      <p:sp>
+        <p:nvSpPr>
+          <p:cNvPr id="3" name="Date Placeholder 2"/>
+          <p:cNvSpPr>
+            <a:spLocks noGrp="1"/>
+          </p:cNvSpPr>
+          <p:nvPr>
+            <p:ph type="dt" idx="1"/>
+          </p:nvPr>
+        </p:nvSpPr>
+        <p:spPr>
+          <a:xfrm>
+            <a:off x="3884613" y="0"/>
+            <a:ext cx="2971800" cy="457200"/>
+          </a:xfrm>
+          <a:prstGeom prst="rect">
+            <a:avLst/>
+          </a:prstGeom>
+        </p:spPr>
+        <p:txBody>
+          <a:bodyPr vert="horz" lIns="91440" tIns="45720" rIns="91440" bIns="45720" rtlCol="0"/>
+          <a:lstStyle>
+            <a:lvl1pPr algn="r">
+              <a:defRPr sz="1200"/>
+            </a:lvl1pPr>
+          </a:lstStyle>
+          <a:p>
+            <a:fld id="{50A9BE1B-56F8-4E59-9E19-89E7B83F0B4F}" type="datetimeFigureOut">
+              <a:rPr lang="en-US" smtClean="0"/>
+              <a:t>5/11/2010</a:t>
+            </a:fld>
+            <a:endParaRPr lang="en-US"/>
+          </a:p>
+        </p:txBody>
+      </p:sp>
+      <p:sp>
+        <p:nvSpPr>
+          <p:cNvPr id="4" name="Slide Image Placeholder 3"/>
+          <p:cNvSpPr>
+            <a:spLocks noGrp="1" noRot="1" noChangeAspect="1"/>
+          </p:cNvSpPr>
+          <p:nvPr>
+            <p:ph type="sldImg" idx="2"/>
+          </p:nvPr>
+        </p:nvSpPr>
+        <p:spPr>
+          <a:xfrm>
+            <a:off x="1143000" y="685800"/>
+            <a:ext cx="4572000" cy="3429000"/>
+          </a:xfrm>
+          <a:prstGeom prst="rect">
+            <a:avLst/>
+          </a:prstGeom>
+          <a:noFill/>
+          <a:ln w="12700">
+            <a:solidFill>
+              <a:prstClr val="black"/>
+            </a:solidFill>
+          </a:ln>
+        </p:spPr>
+        <p:txBody>
+          <a:bodyPr vert="horz" lIns="91440" tIns="45720" rIns="91440" bIns="45720" rtlCol="0" anchor="ctr"/>
+          <a:lstStyle/>
+          <a:p>
+            <a:endParaRPr lang="en-US"/>
+          </a:p>
+        </p:txBody>
+      </p:sp>
+      <p:sp>
+        <p:nvSpPr>
+          <p:cNvPr id="5" name="Notes Placeholder 4"/>
+          <p:cNvSpPr>
+            <a:spLocks noGrp="1"/>
+          </p:cNvSpPr>
+          <p:nvPr>
+            <p:ph type="body" sz="quarter" idx="3"/>
+          </p:nvPr>
+        </p:nvSpPr>
+        <p:spPr>
+          <a:xfrm>
+            <a:off x="685800" y="4343400"/>
+            <a:ext cx="5486400" cy="4114800"/>
+          </a:xfrm>
+          <a:prstGeom prst="rect">
+            <a:avLst/>
+          </a:prstGeom>
+        </p:spPr>
+        <p:txBody>
+          <a:bodyPr vert="horz" lIns="91440" tIns="45720" rIns="91440" bIns="45720" rtlCol="0">
+            <a:normAutofit/>
+          </a:bodyPr>
+          <a:lstStyle/>
+          <a:p>
+            <a:pPr lvl="0"/>
+            <a:r>
+              <a:rPr lang="en-US" smtClean="0"/>
+              <a:t>Click to edit Master text styles</a:t>
+            </a:r>
+          </a:p>
+          <a:p>
+            <a:pPr lvl="1"/>
+            <a:r>
+              <a:rPr lang="en-US" smtClean="0"/>
+              <a:t>Second level</a:t>
+            </a:r>
+          </a:p>
+          <a:p>
+            <a:pPr lvl="2"/>
+            <a:r>
+              <a:rPr lang="en-US" smtClean="0"/>
+              <a:t>Third level</a:t>
+            </a:r>
+          </a:p>
+          <a:p>
+            <a:pPr lvl="3"/>
+            <a:r>
+              <a:rPr lang="en-US" smtClean="0"/>
+              <a:t>Fourth level</a:t>
+            </a:r>
+          </a:p>
+          <a:p>
+            <a:pPr lvl="4"/>
+            <a:r>
+              <a:rPr lang="en-US" smtClean="0"/>
+              <a:t>Fifth level</a:t>
+            </a:r>
+            <a:endParaRPr lang="en-US"/>
+          </a:p>
+        </p:txBody>
+      </p:sp>
+      <p:sp>
+        <p:nvSpPr>
+          <p:cNvPr id="6" name="Footer Placeholder 5"/>
+          <p:cNvSpPr>
+            <a:spLocks noGrp="1"/>
+          </p:cNvSpPr>
+          <p:nvPr>
+            <p:ph type="ftr" sz="quarter" idx="4"/>
+          </p:nvPr>
+        </p:nvSpPr>
+        <p:spPr>
+          <a:xfrm>
+            <a:off x="0" y="8685213"/>
+            <a:ext cx="2971800" cy="457200"/>
+          </a:xfrm>
+          <a:prstGeom prst="rect">
+            <a:avLst/>
+          </a:prstGeom>
+        </p:spPr>
+        <p:txBody>
+          <a:bodyPr vert="horz" lIns="91440" tIns="45720" rIns="91440" bIns="45720" rtlCol="0" anchor="b"/>
+          <a:lstStyle>
+            <a:lvl1pPr algn="l">
+              <a:defRPr sz="1200"/>
+            </a:lvl1pPr>
+          </a:lstStyle>
+          <a:p>
+            <a:endParaRPr lang="en-US"/>
+          </a:p>
+        </p:txBody>
+      </p:sp>
+      <p:sp>
+        <p:nvSpPr>
+          <p:cNvPr id="7" name="Slide Number Placeholder 6"/>
+          <p:cNvSpPr>
+            <a:spLocks noGrp="1"/>
+          </p:cNvSpPr>
+          <p:nvPr>
+            <p:ph type="sldNum" sz="quarter" idx="5"/>
+          </p:nvPr>
+        </p:nvSpPr>
+        <p:spPr>
+          <a:xfrm>
+            <a:off x="3884613" y="8685213"/>
+            <a:ext cx="2971800" cy="457200"/>
+          </a:xfrm>
+          <a:prstGeom prst="rect">
+            <a:avLst/>
+          </a:prstGeom>
+        </p:spPr>
+        <p:txBody>
+          <a:bodyPr vert="horz" lIns="91440" tIns="45720" rIns="91440" bIns="45720" rtlCol="0" anchor="b"/>
+          <a:lstStyle>
+            <a:lvl1pPr algn="r">
+              <a:defRPr sz="1200"/>
+            </a:lvl1pPr>
+          </a:lstStyle>
+          <a:p>
+            <a:fld id="{97BFADB0-4871-4CBF-870A-F9C4278AB0C5}" type="slidenum">
+              <a:rPr lang="en-US" smtClean="0"/>
+              <a:t>‹#›</a:t>
+            </a:fld>
+            <a:endParaRPr lang="en-US"/>
+          </a:p>
+        </p:txBody>
+      </p:sp>
+    </p:spTree>
+  </p:cSld>
+  <p:clrMap bg1="lt1" tx1="dk1" bg2="lt2" tx2="dk2" accent1="accent1" accent2="accent2" accent3="accent3" accent4="accent4" accent5="accent5" accent6="accent6" hlink="hlink" folHlink="folHlink"/>
+  <p:notesStyle>
+    <a:lvl1pPr marL="0" algn="l" defTabSz="914400" rtl="0" eaLnBrk="1" latinLnBrk="0" hangingPunct="1">
+      <a:defRPr sz="1200" kern="1200">
+        <a:solidFill>
+          <a:schemeClr val="tx1"/>
+        </a:solidFill>
+        <a:latin typeface="+mn-lt"/>
+        <a:ea typeface="+mn-ea"/>
+        <a:cs typeface="+mn-cs"/>
+      </a:defRPr>
+    </a:lvl1pPr>
+    <a:lvl2pPr marL="457200" algn="l" defTabSz="914400" rtl="0" eaLnBrk="1" latinLnBrk="0" hangingPunct="1">
+      <a:defRPr sz="1200" kern="1200">
+        <a:solidFill>
+          <a:schemeClr val="tx1"/>
+        </a:solidFill>
+        <a:latin typeface="+mn-lt"/>
+        <a:ea typeface="+mn-ea"/>
+        <a:cs typeface="+mn-cs"/>
+      </a:defRPr>
+    </a:lvl2pPr>
+    <a:lvl3pPr marL="914400" algn="l" defTabSz="914400" rtl="0" eaLnBrk="1" latinLnBrk="0" hangingPunct="1">
+      <a:defRPr sz="1200" kern="1200">
+        <a:solidFill>
+          <a:schemeClr val="tx1"/>
+        </a:solidFill>
+        <a:latin typeface="+mn-lt"/>
+        <a:ea typeface="+mn-ea"/>
+        <a:cs typeface="+mn-cs"/>
+      </a:defRPr>
+    </a:lvl3pPr>
+    <a:lvl4pPr marL="1371600" algn="l" defTabSz="914400" rtl="0" eaLnBrk="1" latinLnBrk="0" hangingPunct="1">
+      <a:defRPr sz="1200" kern="1200">
+        <a:solidFill>
+          <a:schemeClr val="tx1"/>
+        </a:solidFill>
+        <a:latin typeface="+mn-lt"/>
+        <a:ea typeface="+mn-ea"/>
+        <a:cs typeface="+mn-cs"/>
+      </a:defRPr>
+    </a:lvl4pPr>
+    <a:lvl5pPr marL="1828800" algn="l" defTabSz="914400" rtl="0" eaLnBrk="1" latinLnBrk="0" hangingPunct="1">
+      <a:defRPr sz="1200" kern="1200">
+        <a:solidFill>
+          <a:schemeClr val="tx1"/>
+        </a:solidFill>
+        <a:latin typeface="+mn-lt"/>
+        <a:ea typeface="+mn-ea"/>
+        <a:cs typeface="+mn-cs"/>
+      </a:defRPr>
+    </a:lvl5pPr>
+    <a:lvl6pPr marL="2286000" algn="l" defTabSz="914400" rtl="0" eaLnBrk="1" latinLnBrk="0" hangingPunct="1">
+      <a:defRPr sz="1200" kern="1200">
+        <a:solidFill>
+          <a:schemeClr val="tx1"/>
+        </a:solidFill>
+        <a:latin typeface="+mn-lt"/>
+        <a:ea typeface="+mn-ea"/>
+        <a:cs typeface="+mn-cs"/>
+      </a:defRPr>
+    </a:lvl6pPr>
+    <a:lvl7pPr marL="2743200" algn="l" defTabSz="914400" rtl="0" eaLnBrk="1" latinLnBrk="0" hangingPunct="1">
+      <a:defRPr sz="1200" kern="1200">
+        <a:solidFill>
+          <a:schemeClr val="tx1"/>
+        </a:solidFill>
+        <a:latin typeface="+mn-lt"/>
+        <a:ea typeface="+mn-ea"/>
+        <a:cs typeface="+mn-cs"/>
+      </a:defRPr>
+    </a:lvl7pPr>
+    <a:lvl8pPr marL="3200400" algn="l" defTabSz="914400" rtl="0" eaLnBrk="1" latinLnBrk="0" hangingPunct="1">
+      <a:defRPr sz="1200" kern="1200">
+        <a:solidFill>
+          <a:schemeClr val="tx1"/>
+        </a:solidFill>
+        <a:latin typeface="+mn-lt"/>
+        <a:ea typeface="+mn-ea"/>
+        <a:cs typeface="+mn-cs"/>
+      </a:defRPr>
+    </a:lvl8pPr>
+    <a:lvl9pPr marL="3657600" algn="l" defTabSz="914400" rtl="0" eaLnBrk="1" latinLnBrk="0" hangingPunct="1">
+      <a:defRPr sz="1200" kern="1200">
+        <a:solidFill>
+          <a:schemeClr val="tx1"/>
+        </a:solidFill>
+        <a:latin typeface="+mn-lt"/>
+        <a:ea typeface="+mn-ea"/>
+        <a:cs typeface="+mn-cs"/>
+      </a:defRPr>
+    </a:lvl9pPr>
+  </p:notesStyle>
+</p:notesMaster>
+</file>
+
+<file path=ppt/notesSlides/notesSlide1.xml><?xml version="1.0" encoding="utf-8"?>
+<p:notes xmlns:a="http://schemas.openxmlformats.org/drawingml/2006/main" xmlns:r="http://schemas.openxmlformats.org/officeDocument/2006/relationships" xmlns:p="http://schemas.openxmlformats.org/presentationml/2006/main">
+  <p:cSld>
+    <p:spTree>
+      <p:nvGrpSpPr>
+        <p:cNvPr id="1" name=""/>
+        <p:cNvGrpSpPr/>
+        <p:nvPr/>
+      </p:nvGrpSpPr>
+      <p:grpSpPr>
+        <a:xfrm>
+          <a:off x="0" y="0"/>
+          <a:ext cx="0" cy="0"/>
+          <a:chOff x="0" y="0"/>
+          <a:chExt cx="0" cy="0"/>
+        </a:xfrm>
+      </p:grpSpPr>
+      <p:sp>
+        <p:nvSpPr>
+          <p:cNvPr id="2" name="Slide Image Placeholder 1"/>
+          <p:cNvSpPr>
+            <a:spLocks noGrp="1" noRot="1" noChangeAspect="1"/>
+          </p:cNvSpPr>
+          <p:nvPr>
+            <p:ph type="sldImg"/>
+          </p:nvPr>
+        </p:nvSpPr>
+        <p:spPr/>
+      </p:sp>
+      <p:sp>
+        <p:nvSpPr>
+          <p:cNvPr id="3" name="Notes Placeholder 2"/>
+          <p:cNvSpPr>
+            <a:spLocks noGrp="1"/>
+          </p:cNvSpPr>
+          <p:nvPr>
+            <p:ph type="body" idx="1"/>
+          </p:nvPr>
+        </p:nvSpPr>
+        <p:spPr/>
+        <p:txBody>
+          <a:bodyPr>
+            <a:normAutofit/>
+          </a:bodyPr>
+          <a:lstStyle/>
+          <a:p>
+            <a:r>
+              <a:rPr lang="en-US" dirty="0" smtClean="0"/>
+              <a:t>Show </a:t>
+            </a:r>
+            <a:r>
+              <a:rPr lang="en-US" dirty="0" err="1" smtClean="0"/>
+              <a:t>google</a:t>
+            </a:r>
+            <a:r>
+              <a:rPr lang="en-US" dirty="0" smtClean="0"/>
+              <a:t> code site</a:t>
+            </a:r>
+            <a:endParaRPr lang="en-US" dirty="0"/>
+          </a:p>
+        </p:txBody>
+      </p:sp>
+      <p:sp>
+        <p:nvSpPr>
+          <p:cNvPr id="4" name="Slide Number Placeholder 3"/>
+          <p:cNvSpPr>
+            <a:spLocks noGrp="1"/>
+          </p:cNvSpPr>
+          <p:nvPr>
+            <p:ph type="sldNum" sz="quarter" idx="10"/>
+          </p:nvPr>
+        </p:nvSpPr>
+        <p:spPr/>
+        <p:txBody>
+          <a:bodyPr/>
+          <a:lstStyle/>
+          <a:p>
+            <a:fld id="{97BFADB0-4871-4CBF-870A-F9C4278AB0C5}" type="slidenum">
+              <a:rPr lang="en-US" smtClean="0"/>
+              <a:t>4</a:t>
+            </a:fld>
+            <a:endParaRPr lang="en-US"/>
+          </a:p>
+        </p:txBody>
+      </p:sp>
+    </p:spTree>
+  </p:cSld>
+  <p:clrMapOvr>
+    <a:masterClrMapping/>
+  </p:clrMapOvr>
+</p:notes>
+</file>
+
+<file path=ppt/notesSlides/notesSlide2.xml><?xml version="1.0" encoding="utf-8"?>
+<p:notes xmlns:a="http://schemas.openxmlformats.org/drawingml/2006/main" xmlns:r="http://schemas.openxmlformats.org/officeDocument/2006/relationships" xmlns:p="http://schemas.openxmlformats.org/presentationml/2006/main">
+  <p:cSld>
+    <p:spTree>
+      <p:nvGrpSpPr>
+        <p:cNvPr id="1" name=""/>
+        <p:cNvGrpSpPr/>
+        <p:nvPr/>
+      </p:nvGrpSpPr>
+      <p:grpSpPr>
+        <a:xfrm>
+          <a:off x="0" y="0"/>
+          <a:ext cx="0" cy="0"/>
+          <a:chOff x="0" y="0"/>
+          <a:chExt cx="0" cy="0"/>
+        </a:xfrm>
+      </p:grpSpPr>
+      <p:sp>
+        <p:nvSpPr>
+          <p:cNvPr id="2" name="Slide Image Placeholder 1"/>
+          <p:cNvSpPr>
+            <a:spLocks noGrp="1" noRot="1" noChangeAspect="1"/>
+          </p:cNvSpPr>
+          <p:nvPr>
+            <p:ph type="sldImg"/>
+          </p:nvPr>
+        </p:nvSpPr>
+        <p:spPr/>
+      </p:sp>
+      <p:sp>
+        <p:nvSpPr>
+          <p:cNvPr id="3" name="Notes Placeholder 2"/>
+          <p:cNvSpPr>
+            <a:spLocks noGrp="1"/>
+          </p:cNvSpPr>
+          <p:nvPr>
+            <p:ph type="body" idx="1"/>
+          </p:nvPr>
+        </p:nvSpPr>
+        <p:spPr/>
+        <p:txBody>
+          <a:bodyPr>
+            <a:normAutofit/>
+          </a:bodyPr>
+          <a:lstStyle/>
+          <a:p>
+            <a:r>
+              <a:rPr lang="en-US" dirty="0" smtClean="0"/>
+              <a:t>64 bits = 8 extended </a:t>
+            </a:r>
+            <a:r>
+              <a:rPr lang="en-US" dirty="0" err="1" smtClean="0"/>
+              <a:t>ascii</a:t>
+            </a:r>
+            <a:r>
+              <a:rPr lang="en-US" dirty="0" smtClean="0"/>
+              <a:t> characters.</a:t>
+            </a:r>
+          </a:p>
+          <a:p>
+            <a:r>
+              <a:rPr lang="en-US" dirty="0" smtClean="0"/>
+              <a:t>The original key is 64-bits, but 8 of them are ignored, so effectively only 56 bit key.</a:t>
+            </a:r>
+          </a:p>
+          <a:p>
+            <a:r>
+              <a:rPr lang="en-US" dirty="0" smtClean="0"/>
+              <a:t>Similar </a:t>
+            </a:r>
+            <a:r>
+              <a:rPr lang="en-US" dirty="0" err="1" smtClean="0"/>
+              <a:t>Feistel</a:t>
+            </a:r>
+            <a:r>
+              <a:rPr lang="en-US" dirty="0" smtClean="0"/>
+              <a:t> structure is used in other encryption algorithms</a:t>
+            </a:r>
+          </a:p>
+          <a:p>
+            <a:r>
+              <a:rPr lang="en-US" dirty="0" smtClean="0"/>
+              <a:t>Show </a:t>
+            </a:r>
+            <a:r>
+              <a:rPr lang="en-US" dirty="0" err="1" smtClean="0"/>
+              <a:t>cryptoviz</a:t>
+            </a:r>
+            <a:endParaRPr lang="en-US" dirty="0" smtClean="0"/>
+          </a:p>
+          <a:p>
+            <a:endParaRPr lang="en-US" dirty="0" smtClean="0"/>
+          </a:p>
+          <a:p>
+            <a:endParaRPr lang="en-US" dirty="0" smtClean="0"/>
+          </a:p>
+          <a:p>
+            <a:endParaRPr lang="en-US" dirty="0"/>
+          </a:p>
+        </p:txBody>
+      </p:sp>
+      <p:sp>
+        <p:nvSpPr>
+          <p:cNvPr id="4" name="Slide Number Placeholder 3"/>
+          <p:cNvSpPr>
+            <a:spLocks noGrp="1"/>
+          </p:cNvSpPr>
+          <p:nvPr>
+            <p:ph type="sldNum" sz="quarter" idx="10"/>
+          </p:nvPr>
+        </p:nvSpPr>
+        <p:spPr/>
+        <p:txBody>
+          <a:bodyPr/>
+          <a:lstStyle/>
+          <a:p>
+            <a:fld id="{97BFADB0-4871-4CBF-870A-F9C4278AB0C5}" type="slidenum">
+              <a:rPr lang="en-US" smtClean="0"/>
+              <a:t>6</a:t>
+            </a:fld>
+            <a:endParaRPr lang="en-US"/>
+          </a:p>
+        </p:txBody>
+      </p:sp>
+    </p:spTree>
+  </p:cSld>
+  <p:clrMapOvr>
+    <a:masterClrMapping/>
+  </p:clrMapOvr>
+</p:notes>
+</file>
+
+<file path=ppt/notesSlides/notesSlide3.xml><?xml version="1.0" encoding="utf-8"?>
+<p:notes xmlns:a="http://schemas.openxmlformats.org/drawingml/2006/main" xmlns:r="http://schemas.openxmlformats.org/officeDocument/2006/relationships" xmlns:p="http://schemas.openxmlformats.org/presentationml/2006/main">
+  <p:cSld>
+    <p:spTree>
+      <p:nvGrpSpPr>
+        <p:cNvPr id="1" name=""/>
+        <p:cNvGrpSpPr/>
+        <p:nvPr/>
+      </p:nvGrpSpPr>
+      <p:grpSpPr>
+        <a:xfrm>
+          <a:off x="0" y="0"/>
+          <a:ext cx="0" cy="0"/>
+          <a:chOff x="0" y="0"/>
+          <a:chExt cx="0" cy="0"/>
+        </a:xfrm>
+      </p:grpSpPr>
+      <p:sp>
+        <p:nvSpPr>
+          <p:cNvPr id="2" name="Slide Image Placeholder 1"/>
+          <p:cNvSpPr>
+            <a:spLocks noGrp="1" noRot="1" noChangeAspect="1"/>
+          </p:cNvSpPr>
+          <p:nvPr>
+            <p:ph type="sldImg"/>
+          </p:nvPr>
+        </p:nvSpPr>
+        <p:spPr/>
+      </p:sp>
+      <p:sp>
+        <p:nvSpPr>
+          <p:cNvPr id="3" name="Notes Placeholder 2"/>
+          <p:cNvSpPr>
+            <a:spLocks noGrp="1"/>
+          </p:cNvSpPr>
+          <p:nvPr>
+            <p:ph type="body" idx="1"/>
+          </p:nvPr>
+        </p:nvSpPr>
+        <p:spPr/>
+        <p:txBody>
+          <a:bodyPr>
+            <a:normAutofit/>
+          </a:bodyPr>
+          <a:lstStyle/>
+          <a:p>
+            <a:r>
+              <a:rPr lang="en-US" dirty="0" smtClean="0"/>
+              <a:t>Show </a:t>
+            </a:r>
+            <a:r>
+              <a:rPr lang="en-US" dirty="0" err="1" smtClean="0"/>
+              <a:t>DES.permute</a:t>
+            </a:r>
+            <a:r>
+              <a:rPr lang="en-US" dirty="0" smtClean="0"/>
+              <a:t>()</a:t>
+            </a:r>
+            <a:r>
+              <a:rPr lang="en-US" baseline="0" dirty="0" smtClean="0"/>
+              <a:t> on the </a:t>
+            </a:r>
+            <a:r>
+              <a:rPr lang="en-US" baseline="0" dirty="0" err="1" smtClean="0"/>
+              <a:t>google</a:t>
+            </a:r>
+            <a:r>
+              <a:rPr lang="en-US" baseline="0" dirty="0" smtClean="0"/>
+              <a:t> code site?</a:t>
+            </a:r>
+          </a:p>
+          <a:p>
+            <a:r>
+              <a:rPr lang="en-US" baseline="0" dirty="0" smtClean="0"/>
+              <a:t>Show mappings too?</a:t>
+            </a:r>
+            <a:endParaRPr lang="en-US" dirty="0"/>
+          </a:p>
+        </p:txBody>
+      </p:sp>
+      <p:sp>
+        <p:nvSpPr>
+          <p:cNvPr id="4" name="Slide Number Placeholder 3"/>
+          <p:cNvSpPr>
+            <a:spLocks noGrp="1"/>
+          </p:cNvSpPr>
+          <p:nvPr>
+            <p:ph type="sldNum" sz="quarter" idx="10"/>
+          </p:nvPr>
+        </p:nvSpPr>
+        <p:spPr/>
+        <p:txBody>
+          <a:bodyPr/>
+          <a:lstStyle/>
+          <a:p>
+            <a:fld id="{97BFADB0-4871-4CBF-870A-F9C4278AB0C5}" type="slidenum">
+              <a:rPr lang="en-US" smtClean="0"/>
+              <a:t>7</a:t>
+            </a:fld>
+            <a:endParaRPr lang="en-US"/>
+          </a:p>
+        </p:txBody>
+      </p:sp>
+    </p:spTree>
+  </p:cSld>
+  <p:clrMapOvr>
+    <a:masterClrMapping/>
+  </p:clrMapOvr>
+</p:notes>
+</file>
+
+<file path=ppt/notesSlides/notesSlide4.xml><?xml version="1.0" encoding="utf-8"?>
+<p:notes xmlns:a="http://schemas.openxmlformats.org/drawingml/2006/main" xmlns:r="http://schemas.openxmlformats.org/officeDocument/2006/relationships" xmlns:p="http://schemas.openxmlformats.org/presentationml/2006/main">
+  <p:cSld>
+    <p:spTree>
+      <p:nvGrpSpPr>
+        <p:cNvPr id="1" name=""/>
+        <p:cNvGrpSpPr/>
+        <p:nvPr/>
+      </p:nvGrpSpPr>
+      <p:grpSpPr>
+        <a:xfrm>
+          <a:off x="0" y="0"/>
+          <a:ext cx="0" cy="0"/>
+          <a:chOff x="0" y="0"/>
+          <a:chExt cx="0" cy="0"/>
+        </a:xfrm>
+      </p:grpSpPr>
+      <p:sp>
+        <p:nvSpPr>
+          <p:cNvPr id="2" name="Slide Image Placeholder 1"/>
+          <p:cNvSpPr>
+            <a:spLocks noGrp="1" noRot="1" noChangeAspect="1"/>
+          </p:cNvSpPr>
+          <p:nvPr>
+            <p:ph type="sldImg"/>
+          </p:nvPr>
+        </p:nvSpPr>
+        <p:spPr/>
+      </p:sp>
+      <p:sp>
+        <p:nvSpPr>
+          <p:cNvPr id="3" name="Notes Placeholder 2"/>
+          <p:cNvSpPr>
+            <a:spLocks noGrp="1"/>
+          </p:cNvSpPr>
+          <p:nvPr>
+            <p:ph type="body" idx="1"/>
+          </p:nvPr>
+        </p:nvSpPr>
+        <p:spPr/>
+        <p:txBody>
+          <a:bodyPr>
+            <a:normAutofit/>
+          </a:bodyPr>
+          <a:lstStyle/>
+          <a:p>
+            <a:r>
+              <a:rPr lang="en-US" dirty="0" smtClean="0"/>
+              <a:t>Show s-box lookup table</a:t>
+            </a:r>
+            <a:endParaRPr lang="en-US" dirty="0"/>
+          </a:p>
+        </p:txBody>
+      </p:sp>
+      <p:sp>
+        <p:nvSpPr>
+          <p:cNvPr id="4" name="Slide Number Placeholder 3"/>
+          <p:cNvSpPr>
+            <a:spLocks noGrp="1"/>
+          </p:cNvSpPr>
+          <p:nvPr>
+            <p:ph type="sldNum" sz="quarter" idx="10"/>
+          </p:nvPr>
+        </p:nvSpPr>
+        <p:spPr/>
+        <p:txBody>
+          <a:bodyPr/>
+          <a:lstStyle/>
+          <a:p>
+            <a:fld id="{97BFADB0-4871-4CBF-870A-F9C4278AB0C5}" type="slidenum">
+              <a:rPr lang="en-US" smtClean="0"/>
+              <a:t>8</a:t>
+            </a:fld>
+            <a:endParaRPr lang="en-US"/>
+          </a:p>
+        </p:txBody>
+      </p:sp>
+    </p:spTree>
+  </p:cSld>
+  <p:clrMapOvr>
+    <a:masterClrMapping/>
+  </p:clrMapOvr>
+</p:notes>
 </file>
 
 <file path=ppt/slideLayouts/slideLayout1.xml><?xml version="1.0" encoding="utf-8"?>
@@ -3878,7 +4654,15 @@
           <a:p>
             <a:r>
               <a:rPr lang="en-US" dirty="0" smtClean="0"/>
-              <a:t>Frank Rowe John </a:t>
+              <a:t>Frank </a:t>
+            </a:r>
+            <a:r>
+              <a:rPr lang="en-US" dirty="0" smtClean="0"/>
+              <a:t>Rowe    </a:t>
+            </a:r>
+            <a:r>
+              <a:rPr lang="en-US" dirty="0" smtClean="0"/>
+              <a:t>John </a:t>
             </a:r>
             <a:r>
               <a:rPr lang="en-US" dirty="0" err="1" smtClean="0"/>
@@ -3886,13 +4670,240 @@
             </a:r>
             <a:r>
               <a:rPr lang="en-US" dirty="0" smtClean="0"/>
-              <a:t> Chuck </a:t>
+              <a:t>    </a:t>
+            </a:r>
+            <a:r>
+              <a:rPr lang="en-US" dirty="0" smtClean="0"/>
+              <a:t>Chuck </a:t>
             </a:r>
             <a:r>
               <a:rPr lang="en-US" dirty="0" err="1" smtClean="0"/>
               <a:t>Figiel</a:t>
             </a:r>
             <a:endParaRPr lang="en-US" dirty="0"/>
+          </a:p>
+        </p:txBody>
+      </p:sp>
+    </p:spTree>
+  </p:cSld>
+  <p:clrMapOvr>
+    <a:masterClrMapping/>
+  </p:clrMapOvr>
+  <p:timing>
+    <p:tnLst>
+      <p:par>
+        <p:cTn id="1" dur="indefinite" restart="never" nodeType="tmRoot"/>
+      </p:par>
+    </p:tnLst>
+  </p:timing>
+</p:sld>
+</file>
+
+<file path=ppt/slides/slide10.xml><?xml version="1.0" encoding="utf-8"?>
+<p:sld xmlns:a="http://schemas.openxmlformats.org/drawingml/2006/main" xmlns:r="http://schemas.openxmlformats.org/officeDocument/2006/relationships" xmlns:p="http://schemas.openxmlformats.org/presentationml/2006/main">
+  <p:cSld>
+    <p:spTree>
+      <p:nvGrpSpPr>
+        <p:cNvPr id="1" name=""/>
+        <p:cNvGrpSpPr/>
+        <p:nvPr/>
+      </p:nvGrpSpPr>
+      <p:grpSpPr>
+        <a:xfrm>
+          <a:off x="0" y="0"/>
+          <a:ext cx="0" cy="0"/>
+          <a:chOff x="0" y="0"/>
+          <a:chExt cx="0" cy="0"/>
+        </a:xfrm>
+      </p:grpSpPr>
+      <p:sp>
+        <p:nvSpPr>
+          <p:cNvPr id="2" name="Title 1"/>
+          <p:cNvSpPr>
+            <a:spLocks noGrp="1"/>
+          </p:cNvSpPr>
+          <p:nvPr>
+            <p:ph type="title"/>
+          </p:nvPr>
+        </p:nvSpPr>
+        <p:spPr/>
+        <p:txBody>
+          <a:bodyPr/>
+          <a:lstStyle/>
+          <a:p>
+            <a:r>
+              <a:rPr lang="en-US" dirty="0" err="1" smtClean="0"/>
+              <a:t>CryptoViz</a:t>
+            </a:r>
+            <a:r>
+              <a:rPr lang="en-US" dirty="0" smtClean="0"/>
+              <a:t> – The Classes</a:t>
+            </a:r>
+            <a:endParaRPr lang="en-US" dirty="0"/>
+          </a:p>
+        </p:txBody>
+      </p:sp>
+      <p:sp>
+        <p:nvSpPr>
+          <p:cNvPr id="3" name="Content Placeholder 2"/>
+          <p:cNvSpPr>
+            <a:spLocks noGrp="1"/>
+          </p:cNvSpPr>
+          <p:nvPr>
+            <p:ph idx="1"/>
+          </p:nvPr>
+        </p:nvSpPr>
+        <p:spPr/>
+        <p:txBody>
+          <a:bodyPr>
+            <a:normAutofit/>
+          </a:bodyPr>
+          <a:lstStyle/>
+          <a:p>
+            <a:endParaRPr lang="en-US" sz="2000" dirty="0" smtClean="0"/>
+          </a:p>
+          <a:p>
+            <a:r>
+              <a:rPr lang="en-US" sz="2000" dirty="0" smtClean="0"/>
+              <a:t>AboutFrame.java	</a:t>
+            </a:r>
+            <a:r>
+              <a:rPr lang="en-US" sz="2000" dirty="0" err="1" smtClean="0"/>
+              <a:t>Help</a:t>
+            </a:r>
+            <a:r>
+              <a:rPr lang="en-US" sz="2000" dirty="0" err="1" smtClean="0">
+                <a:sym typeface="Wingdings" pitchFamily="2" charset="2"/>
+              </a:rPr>
+              <a:t></a:t>
+            </a:r>
+            <a:r>
+              <a:rPr lang="en-US" sz="2000" dirty="0" err="1" smtClean="0"/>
+              <a:t>About</a:t>
+            </a:r>
+            <a:endParaRPr lang="en-US" sz="2000" dirty="0" smtClean="0"/>
+          </a:p>
+          <a:p>
+            <a:r>
+              <a:rPr lang="en-US" sz="2000" dirty="0" smtClean="0"/>
+              <a:t>BitList.java		Core data type, extends </a:t>
+            </a:r>
+            <a:r>
+              <a:rPr lang="en-US" sz="2000" dirty="0" err="1" smtClean="0"/>
+              <a:t>BitSet</a:t>
+            </a:r>
+            <a:endParaRPr lang="en-US" sz="2000" dirty="0" smtClean="0"/>
+          </a:p>
+          <a:p>
+            <a:r>
+              <a:rPr lang="en-US" sz="2000" dirty="0" smtClean="0"/>
+              <a:t>ConvertString.java	</a:t>
+            </a:r>
+            <a:r>
+              <a:rPr lang="en-US" sz="2000" dirty="0" smtClean="0"/>
+              <a:t>Additional f</a:t>
+            </a:r>
+            <a:r>
+              <a:rPr lang="en-US" sz="2000" dirty="0" smtClean="0"/>
+              <a:t>unctions for manipulating </a:t>
+            </a:r>
+            <a:r>
+              <a:rPr lang="en-US" sz="2000" dirty="0" err="1" smtClean="0"/>
+              <a:t>BitLists</a:t>
+            </a:r>
+            <a:endParaRPr lang="en-US" sz="2000" dirty="0" smtClean="0"/>
+          </a:p>
+          <a:p>
+            <a:r>
+              <a:rPr lang="en-US" sz="2000" dirty="0" smtClean="0"/>
+              <a:t>CryptMain.java	Main class</a:t>
+            </a:r>
+          </a:p>
+          <a:p>
+            <a:r>
+              <a:rPr lang="en-US" sz="2000" dirty="0" smtClean="0"/>
+              <a:t>DES.java		DES implementation</a:t>
+            </a:r>
+          </a:p>
+          <a:p>
+            <a:r>
+              <a:rPr lang="en-US" sz="2000" dirty="0" smtClean="0"/>
+              <a:t>EncryptPanel.java	</a:t>
+            </a:r>
+            <a:r>
+              <a:rPr lang="en-US" sz="2000" dirty="0" err="1" smtClean="0"/>
+              <a:t>Fiestel</a:t>
+            </a:r>
+            <a:r>
+              <a:rPr lang="en-US" sz="2000" dirty="0" smtClean="0"/>
+              <a:t> Structure, encryption </a:t>
+            </a:r>
+            <a:r>
+              <a:rPr lang="en-US" sz="2000" dirty="0" smtClean="0"/>
+              <a:t>and </a:t>
+            </a:r>
+            <a:r>
+              <a:rPr lang="en-US" sz="2000" dirty="0" smtClean="0"/>
+              <a:t>decryption</a:t>
+            </a:r>
+          </a:p>
+          <a:p>
+            <a:r>
+              <a:rPr lang="en-US" sz="2000" dirty="0" smtClean="0"/>
+              <a:t>KeyFrame.java	Key </a:t>
+            </a:r>
+            <a:r>
+              <a:rPr lang="en-US" sz="2000" dirty="0" smtClean="0"/>
+              <a:t>Generation</a:t>
+            </a:r>
+          </a:p>
+          <a:p>
+            <a:r>
+              <a:rPr lang="en-US" sz="2000" dirty="0" smtClean="0"/>
+              <a:t>MyHelpSystem.java	Displays help file  (credit: </a:t>
+            </a:r>
+            <a:r>
+              <a:rPr lang="en-US" sz="2000" dirty="0" err="1" smtClean="0"/>
+              <a:t>Dr.Spickler</a:t>
+            </a:r>
+            <a:r>
+              <a:rPr lang="en-US" sz="2000" dirty="0" smtClean="0"/>
+              <a:t>)</a:t>
+            </a:r>
+          </a:p>
+          <a:p>
+            <a:r>
+              <a:rPr lang="en-US" sz="2000" dirty="0" smtClean="0"/>
+              <a:t>Node.java		For visualization</a:t>
+            </a:r>
+          </a:p>
+          <a:p>
+            <a:r>
+              <a:rPr lang="en-US" sz="2000" dirty="0" smtClean="0"/>
+              <a:t>QuickDES.java	Encryption </a:t>
+            </a:r>
+            <a:r>
+              <a:rPr lang="en-US" sz="2000" dirty="0" smtClean="0"/>
+              <a:t>&amp; </a:t>
+            </a:r>
+            <a:r>
+              <a:rPr lang="en-US" sz="2000" dirty="0" smtClean="0"/>
+              <a:t>decryption of text files</a:t>
+            </a:r>
+            <a:endParaRPr lang="en-US" sz="2000" dirty="0" smtClean="0"/>
+          </a:p>
+          <a:p>
+            <a:r>
+              <a:rPr lang="en-US" sz="2000" dirty="0" smtClean="0"/>
+              <a:t>RoundPanel.java	Visualize an individual round</a:t>
+            </a:r>
+            <a:endParaRPr lang="en-US" sz="2000" dirty="0" smtClean="0"/>
+          </a:p>
+          <a:p>
+            <a:r>
+              <a:rPr lang="en-US" sz="2000" dirty="0" smtClean="0"/>
+              <a:t>VisualizationPanel.java	Core visualization code</a:t>
+            </a:r>
           </a:p>
         </p:txBody>
       </p:sp>
@@ -3968,17 +4979,48 @@
         <p:spPr/>
         <p:txBody>
           <a:bodyPr>
-            <a:normAutofit fontScale="92500" lnSpcReduction="10000"/>
+            <a:normAutofit/>
           </a:bodyPr>
           <a:lstStyle/>
           <a:p>
-            <a:r>
-              <a:rPr lang="en-US" dirty="0" err="1" smtClean="0"/>
+            <a:pPr marL="436563" indent="-319088">
+              <a:lnSpc>
+                <a:spcPct val="90000"/>
+              </a:lnSpc>
+              <a:buClr>
+                <a:srgbClr val="D34817"/>
+              </a:buClr>
+              <a:buFont typeface="Wingdings 2" pitchFamily="16" charset="2"/>
+              <a:buChar char=""/>
+              <a:tabLst>
+                <a:tab pos="911225" algn="l"/>
+                <a:tab pos="1825625" algn="l"/>
+                <a:tab pos="2740025" algn="l"/>
+                <a:tab pos="3654425" algn="l"/>
+                <a:tab pos="4568825" algn="l"/>
+                <a:tab pos="5483225" algn="l"/>
+                <a:tab pos="6397625" algn="l"/>
+                <a:tab pos="7312025" algn="l"/>
+                <a:tab pos="8226425" algn="l"/>
+                <a:tab pos="9140825" algn="l"/>
+                <a:tab pos="10055225" algn="l"/>
+              </a:tabLst>
+            </a:pPr>
+            <a:r>
+              <a:rPr lang="en-US" dirty="0" err="1" smtClean="0">
+                <a:solidFill>
+                  <a:srgbClr val="000000"/>
+                </a:solidFill>
+              </a:rPr>
               <a:t>CryptoViz</a:t>
             </a:r>
             <a:r>
-              <a:rPr lang="en-US" dirty="0" smtClean="0"/>
-              <a:t> is a program for learning and visualization the DES encryption algorithm.</a:t>
+              <a:rPr lang="en-US" dirty="0" smtClean="0">
+                <a:solidFill>
+                  <a:srgbClr val="000000"/>
+                </a:solidFill>
+              </a:rPr>
+              <a:t> implements and visualizes the Data Encryption Standard (DES) algorithm.</a:t>
             </a:r>
           </a:p>
           <a:p>
@@ -3988,17 +5030,36 @@
             <a:endParaRPr lang="en-US" dirty="0" smtClean="0"/>
           </a:p>
           <a:p>
-            <a:r>
-              <a:rPr lang="en-US" dirty="0" smtClean="0"/>
-              <a:t>Client: Dr. Don </a:t>
-            </a:r>
-            <a:r>
-              <a:rPr lang="en-US" dirty="0" err="1" smtClean="0"/>
-              <a:t>Spickler</a:t>
-            </a:r>
-            <a:r>
-              <a:rPr lang="en-US" dirty="0" smtClean="0"/>
-              <a:t> from the Math &amp; Computer Science Department at Salisbury University.</a:t>
+            <a:pPr marL="436563" indent="-319088">
+              <a:lnSpc>
+                <a:spcPct val="90000"/>
+              </a:lnSpc>
+              <a:buClr>
+                <a:srgbClr val="D34817"/>
+              </a:buClr>
+              <a:buFont typeface="Wingdings 2" pitchFamily="16" charset="2"/>
+              <a:buChar char=""/>
+              <a:tabLst>
+                <a:tab pos="911225" algn="l"/>
+                <a:tab pos="1825625" algn="l"/>
+                <a:tab pos="2740025" algn="l"/>
+                <a:tab pos="3654425" algn="l"/>
+                <a:tab pos="4568825" algn="l"/>
+                <a:tab pos="5483225" algn="l"/>
+                <a:tab pos="6397625" algn="l"/>
+                <a:tab pos="7312025" algn="l"/>
+                <a:tab pos="8226425" algn="l"/>
+                <a:tab pos="9140825" algn="l"/>
+                <a:tab pos="10055225" algn="l"/>
+              </a:tabLst>
+            </a:pPr>
+            <a:r>
+              <a:rPr lang="en-US" dirty="0" smtClean="0">
+                <a:solidFill>
+                  <a:srgbClr val="000000"/>
+                </a:solidFill>
+              </a:rPr>
+              <a:t>DES was used by the government and industry from 1976-1999, but is now considered insecure.</a:t>
             </a:r>
           </a:p>
           <a:p>
@@ -4008,19 +5069,58 @@
             <a:endParaRPr lang="en-US" dirty="0" smtClean="0"/>
           </a:p>
           <a:p>
-            <a:r>
-              <a:rPr lang="en-US" dirty="0" smtClean="0"/>
-              <a:t>Dr. </a:t>
-            </a:r>
-            <a:r>
-              <a:rPr lang="en-US" dirty="0" err="1" smtClean="0"/>
+            <a:pPr marL="436563" indent="-319088">
+              <a:lnSpc>
+                <a:spcPct val="90000"/>
+              </a:lnSpc>
+              <a:buClr>
+                <a:srgbClr val="D34817"/>
+              </a:buClr>
+              <a:buFont typeface="Wingdings 2" pitchFamily="16" charset="2"/>
+              <a:buChar char=""/>
+              <a:tabLst>
+                <a:tab pos="911225" algn="l"/>
+                <a:tab pos="1825625" algn="l"/>
+                <a:tab pos="2740025" algn="l"/>
+                <a:tab pos="3654425" algn="l"/>
+                <a:tab pos="4568825" algn="l"/>
+                <a:tab pos="5483225" algn="l"/>
+                <a:tab pos="6397625" algn="l"/>
+                <a:tab pos="7312025" algn="l"/>
+                <a:tab pos="8226425" algn="l"/>
+                <a:tab pos="9140825" algn="l"/>
+                <a:tab pos="10055225" algn="l"/>
+              </a:tabLst>
+            </a:pPr>
+            <a:r>
+              <a:rPr lang="en-US" dirty="0" smtClean="0">
+                <a:solidFill>
+                  <a:srgbClr val="000000"/>
+                </a:solidFill>
+              </a:rPr>
+              <a:t>Client: Dr. Don </a:t>
+            </a:r>
+            <a:r>
+              <a:rPr lang="en-US" dirty="0" err="1" smtClean="0">
+                <a:solidFill>
+                  <a:srgbClr val="000000"/>
+                </a:solidFill>
+              </a:rPr>
               <a:t>Spickler</a:t>
             </a:r>
             <a:r>
-              <a:rPr lang="en-US" dirty="0" smtClean="0"/>
-              <a:t> requested a program for his Cryptography class that could visualize a cryptography algorithm to help teach students.</a:t>
-            </a:r>
-            <a:endParaRPr lang="en-US" dirty="0"/>
+              <a:rPr lang="en-US" dirty="0" smtClean="0">
+                <a:solidFill>
+                  <a:srgbClr val="000000"/>
+                </a:solidFill>
+              </a:rPr>
+              <a:t> from the Math &amp; Computer Science Department at Salisbury University.</a:t>
+            </a:r>
+            <a:endParaRPr lang="en-US" dirty="0">
+              <a:solidFill>
+                <a:srgbClr val="000000"/>
+              </a:solidFill>
+            </a:endParaRPr>
           </a:p>
         </p:txBody>
       </p:sp>
@@ -4077,7 +5177,11 @@
             </a:r>
             <a:r>
               <a:rPr lang="en-US" dirty="0" smtClean="0"/>
-              <a:t> – The Basics</a:t>
+              <a:t> – </a:t>
+            </a:r>
+            <a:r>
+              <a:rPr lang="en-US" dirty="0" smtClean="0"/>
+              <a:t>Features</a:t>
             </a:r>
             <a:endParaRPr lang="en-US" dirty="0"/>
           </a:p>
@@ -4093,94 +5197,386 @@
             <p:ph idx="1"/>
           </p:nvPr>
         </p:nvSpPr>
-        <p:spPr/>
+        <p:spPr>
+          <a:xfrm>
+            <a:off x="457200" y="1600201"/>
+            <a:ext cx="8229600" cy="4800600"/>
+          </a:xfrm>
+        </p:spPr>
         <p:txBody>
           <a:bodyPr>
-            <a:normAutofit fontScale="77500" lnSpcReduction="20000"/>
+            <a:normAutofit fontScale="92500" lnSpcReduction="10000"/>
           </a:bodyPr>
           <a:lstStyle/>
           <a:p>
-            <a:r>
-              <a:rPr lang="en-US" dirty="0" err="1" smtClean="0"/>
-              <a:t>CryptoViz</a:t>
-            </a:r>
-            <a:r>
-              <a:rPr lang="en-US" dirty="0" smtClean="0"/>
-              <a:t> contains the following features:</a:t>
-            </a:r>
-          </a:p>
-          <a:p>
-            <a:pPr lvl="1"/>
-            <a:r>
-              <a:rPr lang="en-US" dirty="0" smtClean="0"/>
-              <a:t>A full implementation of the DES algorithm in Java.</a:t>
-            </a:r>
-          </a:p>
-          <a:p>
-            <a:pPr lvl="1"/>
-            <a:r>
-              <a:rPr lang="en-US" dirty="0" smtClean="0"/>
-              <a:t>A user interface for quickly encrypting and decrypting data using DES.</a:t>
-            </a:r>
-          </a:p>
-          <a:p>
-            <a:pPr lvl="1"/>
-            <a:r>
-              <a:rPr lang="en-US" dirty="0" smtClean="0"/>
-              <a:t>A visualization of the Key Generation algorithm used by DES.  Visualization was made using Java Swing and 2D Graphics.</a:t>
-            </a:r>
-          </a:p>
-          <a:p>
-            <a:pPr lvl="1"/>
-            <a:r>
-              <a:rPr lang="en-US" dirty="0" smtClean="0"/>
-              <a:t>An interactive diagram of the “</a:t>
-            </a:r>
-            <a:r>
-              <a:rPr lang="en-US" dirty="0" err="1" smtClean="0"/>
-              <a:t>Feistel</a:t>
-            </a:r>
-            <a:r>
-              <a:rPr lang="en-US" dirty="0" smtClean="0"/>
-              <a:t> Structure”, the core structure used in many cryptography algorithms, including:</a:t>
-            </a:r>
-          </a:p>
-          <a:p>
-            <a:pPr lvl="2"/>
-            <a:r>
-              <a:rPr lang="en-US" dirty="0" smtClean="0"/>
-              <a:t>DES</a:t>
-            </a:r>
-          </a:p>
-          <a:p>
-            <a:pPr lvl="2"/>
-            <a:r>
-              <a:rPr lang="en-US" dirty="0" smtClean="0"/>
-              <a:t>Triple DES</a:t>
-            </a:r>
-          </a:p>
-          <a:p>
-            <a:pPr lvl="2"/>
-            <a:r>
-              <a:rPr lang="en-US" dirty="0" smtClean="0"/>
-              <a:t>Blowfish</a:t>
-            </a:r>
-          </a:p>
-          <a:p>
-            <a:pPr lvl="2"/>
-            <a:r>
-              <a:rPr lang="en-US" dirty="0" err="1" smtClean="0"/>
-              <a:t>Twofish</a:t>
-            </a:r>
-            <a:endParaRPr lang="en-US" dirty="0" smtClean="0"/>
-          </a:p>
-          <a:p>
-            <a:pPr lvl="2"/>
-            <a:r>
-              <a:rPr lang="en-US" dirty="0" smtClean="0"/>
-              <a:t>Lucifer</a:t>
-            </a:r>
-            <a:endParaRPr lang="en-US" dirty="0"/>
+            <a:pPr marL="436563" indent="-319088">
+              <a:lnSpc>
+                <a:spcPct val="90000"/>
+              </a:lnSpc>
+              <a:buClr>
+                <a:srgbClr val="D34817"/>
+              </a:buClr>
+              <a:buFont typeface="Wingdings 2" pitchFamily="16" charset="2"/>
+              <a:buChar char=""/>
+              <a:tabLst>
+                <a:tab pos="911225" algn="l"/>
+                <a:tab pos="1825625" algn="l"/>
+                <a:tab pos="2740025" algn="l"/>
+                <a:tab pos="3654425" algn="l"/>
+                <a:tab pos="4568825" algn="l"/>
+                <a:tab pos="5483225" algn="l"/>
+                <a:tab pos="6397625" algn="l"/>
+                <a:tab pos="7312025" algn="l"/>
+                <a:tab pos="8226425" algn="l"/>
+                <a:tab pos="9140825" algn="l"/>
+                <a:tab pos="10055225" algn="l"/>
+              </a:tabLst>
+            </a:pPr>
+            <a:r>
+              <a:rPr lang="en-US" dirty="0" smtClean="0">
+                <a:solidFill>
+                  <a:srgbClr val="000000"/>
+                </a:solidFill>
+              </a:rPr>
+              <a:t>Fully implements the </a:t>
+            </a:r>
+            <a:r>
+              <a:rPr lang="en-US" dirty="0" smtClean="0">
+                <a:solidFill>
+                  <a:srgbClr val="000000"/>
+                </a:solidFill>
+              </a:rPr>
+              <a:t>DES algorithm in Java</a:t>
+            </a:r>
+            <a:r>
+              <a:rPr lang="en-US" dirty="0" smtClean="0">
+                <a:solidFill>
+                  <a:srgbClr val="000000"/>
+                </a:solidFill>
+              </a:rPr>
+              <a:t>.</a:t>
+            </a:r>
+          </a:p>
+          <a:p>
+            <a:pPr marL="436563" indent="-319088">
+              <a:lnSpc>
+                <a:spcPct val="90000"/>
+              </a:lnSpc>
+              <a:buClr>
+                <a:srgbClr val="D34817"/>
+              </a:buClr>
+              <a:buFont typeface="Wingdings 2" pitchFamily="16" charset="2"/>
+              <a:buChar char=""/>
+              <a:tabLst>
+                <a:tab pos="911225" algn="l"/>
+                <a:tab pos="1825625" algn="l"/>
+                <a:tab pos="2740025" algn="l"/>
+                <a:tab pos="3654425" algn="l"/>
+                <a:tab pos="4568825" algn="l"/>
+                <a:tab pos="5483225" algn="l"/>
+                <a:tab pos="6397625" algn="l"/>
+                <a:tab pos="7312025" algn="l"/>
+                <a:tab pos="8226425" algn="l"/>
+                <a:tab pos="9140825" algn="l"/>
+                <a:tab pos="10055225" algn="l"/>
+              </a:tabLst>
+            </a:pPr>
+            <a:endParaRPr lang="en-US" dirty="0" smtClean="0">
+              <a:solidFill>
+                <a:srgbClr val="000000"/>
+              </a:solidFill>
+            </a:endParaRPr>
+          </a:p>
+          <a:p>
+            <a:pPr marL="436563" indent="-319088">
+              <a:lnSpc>
+                <a:spcPct val="90000"/>
+              </a:lnSpc>
+              <a:buClr>
+                <a:srgbClr val="D34817"/>
+              </a:buClr>
+              <a:buFont typeface="Wingdings 2" pitchFamily="16" charset="2"/>
+              <a:buChar char=""/>
+              <a:tabLst>
+                <a:tab pos="911225" algn="l"/>
+                <a:tab pos="1825625" algn="l"/>
+                <a:tab pos="2740025" algn="l"/>
+                <a:tab pos="3654425" algn="l"/>
+                <a:tab pos="4568825" algn="l"/>
+                <a:tab pos="5483225" algn="l"/>
+                <a:tab pos="6397625" algn="l"/>
+                <a:tab pos="7312025" algn="l"/>
+                <a:tab pos="8226425" algn="l"/>
+                <a:tab pos="9140825" algn="l"/>
+                <a:tab pos="10055225" algn="l"/>
+              </a:tabLst>
+            </a:pPr>
+            <a:r>
+              <a:rPr lang="en-US" dirty="0" smtClean="0">
+                <a:solidFill>
+                  <a:srgbClr val="000000"/>
+                </a:solidFill>
+              </a:rPr>
+              <a:t>User </a:t>
+            </a:r>
+            <a:r>
+              <a:rPr lang="en-US" dirty="0" smtClean="0">
+                <a:solidFill>
+                  <a:srgbClr val="000000"/>
+                </a:solidFill>
+              </a:rPr>
+              <a:t>interface for quickly encrypting and decrypting </a:t>
+            </a:r>
+            <a:r>
+              <a:rPr lang="en-US" dirty="0" smtClean="0">
+                <a:solidFill>
+                  <a:srgbClr val="000000"/>
+                </a:solidFill>
+              </a:rPr>
+              <a:t>data.</a:t>
+            </a:r>
+          </a:p>
+          <a:p>
+            <a:pPr marL="436563" indent="-319088">
+              <a:lnSpc>
+                <a:spcPct val="90000"/>
+              </a:lnSpc>
+              <a:buClr>
+                <a:srgbClr val="D34817"/>
+              </a:buClr>
+              <a:buFont typeface="Wingdings 2" pitchFamily="16" charset="2"/>
+              <a:buChar char=""/>
+              <a:tabLst>
+                <a:tab pos="911225" algn="l"/>
+                <a:tab pos="1825625" algn="l"/>
+                <a:tab pos="2740025" algn="l"/>
+                <a:tab pos="3654425" algn="l"/>
+                <a:tab pos="4568825" algn="l"/>
+                <a:tab pos="5483225" algn="l"/>
+                <a:tab pos="6397625" algn="l"/>
+                <a:tab pos="7312025" algn="l"/>
+                <a:tab pos="8226425" algn="l"/>
+                <a:tab pos="9140825" algn="l"/>
+                <a:tab pos="10055225" algn="l"/>
+              </a:tabLst>
+            </a:pPr>
+            <a:endParaRPr lang="en-US" dirty="0" smtClean="0">
+              <a:solidFill>
+                <a:srgbClr val="000000"/>
+              </a:solidFill>
+            </a:endParaRPr>
+          </a:p>
+          <a:p>
+            <a:pPr marL="436563" indent="-319088">
+              <a:lnSpc>
+                <a:spcPct val="90000"/>
+              </a:lnSpc>
+              <a:buClr>
+                <a:srgbClr val="D34817"/>
+              </a:buClr>
+              <a:buFont typeface="Wingdings 2" pitchFamily="16" charset="2"/>
+              <a:buChar char=""/>
+              <a:tabLst>
+                <a:tab pos="911225" algn="l"/>
+                <a:tab pos="1825625" algn="l"/>
+                <a:tab pos="2740025" algn="l"/>
+                <a:tab pos="3654425" algn="l"/>
+                <a:tab pos="4568825" algn="l"/>
+                <a:tab pos="5483225" algn="l"/>
+                <a:tab pos="6397625" algn="l"/>
+                <a:tab pos="7312025" algn="l"/>
+                <a:tab pos="8226425" algn="l"/>
+                <a:tab pos="9140825" algn="l"/>
+                <a:tab pos="10055225" algn="l"/>
+              </a:tabLst>
+            </a:pPr>
+            <a:r>
+              <a:rPr lang="en-US" dirty="0" smtClean="0">
+                <a:solidFill>
+                  <a:srgbClr val="000000"/>
+                </a:solidFill>
+              </a:rPr>
+              <a:t>Visualizes the DES key </a:t>
+            </a:r>
+            <a:r>
+              <a:rPr lang="en-US" dirty="0" smtClean="0">
+                <a:solidFill>
+                  <a:srgbClr val="000000"/>
+                </a:solidFill>
+              </a:rPr>
+              <a:t>generation </a:t>
+            </a:r>
+            <a:r>
+              <a:rPr lang="en-US" dirty="0" smtClean="0">
+                <a:solidFill>
+                  <a:srgbClr val="000000"/>
+                </a:solidFill>
+              </a:rPr>
+              <a:t>algorithm using </a:t>
+            </a:r>
+            <a:r>
+              <a:rPr lang="en-US" dirty="0" smtClean="0">
+                <a:solidFill>
+                  <a:srgbClr val="000000"/>
+                </a:solidFill>
+              </a:rPr>
+              <a:t>Java Swing and </a:t>
+            </a:r>
+            <a:r>
+              <a:rPr lang="en-US" dirty="0" smtClean="0">
+                <a:solidFill>
+                  <a:srgbClr val="000000"/>
+                </a:solidFill>
+              </a:rPr>
+              <a:t>2DGraphics.</a:t>
+            </a:r>
+          </a:p>
+          <a:p>
+            <a:pPr marL="436563" indent="-319088">
+              <a:lnSpc>
+                <a:spcPct val="90000"/>
+              </a:lnSpc>
+              <a:buClr>
+                <a:srgbClr val="D34817"/>
+              </a:buClr>
+              <a:buFont typeface="Wingdings 2" pitchFamily="16" charset="2"/>
+              <a:buChar char=""/>
+              <a:tabLst>
+                <a:tab pos="911225" algn="l"/>
+                <a:tab pos="1825625" algn="l"/>
+                <a:tab pos="2740025" algn="l"/>
+                <a:tab pos="3654425" algn="l"/>
+                <a:tab pos="4568825" algn="l"/>
+                <a:tab pos="5483225" algn="l"/>
+                <a:tab pos="6397625" algn="l"/>
+                <a:tab pos="7312025" algn="l"/>
+                <a:tab pos="8226425" algn="l"/>
+                <a:tab pos="9140825" algn="l"/>
+                <a:tab pos="10055225" algn="l"/>
+              </a:tabLst>
+            </a:pPr>
+            <a:endParaRPr lang="en-US" dirty="0" smtClean="0">
+              <a:solidFill>
+                <a:srgbClr val="000000"/>
+              </a:solidFill>
+            </a:endParaRPr>
+          </a:p>
+          <a:p>
+            <a:pPr marL="436563" indent="-319088">
+              <a:lnSpc>
+                <a:spcPct val="90000"/>
+              </a:lnSpc>
+              <a:buClr>
+                <a:srgbClr val="D34817"/>
+              </a:buClr>
+              <a:buFont typeface="Wingdings 2" pitchFamily="16" charset="2"/>
+              <a:buChar char=""/>
+              <a:tabLst>
+                <a:tab pos="911225" algn="l"/>
+                <a:tab pos="1825625" algn="l"/>
+                <a:tab pos="2740025" algn="l"/>
+                <a:tab pos="3654425" algn="l"/>
+                <a:tab pos="4568825" algn="l"/>
+                <a:tab pos="5483225" algn="l"/>
+                <a:tab pos="6397625" algn="l"/>
+                <a:tab pos="7312025" algn="l"/>
+                <a:tab pos="8226425" algn="l"/>
+                <a:tab pos="9140825" algn="l"/>
+                <a:tab pos="10055225" algn="l"/>
+              </a:tabLst>
+            </a:pPr>
+            <a:r>
+              <a:rPr lang="en-US" dirty="0" smtClean="0">
+                <a:solidFill>
+                  <a:srgbClr val="000000"/>
+                </a:solidFill>
+              </a:rPr>
+              <a:t>Detailed </a:t>
+            </a:r>
+            <a:r>
+              <a:rPr lang="en-US" dirty="0" smtClean="0">
+                <a:solidFill>
+                  <a:srgbClr val="000000"/>
+                </a:solidFill>
+              </a:rPr>
+              <a:t>interactive diagram of the </a:t>
+            </a:r>
+            <a:r>
+              <a:rPr lang="en-US" dirty="0" smtClean="0">
+                <a:solidFill>
+                  <a:srgbClr val="000000"/>
+                </a:solidFill>
+              </a:rPr>
+              <a:t>DES encryption algorithm.</a:t>
+            </a:r>
+          </a:p>
+          <a:p>
+            <a:pPr marL="436563" indent="-319088">
+              <a:lnSpc>
+                <a:spcPct val="90000"/>
+              </a:lnSpc>
+              <a:buClr>
+                <a:srgbClr val="D34817"/>
+              </a:buClr>
+              <a:buFont typeface="Wingdings 2" pitchFamily="16" charset="2"/>
+              <a:buChar char=""/>
+              <a:tabLst>
+                <a:tab pos="911225" algn="l"/>
+                <a:tab pos="1825625" algn="l"/>
+                <a:tab pos="2740025" algn="l"/>
+                <a:tab pos="3654425" algn="l"/>
+                <a:tab pos="4568825" algn="l"/>
+                <a:tab pos="5483225" algn="l"/>
+                <a:tab pos="6397625" algn="l"/>
+                <a:tab pos="7312025" algn="l"/>
+                <a:tab pos="8226425" algn="l"/>
+                <a:tab pos="9140825" algn="l"/>
+                <a:tab pos="10055225" algn="l"/>
+              </a:tabLst>
+            </a:pPr>
+            <a:endParaRPr lang="en-US" dirty="0" smtClean="0">
+              <a:solidFill>
+                <a:srgbClr val="000000"/>
+              </a:solidFill>
+            </a:endParaRPr>
+          </a:p>
+          <a:p>
+            <a:pPr marL="436563" indent="-319088">
+              <a:lnSpc>
+                <a:spcPct val="90000"/>
+              </a:lnSpc>
+              <a:buClr>
+                <a:srgbClr val="D34817"/>
+              </a:buClr>
+              <a:buFont typeface="Wingdings 2" pitchFamily="16" charset="2"/>
+              <a:buChar char=""/>
+              <a:tabLst>
+                <a:tab pos="911225" algn="l"/>
+                <a:tab pos="1825625" algn="l"/>
+                <a:tab pos="2740025" algn="l"/>
+                <a:tab pos="3654425" algn="l"/>
+                <a:tab pos="4568825" algn="l"/>
+                <a:tab pos="5483225" algn="l"/>
+                <a:tab pos="6397625" algn="l"/>
+                <a:tab pos="7312025" algn="l"/>
+                <a:tab pos="8226425" algn="l"/>
+                <a:tab pos="9140825" algn="l"/>
+                <a:tab pos="10055225" algn="l"/>
+              </a:tabLst>
+            </a:pPr>
+            <a:r>
+              <a:rPr lang="en-US" dirty="0" smtClean="0">
+                <a:solidFill>
+                  <a:srgbClr val="000000"/>
+                </a:solidFill>
+              </a:rPr>
+              <a:t>Built-in help system</a:t>
+            </a:r>
+            <a:endParaRPr lang="en-US" dirty="0" smtClean="0">
+              <a:solidFill>
+                <a:srgbClr val="000000"/>
+              </a:solidFill>
+            </a:endParaRPr>
           </a:p>
         </p:txBody>
       </p:sp>
@@ -4233,7 +5629,7 @@
           <a:p>
             <a:r>
               <a:rPr lang="en-US" dirty="0" smtClean="0"/>
-              <a:t>DES Implementation</a:t>
+              <a:t>SVN/Google Code</a:t>
             </a:r>
             <a:endParaRPr lang="en-US" dirty="0"/>
           </a:p>
@@ -4251,14 +5647,296 @@
         </p:nvSpPr>
         <p:spPr/>
         <p:txBody>
-          <a:bodyPr/>
+          <a:bodyPr>
+            <a:normAutofit fontScale="92500" lnSpcReduction="20000"/>
+          </a:bodyPr>
           <a:lstStyle/>
           <a:p>
             <a:r>
-              <a:rPr lang="en-US" dirty="0" smtClean="0"/>
-              <a:t>John write stuff here</a:t>
-            </a:r>
-            <a:endParaRPr lang="en-US" dirty="0"/>
+              <a:rPr lang="en-US" sz="2000" dirty="0" smtClean="0"/>
+              <a:t>Subversion</a:t>
+            </a:r>
+            <a:r>
+              <a:rPr lang="en-US" sz="2000" dirty="0" smtClean="0"/>
+              <a:t>, a version control system.</a:t>
+            </a:r>
+          </a:p>
+          <a:p>
+            <a:pPr lvl="1"/>
+            <a:r>
+              <a:rPr lang="en-US" sz="1600" dirty="0" smtClean="0"/>
+              <a:t>Allows developers to maintain current and past versions of code across multiple environments</a:t>
+            </a:r>
+            <a:r>
+              <a:rPr lang="en-US" sz="1600" dirty="0" smtClean="0"/>
+              <a:t>.</a:t>
+            </a:r>
+          </a:p>
+          <a:p>
+            <a:pPr lvl="1"/>
+            <a:r>
+              <a:rPr lang="en-US" sz="1600" dirty="0" smtClean="0"/>
+              <a:t>No need to email files or swap around USB sticks.</a:t>
+            </a:r>
+            <a:endParaRPr lang="en-US" sz="1600" dirty="0" smtClean="0"/>
+          </a:p>
+          <a:p>
+            <a:pPr lvl="1"/>
+            <a:r>
+              <a:rPr lang="en-US" sz="1600" dirty="0" smtClean="0"/>
+              <a:t>All </a:t>
+            </a:r>
+            <a:r>
+              <a:rPr lang="en-US" sz="1600" dirty="0" smtClean="0"/>
+              <a:t>code changes (</a:t>
+            </a:r>
+            <a:r>
+              <a:rPr lang="en-US" sz="1600" dirty="0" err="1" smtClean="0"/>
+              <a:t>diffs</a:t>
+            </a:r>
+            <a:r>
+              <a:rPr lang="en-US" sz="1600" dirty="0" smtClean="0"/>
+              <a:t>) along with comments are </a:t>
+            </a:r>
+            <a:r>
+              <a:rPr lang="en-US" sz="1600" dirty="0" smtClean="0"/>
+              <a:t>saved.</a:t>
+            </a:r>
+          </a:p>
+          <a:p>
+            <a:endParaRPr lang="en-US" sz="2000" dirty="0" smtClean="0"/>
+          </a:p>
+          <a:p>
+            <a:r>
+              <a:rPr lang="en-US" sz="2000" dirty="0" smtClean="0"/>
+              <a:t>Server: Google Code </a:t>
+            </a:r>
+          </a:p>
+          <a:p>
+            <a:pPr lvl="1"/>
+            <a:r>
+              <a:rPr lang="en-US" sz="1600" dirty="0" smtClean="0"/>
+              <a:t>Free  repository for open source applications</a:t>
+            </a:r>
+          </a:p>
+          <a:p>
+            <a:pPr lvl="1"/>
+            <a:r>
+              <a:rPr lang="en-US" sz="1600" dirty="0" smtClean="0"/>
+              <a:t>No need to setup and configure a </a:t>
+            </a:r>
+            <a:r>
+              <a:rPr lang="en-US" sz="1600" dirty="0" err="1" smtClean="0"/>
+              <a:t>svn</a:t>
+            </a:r>
+            <a:r>
+              <a:rPr lang="en-US" sz="1600" dirty="0" smtClean="0"/>
+              <a:t> server manually</a:t>
+            </a:r>
+          </a:p>
+          <a:p>
+            <a:pPr lvl="1"/>
+            <a:r>
+              <a:rPr lang="en-US" sz="1600" dirty="0" smtClean="0"/>
+              <a:t>Includes a wiki , additional file hosting, and project management tools.</a:t>
+            </a:r>
+          </a:p>
+          <a:p>
+            <a:pPr lvl="1"/>
+            <a:r>
+              <a:rPr lang="en-US" sz="1600" dirty="0" smtClean="0">
+                <a:hlinkClick r:id="rId3"/>
+              </a:rPr>
+              <a:t>http://code.google.com/p/cryptoviz</a:t>
+            </a:r>
+            <a:r>
+              <a:rPr lang="en-US" sz="1600" dirty="0" smtClean="0">
+                <a:hlinkClick r:id="rId3"/>
+              </a:rPr>
+              <a:t>/</a:t>
+            </a:r>
+            <a:endParaRPr lang="en-US" sz="1600" dirty="0" smtClean="0"/>
+          </a:p>
+          <a:p>
+            <a:pPr lvl="1"/>
+            <a:r>
+              <a:rPr lang="en-US" sz="1600" dirty="0" smtClean="0"/>
+              <a:t>Source </a:t>
+            </a:r>
+            <a:r>
+              <a:rPr lang="en-US" sz="1600" dirty="0" smtClean="0"/>
+              <a:t>code: </a:t>
+            </a:r>
+            <a:r>
+              <a:rPr lang="en-US" sz="1600" dirty="0" smtClean="0">
+                <a:hlinkClick r:id="rId4"/>
+              </a:rPr>
+              <a:t>http://code.google.com/p/cryptoviz/source/browse/#</a:t>
+            </a:r>
+            <a:r>
+              <a:rPr lang="en-US" sz="1600" dirty="0" smtClean="0">
+                <a:hlinkClick r:id="rId4"/>
+              </a:rPr>
+              <a:t>svn/trunk</a:t>
+            </a:r>
+            <a:endParaRPr lang="en-US" sz="1600" dirty="0" smtClean="0"/>
+          </a:p>
+          <a:p>
+            <a:pPr lvl="1"/>
+            <a:r>
+              <a:rPr lang="en-US" sz="1600" dirty="0" smtClean="0"/>
+              <a:t>Program </a:t>
+            </a:r>
+            <a:r>
+              <a:rPr lang="en-US" sz="1600" dirty="0" smtClean="0"/>
+              <a:t>download: </a:t>
+            </a:r>
+            <a:r>
+              <a:rPr lang="en-US" sz="1600" dirty="0" smtClean="0">
+                <a:hlinkClick r:id="rId5"/>
+              </a:rPr>
+              <a:t>http://</a:t>
+            </a:r>
+            <a:r>
+              <a:rPr lang="en-US" sz="1600" dirty="0" smtClean="0">
+                <a:hlinkClick r:id="rId5"/>
+              </a:rPr>
+              <a:t>code.google.com/p/cryptoviz/downloads/list</a:t>
+            </a:r>
+            <a:endParaRPr lang="en-US" sz="1600" dirty="0" smtClean="0"/>
+          </a:p>
+          <a:p>
+            <a:pPr lvl="1"/>
+            <a:r>
+              <a:rPr lang="en-US" sz="1600" dirty="0" err="1" smtClean="0"/>
+              <a:t>Changelog</a:t>
+            </a:r>
+            <a:r>
+              <a:rPr lang="en-US" sz="1600" dirty="0" smtClean="0"/>
+              <a:t>: </a:t>
+            </a:r>
+            <a:r>
+              <a:rPr lang="en-US" sz="1600" dirty="0" smtClean="0">
+                <a:hlinkClick r:id="rId6"/>
+              </a:rPr>
+              <a:t>http://code.google.com/p/cryptoviz/source/list</a:t>
+            </a:r>
+            <a:endParaRPr lang="en-US" sz="1600" dirty="0" smtClean="0"/>
+          </a:p>
+          <a:p>
+            <a:pPr lvl="1"/>
+            <a:endParaRPr lang="en-US" sz="1600" dirty="0" smtClean="0"/>
+          </a:p>
+          <a:p>
+            <a:pPr lvl="0">
+              <a:buClr>
+                <a:srgbClr val="D34817"/>
+              </a:buClr>
+            </a:pPr>
+            <a:r>
+              <a:rPr lang="en-US" sz="2200" dirty="0" smtClean="0">
+                <a:solidFill>
+                  <a:prstClr val="black"/>
+                </a:solidFill>
+              </a:rPr>
+              <a:t>Clients:</a:t>
+            </a:r>
+            <a:endParaRPr lang="en-US" sz="2200" dirty="0" smtClean="0">
+              <a:solidFill>
+                <a:prstClr val="black"/>
+              </a:solidFill>
+            </a:endParaRPr>
+          </a:p>
+          <a:p>
+            <a:pPr lvl="1"/>
+            <a:r>
+              <a:rPr lang="en-US" sz="1600" dirty="0" smtClean="0"/>
+              <a:t>Many available </a:t>
+            </a:r>
+            <a:r>
+              <a:rPr lang="en-US" sz="1600" dirty="0" smtClean="0"/>
+              <a:t>( </a:t>
+            </a:r>
+            <a:r>
+              <a:rPr lang="en-US" sz="1600" dirty="0" smtClean="0">
+                <a:hlinkClick r:id="rId7"/>
+              </a:rPr>
+              <a:t>http</a:t>
+            </a:r>
+            <a:r>
+              <a:rPr lang="en-US" sz="1600" dirty="0" smtClean="0">
+                <a:hlinkClick r:id="rId7"/>
+              </a:rPr>
+              <a:t>://</a:t>
+            </a:r>
+            <a:r>
+              <a:rPr lang="en-US" sz="1600" dirty="0" smtClean="0">
+                <a:hlinkClick r:id="rId7"/>
+              </a:rPr>
+              <a:t>en.wikipedia.org/wiki/Comparison_of_Subversion_clients</a:t>
+            </a:r>
+            <a:r>
+              <a:rPr lang="en-US" sz="1600" dirty="0" smtClean="0"/>
+              <a:t> )</a:t>
+            </a:r>
+          </a:p>
+          <a:p>
+            <a:pPr lvl="1"/>
+            <a:r>
+              <a:rPr lang="en-US" sz="1600" dirty="0" smtClean="0"/>
+              <a:t>For Microsoft </a:t>
+            </a:r>
+            <a:r>
+              <a:rPr lang="en-US" sz="1600" dirty="0" smtClean="0"/>
+              <a:t>Windows </a:t>
+            </a:r>
+            <a:r>
+              <a:rPr lang="en-US" sz="1600" dirty="0" smtClean="0"/>
+              <a:t>we used </a:t>
+            </a:r>
+            <a:r>
+              <a:rPr lang="en-US" sz="1600" dirty="0" err="1" smtClean="0"/>
+              <a:t>TortoiseSVN</a:t>
+            </a:r>
+            <a:r>
+              <a:rPr lang="en-US" sz="1600" dirty="0" smtClean="0"/>
+              <a:t>  (</a:t>
+            </a:r>
+            <a:r>
+              <a:rPr lang="en-US" sz="1600" dirty="0" err="1" smtClean="0"/>
+              <a:t>gui</a:t>
+            </a:r>
+            <a:r>
+              <a:rPr lang="en-US" sz="1600" dirty="0" smtClean="0"/>
+              <a:t>)</a:t>
+            </a:r>
+          </a:p>
+          <a:p>
+            <a:pPr lvl="1"/>
+            <a:r>
+              <a:rPr lang="en-US" sz="1600" dirty="0" smtClean="0"/>
+              <a:t>Under </a:t>
+            </a:r>
+            <a:r>
+              <a:rPr lang="en-US" sz="1600" dirty="0" err="1" smtClean="0"/>
+              <a:t>linux</a:t>
+            </a:r>
+            <a:r>
+              <a:rPr lang="en-US" sz="1600" dirty="0" smtClean="0"/>
+              <a:t> we used the command line client “</a:t>
+            </a:r>
+            <a:r>
+              <a:rPr lang="en-US" sz="1600" dirty="0" err="1" smtClean="0"/>
+              <a:t>svn</a:t>
+            </a:r>
+            <a:r>
+              <a:rPr lang="en-US" sz="1600" dirty="0" smtClean="0"/>
+              <a:t>”</a:t>
+            </a:r>
+            <a:endParaRPr lang="en-US" sz="1600" dirty="0" smtClean="0"/>
+          </a:p>
+          <a:p>
+            <a:endParaRPr lang="en-US" sz="2000" dirty="0" smtClean="0"/>
           </a:p>
         </p:txBody>
       </p:sp>
@@ -4303,12 +5981,8 @@
           <a:lstStyle/>
           <a:p>
             <a:r>
-              <a:rPr lang="en-US" dirty="0" err="1" smtClean="0"/>
-              <a:t>CryptoViz</a:t>
-            </a:r>
-            <a:r>
               <a:rPr lang="en-US" dirty="0" smtClean="0"/>
-              <a:t> – The Classes</a:t>
+              <a:t>Development Tools</a:t>
             </a:r>
             <a:endParaRPr lang="en-US" dirty="0"/>
           </a:p>
@@ -4330,117 +6004,78 @@
           <a:lstStyle/>
           <a:p>
             <a:r>
-              <a:rPr lang="en-US" sz="2000" dirty="0" smtClean="0"/>
-              <a:t>CryptMain.java</a:t>
-            </a:r>
-            <a:r>
-              <a:rPr lang="en-US" sz="2000" dirty="0" smtClean="0"/>
-              <a:t>……….……</a:t>
-            </a:r>
-            <a:r>
-              <a:rPr lang="en-US" sz="2000" dirty="0" smtClean="0"/>
-              <a:t>main class.  </a:t>
-            </a:r>
-          </a:p>
-          <a:p>
-            <a:r>
-              <a:rPr lang="en-US" sz="2000" dirty="0" smtClean="0"/>
-              <a:t>DES.java</a:t>
-            </a:r>
-            <a:r>
-              <a:rPr lang="en-US" sz="2000" dirty="0" smtClean="0"/>
-              <a:t>……………………..</a:t>
-            </a:r>
-            <a:r>
-              <a:rPr lang="en-US" sz="2000" dirty="0" smtClean="0"/>
-              <a:t>DES implementation</a:t>
-            </a:r>
-          </a:p>
-          <a:p>
-            <a:r>
-              <a:rPr lang="en-US" sz="2000" dirty="0" smtClean="0"/>
-              <a:t>VisualizationPanel.java….Visualization </a:t>
-            </a:r>
-            <a:r>
-              <a:rPr lang="en-US" sz="2000" dirty="0" smtClean="0"/>
-              <a:t>algorithm</a:t>
-            </a:r>
-            <a:endParaRPr lang="en-US" sz="2000" dirty="0"/>
-          </a:p>
-          <a:p>
-            <a:r>
-              <a:rPr lang="en-US" sz="2000" dirty="0" smtClean="0"/>
-              <a:t>KeyFrame.java……………..Key Generation</a:t>
-            </a:r>
-          </a:p>
-          <a:p>
-            <a:r>
-              <a:rPr lang="en-US" sz="2000" dirty="0" smtClean="0"/>
-              <a:t>QuickDES.java……………..Encryption &amp; Decryption</a:t>
-            </a:r>
-          </a:p>
-          <a:p>
-            <a:r>
-              <a:rPr lang="en-US" sz="2000" dirty="0" smtClean="0"/>
-              <a:t>BitList.java…………………..Custom </a:t>
-            </a:r>
-            <a:r>
-              <a:rPr lang="en-US" sz="2000" dirty="0" err="1" smtClean="0"/>
-              <a:t>BitSet</a:t>
-            </a:r>
-            <a:r>
-              <a:rPr lang="en-US" sz="2000" dirty="0" smtClean="0"/>
-              <a:t> extension</a:t>
-            </a:r>
-          </a:p>
-          <a:p>
-            <a:r>
-              <a:rPr lang="en-US" sz="2000" dirty="0" smtClean="0"/>
-              <a:t>ConvertString.java………..Used for converting string to </a:t>
-            </a:r>
-            <a:r>
-              <a:rPr lang="en-US" sz="2000" dirty="0" err="1" smtClean="0"/>
-              <a:t>BitList</a:t>
-            </a:r>
-            <a:r>
-              <a:rPr lang="en-US" sz="2000" dirty="0" smtClean="0"/>
-              <a:t>, vice versa</a:t>
-            </a:r>
-          </a:p>
-          <a:p>
-            <a:r>
-              <a:rPr lang="en-US" sz="2000" dirty="0" smtClean="0"/>
-              <a:t>Node.java…………………….Used for visualization</a:t>
-            </a:r>
-          </a:p>
-          <a:p>
-            <a:r>
-              <a:rPr lang="en-US" sz="2000" dirty="0" smtClean="0"/>
-              <a:t>EncryptPanel.java………….Hand drawn </a:t>
-            </a:r>
-            <a:r>
-              <a:rPr lang="en-US" sz="2000" dirty="0" err="1" smtClean="0"/>
-              <a:t>Fiestel</a:t>
-            </a:r>
-            <a:r>
-              <a:rPr lang="en-US" sz="2000" dirty="0" smtClean="0"/>
-              <a:t> Structure including encryption and decryption.</a:t>
-            </a:r>
-          </a:p>
-          <a:p>
-            <a:r>
-              <a:rPr lang="en-US" sz="2000" dirty="0" smtClean="0"/>
-              <a:t>RoundPanel.java……………Used in </a:t>
-            </a:r>
-            <a:r>
-              <a:rPr lang="en-US" sz="2000" dirty="0" err="1" smtClean="0"/>
-              <a:t>EncryptPanel</a:t>
-            </a:r>
-            <a:r>
-              <a:rPr lang="en-US" sz="2000" dirty="0" smtClean="0"/>
-              <a:t> to visualize each round</a:t>
-            </a:r>
-            <a:endParaRPr lang="en-US" sz="2000" dirty="0" smtClean="0"/>
+              <a:rPr lang="en-US" dirty="0" smtClean="0"/>
+              <a:t>We primarily used </a:t>
+            </a:r>
+            <a:r>
+              <a:rPr lang="en-US" dirty="0" smtClean="0"/>
+              <a:t>simple text </a:t>
+            </a:r>
+            <a:r>
+              <a:rPr lang="en-US" dirty="0" smtClean="0"/>
+              <a:t>editors in Linux and Windows </a:t>
+            </a:r>
+            <a:r>
+              <a:rPr lang="en-US" dirty="0" smtClean="0"/>
+              <a:t>environments (</a:t>
+            </a:r>
+            <a:r>
+              <a:rPr lang="en-US" dirty="0" err="1" smtClean="0"/>
+              <a:t>gedit</a:t>
+            </a:r>
+            <a:r>
+              <a:rPr lang="en-US" dirty="0" smtClean="0"/>
+              <a:t>, notepad++).</a:t>
+            </a:r>
+            <a:endParaRPr lang="en-US" dirty="0" smtClean="0"/>
+          </a:p>
+          <a:p>
+            <a:r>
+              <a:rPr lang="en-US" dirty="0" smtClean="0"/>
+              <a:t>Began to use </a:t>
+            </a:r>
+            <a:r>
+              <a:rPr lang="en-US" dirty="0" err="1" smtClean="0"/>
+              <a:t>Netbeans</a:t>
+            </a:r>
+            <a:r>
+              <a:rPr lang="en-US" dirty="0" smtClean="0"/>
+              <a:t> IDE about halfway through the project.</a:t>
+            </a:r>
+          </a:p>
+          <a:p>
+            <a:pPr lvl="1"/>
+            <a:r>
+              <a:rPr lang="en-US" dirty="0" smtClean="0"/>
+              <a:t>GUI creation is </a:t>
+            </a:r>
+            <a:r>
+              <a:rPr lang="en-US" dirty="0" smtClean="0"/>
+              <a:t>much easier/better</a:t>
+            </a:r>
+            <a:r>
+              <a:rPr lang="en-US" dirty="0" smtClean="0"/>
+              <a:t>.</a:t>
+            </a:r>
+          </a:p>
+          <a:p>
+            <a:pPr lvl="1"/>
+            <a:r>
+              <a:rPr lang="en-US" dirty="0" smtClean="0"/>
+              <a:t>Speeds up development through code completion and automation of other repetitive tasks</a:t>
+            </a:r>
+            <a:r>
+              <a:rPr lang="en-US" dirty="0" smtClean="0"/>
+              <a:t>.</a:t>
+            </a:r>
+          </a:p>
+          <a:p>
+            <a:pPr lvl="1"/>
+            <a:endParaRPr lang="en-US" dirty="0" smtClean="0"/>
+          </a:p>
+          <a:p>
+            <a:pPr lvl="1"/>
+            <a:endParaRPr lang="en-US" dirty="0" smtClean="0"/>
           </a:p>
         </p:txBody>
       </p:sp>
@@ -4449,13 +6084,698 @@
   <p:clrMapOvr>
     <a:masterClrMapping/>
   </p:clrMapOvr>
-  <p:timing>
-    <p:tnLst>
-      <p:par>
-        <p:cTn id="1" dur="indefinite" restart="never" nodeType="tmRoot"/>
-      </p:par>
-    </p:tnLst>
-  </p:timing>
+</p:sld>
+</file>
+
+<file path=ppt/slides/slide6.xml><?xml version="1.0" encoding="utf-8"?>
+<p:sld xmlns:a="http://schemas.openxmlformats.org/drawingml/2006/main" xmlns:r="http://schemas.openxmlformats.org/officeDocument/2006/relationships" xmlns:p="http://schemas.openxmlformats.org/presentationml/2006/main">
+  <p:cSld>
+    <p:spTree>
+      <p:nvGrpSpPr>
+        <p:cNvPr id="1" name=""/>
+        <p:cNvGrpSpPr/>
+        <p:nvPr/>
+      </p:nvGrpSpPr>
+      <p:grpSpPr>
+        <a:xfrm>
+          <a:off x="0" y="0"/>
+          <a:ext cx="0" cy="0"/>
+          <a:chOff x="0" y="0"/>
+          <a:chExt cx="0" cy="0"/>
+        </a:xfrm>
+      </p:grpSpPr>
+      <p:sp>
+        <p:nvSpPr>
+          <p:cNvPr id="2" name="Title 1"/>
+          <p:cNvSpPr>
+            <a:spLocks noGrp="1"/>
+          </p:cNvSpPr>
+          <p:nvPr>
+            <p:ph type="title"/>
+          </p:nvPr>
+        </p:nvSpPr>
+        <p:spPr/>
+        <p:txBody>
+          <a:bodyPr/>
+          <a:lstStyle/>
+          <a:p>
+            <a:r>
+              <a:rPr lang="en-US" dirty="0" smtClean="0"/>
+              <a:t>The DES algorithm</a:t>
+            </a:r>
+            <a:endParaRPr lang="en-US" dirty="0"/>
+          </a:p>
+        </p:txBody>
+      </p:sp>
+      <p:sp>
+        <p:nvSpPr>
+          <p:cNvPr id="3" name="Content Placeholder 2"/>
+          <p:cNvSpPr>
+            <a:spLocks noGrp="1"/>
+          </p:cNvSpPr>
+          <p:nvPr>
+            <p:ph idx="1"/>
+          </p:nvPr>
+        </p:nvSpPr>
+        <p:spPr/>
+        <p:txBody>
+          <a:bodyPr>
+            <a:normAutofit/>
+          </a:bodyPr>
+          <a:lstStyle/>
+          <a:p>
+            <a:r>
+              <a:rPr lang="en-US" dirty="0" smtClean="0"/>
+              <a:t>Block cipher; uses  a 64-bit block size.</a:t>
+            </a:r>
+            <a:endParaRPr lang="en-US" dirty="0" smtClean="0"/>
+          </a:p>
+          <a:p>
+            <a:r>
+              <a:rPr lang="en-US" dirty="0" smtClean="0"/>
+              <a:t>Base key is 56 bits</a:t>
+            </a:r>
+          </a:p>
+          <a:p>
+            <a:pPr lvl="1"/>
+            <a:r>
+              <a:rPr lang="en-US" sz="1600" dirty="0" smtClean="0"/>
+              <a:t>Used to generate 16 </a:t>
+            </a:r>
+            <a:r>
+              <a:rPr lang="en-US" sz="1600" dirty="0" err="1" smtClean="0"/>
+              <a:t>subkeys</a:t>
+            </a:r>
+            <a:r>
+              <a:rPr lang="en-US" sz="1600" dirty="0" smtClean="0"/>
+              <a:t>, each of 48 bits</a:t>
+            </a:r>
+          </a:p>
+          <a:p>
+            <a:pPr lvl="1"/>
+            <a:r>
+              <a:rPr lang="en-US" sz="1600" dirty="0" smtClean="0"/>
+              <a:t>Done with a series of shifts and permutations </a:t>
+            </a:r>
+            <a:endParaRPr lang="en-US" dirty="0" smtClean="0"/>
+          </a:p>
+          <a:p>
+            <a:r>
+              <a:rPr lang="en-US" dirty="0" smtClean="0"/>
+              <a:t>Initial </a:t>
+            </a:r>
+            <a:r>
+              <a:rPr lang="en-US" dirty="0" smtClean="0"/>
+              <a:t>permutation</a:t>
+            </a:r>
+            <a:endParaRPr lang="en-US" dirty="0" smtClean="0"/>
+          </a:p>
+          <a:p>
+            <a:r>
+              <a:rPr lang="en-US" dirty="0" smtClean="0"/>
+              <a:t>16 rounds of processing</a:t>
+            </a:r>
+          </a:p>
+          <a:p>
+            <a:pPr lvl="1"/>
+            <a:r>
+              <a:rPr lang="en-US" sz="1600" dirty="0" smtClean="0"/>
+              <a:t>This is the core of the algorithm, called the “</a:t>
+            </a:r>
+            <a:r>
+              <a:rPr lang="en-US" sz="1600" dirty="0" err="1" smtClean="0"/>
+              <a:t>Feistel</a:t>
+            </a:r>
+            <a:r>
+              <a:rPr lang="en-US" sz="1600" dirty="0" smtClean="0"/>
+              <a:t> Structure”</a:t>
+            </a:r>
+          </a:p>
+          <a:p>
+            <a:pPr lvl="1"/>
+            <a:r>
+              <a:rPr lang="en-US" sz="1600" dirty="0" smtClean="0"/>
+              <a:t>Each round uses one of the </a:t>
+            </a:r>
+            <a:r>
+              <a:rPr lang="en-US" sz="1600" dirty="0" err="1" smtClean="0"/>
+              <a:t>subkeys</a:t>
+            </a:r>
+            <a:r>
+              <a:rPr lang="en-US" sz="1600" dirty="0" smtClean="0"/>
+              <a:t> and the previous round’s output.</a:t>
+            </a:r>
+          </a:p>
+          <a:p>
+            <a:pPr lvl="1"/>
+            <a:r>
+              <a:rPr lang="en-US" sz="1600" dirty="0" smtClean="0"/>
+              <a:t>Each round consists of a left-right swap,  an expansion function, an XOR, de-expansion function (the “S-boxes”),  a permutation, and another  XOR.</a:t>
+            </a:r>
+          </a:p>
+          <a:p>
+            <a:r>
+              <a:rPr lang="en-US" dirty="0" smtClean="0"/>
+              <a:t>Final permutation</a:t>
+            </a:r>
+            <a:endParaRPr lang="en-US" dirty="0" smtClean="0"/>
+          </a:p>
+          <a:p>
+            <a:pPr lvl="1">
+              <a:buNone/>
+            </a:pPr>
+            <a:endParaRPr lang="en-US" sz="1600" dirty="0" smtClean="0"/>
+          </a:p>
+          <a:p>
+            <a:pPr>
+              <a:buNone/>
+            </a:pPr>
+            <a:endParaRPr lang="en-US" dirty="0" smtClean="0"/>
+          </a:p>
+          <a:p>
+            <a:endParaRPr lang="en-US" dirty="0"/>
+          </a:p>
+        </p:txBody>
+      </p:sp>
+    </p:spTree>
+  </p:cSld>
+  <p:clrMapOvr>
+    <a:masterClrMapping/>
+  </p:clrMapOvr>
+</p:sld>
+</file>
+
+<file path=ppt/slides/slide7.xml><?xml version="1.0" encoding="utf-8"?>
+<p:sld xmlns:a="http://schemas.openxmlformats.org/drawingml/2006/main" xmlns:r="http://schemas.openxmlformats.org/officeDocument/2006/relationships" xmlns:p="http://schemas.openxmlformats.org/presentationml/2006/main">
+  <p:cSld>
+    <p:spTree>
+      <p:nvGrpSpPr>
+        <p:cNvPr id="1" name=""/>
+        <p:cNvGrpSpPr/>
+        <p:nvPr/>
+      </p:nvGrpSpPr>
+      <p:grpSpPr>
+        <a:xfrm>
+          <a:off x="0" y="0"/>
+          <a:ext cx="0" cy="0"/>
+          <a:chOff x="0" y="0"/>
+          <a:chExt cx="0" cy="0"/>
+        </a:xfrm>
+      </p:grpSpPr>
+      <p:sp>
+        <p:nvSpPr>
+          <p:cNvPr id="2" name="Title 1"/>
+          <p:cNvSpPr>
+            <a:spLocks noGrp="1"/>
+          </p:cNvSpPr>
+          <p:nvPr>
+            <p:ph type="title"/>
+          </p:nvPr>
+        </p:nvSpPr>
+        <p:spPr/>
+        <p:txBody>
+          <a:bodyPr/>
+          <a:lstStyle/>
+          <a:p>
+            <a:r>
+              <a:rPr lang="en-US" dirty="0" smtClean="0"/>
+              <a:t>Implementing DES</a:t>
+            </a:r>
+            <a:endParaRPr lang="en-US" dirty="0"/>
+          </a:p>
+        </p:txBody>
+      </p:sp>
+      <p:sp>
+        <p:nvSpPr>
+          <p:cNvPr id="3" name="Content Placeholder 2"/>
+          <p:cNvSpPr>
+            <a:spLocks noGrp="1"/>
+          </p:cNvSpPr>
+          <p:nvPr>
+            <p:ph idx="1"/>
+          </p:nvPr>
+        </p:nvSpPr>
+        <p:spPr/>
+        <p:txBody>
+          <a:bodyPr>
+            <a:normAutofit/>
+          </a:bodyPr>
+          <a:lstStyle/>
+          <a:p>
+            <a:r>
+              <a:rPr lang="en-US" dirty="0" err="1" smtClean="0"/>
+              <a:t>BitList</a:t>
+            </a:r>
+            <a:endParaRPr lang="en-US" dirty="0" smtClean="0"/>
+          </a:p>
+          <a:p>
+            <a:pPr lvl="1"/>
+            <a:r>
+              <a:rPr lang="en-US" sz="1600" dirty="0" smtClean="0"/>
+              <a:t>Essentially a </a:t>
+            </a:r>
+            <a:r>
+              <a:rPr lang="en-US" sz="1600" dirty="0" smtClean="0"/>
+              <a:t>fancy </a:t>
+            </a:r>
+            <a:r>
+              <a:rPr lang="en-US" sz="1600" dirty="0" smtClean="0"/>
+              <a:t>array of </a:t>
+            </a:r>
+            <a:r>
+              <a:rPr lang="en-US" sz="1600" dirty="0" err="1" smtClean="0"/>
+              <a:t>booleans</a:t>
+            </a:r>
+            <a:endParaRPr lang="en-US" sz="1600" dirty="0" smtClean="0"/>
+          </a:p>
+          <a:p>
+            <a:pPr lvl="1"/>
+            <a:r>
+              <a:rPr lang="en-US" sz="1600" dirty="0" smtClean="0"/>
+              <a:t>Extends </a:t>
+            </a:r>
+            <a:r>
+              <a:rPr lang="en-US" sz="1600" dirty="0" smtClean="0"/>
+              <a:t>built-in </a:t>
+            </a:r>
+            <a:r>
+              <a:rPr lang="en-US" sz="1600" dirty="0" err="1" smtClean="0"/>
+              <a:t>BitSet</a:t>
+            </a:r>
+            <a:r>
+              <a:rPr lang="en-US" sz="1600" dirty="0" smtClean="0"/>
+              <a:t> class</a:t>
+            </a:r>
+          </a:p>
+          <a:p>
+            <a:pPr lvl="1"/>
+            <a:r>
+              <a:rPr lang="en-US" sz="1600" dirty="0" smtClean="0"/>
+              <a:t>Bit Set sometimes creates more bits than requested, doesn’t report size “properly”, and doesn’t have useful constructors.  </a:t>
+            </a:r>
+            <a:r>
+              <a:rPr lang="en-US" sz="1600" dirty="0" err="1" smtClean="0"/>
+              <a:t>BitList</a:t>
+            </a:r>
+            <a:r>
+              <a:rPr lang="en-US" sz="1600" dirty="0" smtClean="0"/>
+              <a:t> fixes those issues.</a:t>
+            </a:r>
+          </a:p>
+          <a:p>
+            <a:pPr lvl="1"/>
+            <a:r>
+              <a:rPr lang="en-US" sz="1600" dirty="0" err="1" smtClean="0"/>
+              <a:t>BitList</a:t>
+            </a:r>
+            <a:r>
+              <a:rPr lang="en-US" sz="1600" dirty="0" smtClean="0"/>
+              <a:t> also attaches a “color” to each bit that sticks to it with it when the </a:t>
+            </a:r>
+            <a:r>
+              <a:rPr lang="en-US" sz="1600" dirty="0" err="1" smtClean="0"/>
+              <a:t>BitList</a:t>
+            </a:r>
+            <a:r>
+              <a:rPr lang="en-US" sz="1600" dirty="0" smtClean="0"/>
+              <a:t> is permuted or copied.</a:t>
+            </a:r>
+          </a:p>
+          <a:p>
+            <a:pPr lvl="1"/>
+            <a:endParaRPr lang="en-US" dirty="0" smtClean="0"/>
+          </a:p>
+          <a:p>
+            <a:r>
+              <a:rPr lang="en-US" dirty="0" err="1" smtClean="0"/>
+              <a:t>DES.permute</a:t>
+            </a:r>
+            <a:r>
+              <a:rPr lang="en-US" dirty="0" smtClean="0"/>
+              <a:t>()</a:t>
+            </a:r>
+          </a:p>
+          <a:p>
+            <a:pPr lvl="1"/>
+            <a:r>
+              <a:rPr lang="en-US" sz="1600" dirty="0" smtClean="0"/>
+              <a:t>Copies bits of an input </a:t>
+            </a:r>
+            <a:r>
+              <a:rPr lang="en-US" sz="1600" dirty="0" err="1" smtClean="0"/>
+              <a:t>BitList</a:t>
+            </a:r>
+            <a:r>
+              <a:rPr lang="en-US" sz="1600" dirty="0" smtClean="0"/>
+              <a:t> to an output </a:t>
+            </a:r>
+            <a:r>
+              <a:rPr lang="en-US" sz="1600" dirty="0" err="1" smtClean="0"/>
+              <a:t>BitList</a:t>
+            </a:r>
+            <a:endParaRPr lang="en-US" sz="1600" dirty="0" smtClean="0"/>
+          </a:p>
+          <a:p>
+            <a:pPr lvl="1"/>
+            <a:r>
+              <a:rPr lang="en-US" sz="1600" dirty="0" smtClean="0"/>
+              <a:t>Uses the mapping provided by an input array of integers</a:t>
+            </a:r>
+          </a:p>
+          <a:p>
+            <a:pPr lvl="1"/>
+            <a:r>
+              <a:rPr lang="en-US" sz="1600" dirty="0" smtClean="0"/>
+              <a:t>Bit-shifts,  left-right swaps, expansion </a:t>
+            </a:r>
+            <a:r>
+              <a:rPr lang="en-US" sz="1600" dirty="0" smtClean="0"/>
+              <a:t>function are </a:t>
+            </a:r>
+            <a:r>
+              <a:rPr lang="en-US" sz="1600" dirty="0" smtClean="0"/>
+              <a:t>all implemented as permutations </a:t>
+            </a:r>
+            <a:r>
+              <a:rPr lang="en-US" sz="1600" dirty="0" smtClean="0"/>
+              <a:t>.</a:t>
+            </a:r>
+            <a:endParaRPr lang="en-US" sz="1600" dirty="0" smtClean="0"/>
+          </a:p>
+          <a:p>
+            <a:endParaRPr lang="en-US" dirty="0" smtClean="0"/>
+          </a:p>
+        </p:txBody>
+      </p:sp>
+    </p:spTree>
+  </p:cSld>
+  <p:clrMapOvr>
+    <a:masterClrMapping/>
+  </p:clrMapOvr>
+</p:sld>
+</file>
+
+<file path=ppt/slides/slide8.xml><?xml version="1.0" encoding="utf-8"?>
+<p:sld xmlns:a="http://schemas.openxmlformats.org/drawingml/2006/main" xmlns:r="http://schemas.openxmlformats.org/officeDocument/2006/relationships" xmlns:p="http://schemas.openxmlformats.org/presentationml/2006/main">
+  <p:cSld>
+    <p:spTree>
+      <p:nvGrpSpPr>
+        <p:cNvPr id="1" name=""/>
+        <p:cNvGrpSpPr/>
+        <p:nvPr/>
+      </p:nvGrpSpPr>
+      <p:grpSpPr>
+        <a:xfrm>
+          <a:off x="0" y="0"/>
+          <a:ext cx="0" cy="0"/>
+          <a:chOff x="0" y="0"/>
+          <a:chExt cx="0" cy="0"/>
+        </a:xfrm>
+      </p:grpSpPr>
+      <p:sp>
+        <p:nvSpPr>
+          <p:cNvPr id="2" name="Title 1"/>
+          <p:cNvSpPr>
+            <a:spLocks noGrp="1"/>
+          </p:cNvSpPr>
+          <p:nvPr>
+            <p:ph type="title"/>
+          </p:nvPr>
+        </p:nvSpPr>
+        <p:spPr/>
+        <p:txBody>
+          <a:bodyPr/>
+          <a:lstStyle/>
+          <a:p>
+            <a:r>
+              <a:rPr lang="en-US" dirty="0" smtClean="0"/>
+              <a:t>Implementing DES</a:t>
+            </a:r>
+            <a:endParaRPr lang="en-US" dirty="0"/>
+          </a:p>
+        </p:txBody>
+      </p:sp>
+      <p:sp>
+        <p:nvSpPr>
+          <p:cNvPr id="3" name="Content Placeholder 2"/>
+          <p:cNvSpPr>
+            <a:spLocks noGrp="1"/>
+          </p:cNvSpPr>
+          <p:nvPr>
+            <p:ph idx="1"/>
+          </p:nvPr>
+        </p:nvSpPr>
+        <p:spPr/>
+        <p:txBody>
+          <a:bodyPr>
+            <a:normAutofit/>
+          </a:bodyPr>
+          <a:lstStyle/>
+          <a:p>
+            <a:r>
+              <a:rPr lang="en-US" dirty="0" smtClean="0"/>
+              <a:t>S-Boxes</a:t>
+            </a:r>
+          </a:p>
+          <a:p>
+            <a:pPr lvl="1"/>
+            <a:r>
+              <a:rPr lang="en-US" sz="1600" dirty="0" smtClean="0"/>
+              <a:t>Reduces 6 bits down to 4 bits.</a:t>
+            </a:r>
+          </a:p>
+          <a:p>
+            <a:pPr lvl="1"/>
+            <a:r>
+              <a:rPr lang="en-US" sz="1600" dirty="0" smtClean="0"/>
+              <a:t>This is not a permutation.</a:t>
+            </a:r>
+          </a:p>
+          <a:p>
+            <a:pPr lvl="1"/>
+            <a:r>
+              <a:rPr lang="en-US" sz="1600" dirty="0" smtClean="0"/>
+              <a:t>There are 8 S-boxes, all similar.</a:t>
+            </a:r>
+          </a:p>
+          <a:p>
+            <a:pPr lvl="1"/>
+            <a:r>
+              <a:rPr lang="en-US" sz="1600" dirty="0" smtClean="0"/>
+              <a:t>We implemented them as a lookup table.  Input is an integer (1-8) and a 6-bit </a:t>
+            </a:r>
+            <a:r>
+              <a:rPr lang="en-US" sz="1600" dirty="0" err="1" smtClean="0"/>
+              <a:t>BitList</a:t>
+            </a:r>
+            <a:r>
+              <a:rPr lang="en-US" sz="1600" dirty="0" smtClean="0"/>
+              <a:t>; output is a 4-bit </a:t>
+            </a:r>
+            <a:r>
+              <a:rPr lang="en-US" sz="1600" dirty="0" err="1" smtClean="0"/>
+              <a:t>Bitlist</a:t>
+            </a:r>
+            <a:r>
+              <a:rPr lang="en-US" sz="1600" dirty="0" smtClean="0"/>
+              <a:t>.</a:t>
+            </a:r>
+          </a:p>
+          <a:p>
+            <a:r>
+              <a:rPr lang="en-US" dirty="0" err="1" smtClean="0"/>
+              <a:t>DES.generateKeys</a:t>
+            </a:r>
+            <a:r>
+              <a:rPr lang="en-US" dirty="0" smtClean="0"/>
+              <a:t>()</a:t>
+            </a:r>
+          </a:p>
+          <a:p>
+            <a:pPr lvl="1"/>
+            <a:r>
+              <a:rPr lang="en-US" sz="1600" dirty="0" smtClean="0"/>
+              <a:t>64 bit-input, but 8 bits are unused</a:t>
+            </a:r>
+          </a:p>
+          <a:p>
+            <a:pPr lvl="1"/>
+            <a:r>
+              <a:rPr lang="en-US" sz="1600" dirty="0" smtClean="0"/>
+              <a:t>Returns an array of 16 </a:t>
+            </a:r>
+            <a:r>
+              <a:rPr lang="en-US" sz="1600" dirty="0" err="1" smtClean="0"/>
+              <a:t>BitLists</a:t>
+            </a:r>
+            <a:r>
+              <a:rPr lang="en-US" sz="1600" dirty="0" smtClean="0"/>
+              <a:t>, each of length 48.</a:t>
+            </a:r>
+            <a:endParaRPr lang="en-US" sz="1600" dirty="0" smtClean="0"/>
+          </a:p>
+          <a:p>
+            <a:r>
+              <a:rPr lang="en-US" dirty="0" err="1" smtClean="0"/>
+              <a:t>DES.round</a:t>
+            </a:r>
+            <a:r>
+              <a:rPr lang="en-US" dirty="0" smtClean="0"/>
+              <a:t>()</a:t>
+            </a:r>
+          </a:p>
+          <a:p>
+            <a:r>
+              <a:rPr lang="en-US" dirty="0" err="1" smtClean="0"/>
+              <a:t>DES.encrypt</a:t>
+            </a:r>
+            <a:r>
+              <a:rPr lang="en-US" dirty="0" smtClean="0"/>
+              <a:t>()</a:t>
+            </a:r>
+          </a:p>
+          <a:p>
+            <a:r>
+              <a:rPr lang="en-US" dirty="0" err="1" smtClean="0"/>
+              <a:t>DES.decrypt</a:t>
+            </a:r>
+            <a:r>
+              <a:rPr lang="en-US" dirty="0" smtClean="0"/>
+              <a:t>()</a:t>
+            </a:r>
+          </a:p>
+          <a:p>
+            <a:endParaRPr lang="en-US" dirty="0" smtClean="0"/>
+          </a:p>
+        </p:txBody>
+      </p:sp>
+    </p:spTree>
+  </p:cSld>
+  <p:clrMapOvr>
+    <a:masterClrMapping/>
+  </p:clrMapOvr>
+</p:sld>
+</file>
+
+<file path=ppt/slides/slide9.xml><?xml version="1.0" encoding="utf-8"?>
+<p:sld xmlns:a="http://schemas.openxmlformats.org/drawingml/2006/main" xmlns:r="http://schemas.openxmlformats.org/officeDocument/2006/relationships" xmlns:p="http://schemas.openxmlformats.org/presentationml/2006/main">
+  <p:cSld>
+    <p:spTree>
+      <p:nvGrpSpPr>
+        <p:cNvPr id="1" name=""/>
+        <p:cNvGrpSpPr/>
+        <p:nvPr/>
+      </p:nvGrpSpPr>
+      <p:grpSpPr>
+        <a:xfrm>
+          <a:off x="0" y="0"/>
+          <a:ext cx="0" cy="0"/>
+          <a:chOff x="0" y="0"/>
+          <a:chExt cx="0" cy="0"/>
+        </a:xfrm>
+      </p:grpSpPr>
+      <p:sp>
+        <p:nvSpPr>
+          <p:cNvPr id="2" name="Title 1"/>
+          <p:cNvSpPr>
+            <a:spLocks noGrp="1"/>
+          </p:cNvSpPr>
+          <p:nvPr>
+            <p:ph type="title"/>
+          </p:nvPr>
+        </p:nvSpPr>
+        <p:spPr/>
+        <p:txBody>
+          <a:bodyPr/>
+          <a:lstStyle/>
+          <a:p>
+            <a:r>
+              <a:rPr lang="en-US" dirty="0" smtClean="0"/>
+              <a:t>Visualization</a:t>
+            </a:r>
+            <a:endParaRPr lang="en-US" dirty="0"/>
+          </a:p>
+        </p:txBody>
+      </p:sp>
+      <p:sp>
+        <p:nvSpPr>
+          <p:cNvPr id="3" name="Content Placeholder 2"/>
+          <p:cNvSpPr>
+            <a:spLocks noGrp="1"/>
+          </p:cNvSpPr>
+          <p:nvPr>
+            <p:ph idx="1"/>
+          </p:nvPr>
+        </p:nvSpPr>
+        <p:spPr/>
+        <p:txBody>
+          <a:bodyPr/>
+          <a:lstStyle/>
+          <a:p>
+            <a:r>
+              <a:rPr lang="en-US" dirty="0" smtClean="0"/>
+              <a:t>Java Graphics2D</a:t>
+            </a:r>
+          </a:p>
+          <a:p>
+            <a:r>
+              <a:rPr lang="en-US" dirty="0" smtClean="0"/>
+              <a:t>Animates a binary string based off permutation map.</a:t>
+            </a:r>
+          </a:p>
+          <a:p>
+            <a:r>
+              <a:rPr lang="en-US" dirty="0" smtClean="0"/>
+              <a:t>Individual bits are created as Node objects</a:t>
+            </a:r>
+          </a:p>
+          <a:p>
+            <a:r>
+              <a:rPr lang="en-US" dirty="0" smtClean="0"/>
+              <a:t>Animation is contained within separate thread.</a:t>
+            </a:r>
+          </a:p>
+          <a:p>
+            <a:r>
+              <a:rPr lang="en-US" dirty="0" smtClean="0"/>
+              <a:t>Overrides </a:t>
+            </a:r>
+            <a:r>
+              <a:rPr lang="en-US" dirty="0" err="1" smtClean="0"/>
+              <a:t>paintComponent</a:t>
+            </a:r>
+            <a:r>
+              <a:rPr lang="en-US" dirty="0" smtClean="0"/>
+              <a:t> method for </a:t>
+            </a:r>
+            <a:r>
+              <a:rPr lang="en-US" dirty="0" err="1" smtClean="0"/>
+              <a:t>JPanel</a:t>
+            </a:r>
+            <a:r>
+              <a:rPr lang="en-US" dirty="0" smtClean="0"/>
+              <a:t>.</a:t>
+            </a:r>
+          </a:p>
+          <a:p>
+            <a:r>
+              <a:rPr lang="en-US" dirty="0" smtClean="0"/>
+              <a:t>Update position of nodes, repaint.</a:t>
+            </a:r>
+          </a:p>
+          <a:p>
+            <a:pPr>
+              <a:buNone/>
+            </a:pPr>
+            <a:endParaRPr lang="en-US" dirty="0"/>
+          </a:p>
+        </p:txBody>
+      </p:sp>
+    </p:spTree>
+  </p:cSld>
+  <p:clrMapOvr>
+    <a:masterClrMapping/>
+  </p:clrMapOvr>
 </p:sld>
 </file>
 
@@ -4740,4 +7060,287 @@
   <a:objectDefaults/>
   <a:extraClrSchemeLst/>
 </a:theme>
+</file>
+
+<file path=ppt/theme/theme2.xml><?xml version="1.0" encoding="utf-8"?>
+<a:theme xmlns:a="http://schemas.openxmlformats.org/drawingml/2006/main" name="Office Theme">
+  <a:themeElements>
+    <a:clrScheme name="Office">
+      <a:dk1>
+        <a:sysClr val="windowText" lastClr="000000"/>
+      </a:dk1>
+      <a:lt1>
+        <a:sysClr val="window" lastClr="FFFFFF"/>
+      </a:lt1>
+      <a:dk2>
+        <a:srgbClr val="1F497D"/>
+      </a:dk2>
+      <a:lt2>
+        <a:srgbClr val="EEECE1"/>
+      </a:lt2>
+      <a:accent1>
+        <a:srgbClr val="4F81BD"/>
+      </a:accent1>
+      <a:accent2>
+        <a:srgbClr val="C0504D"/>
+      </a:accent2>
+      <a:accent3>
+        <a:srgbClr val="9BBB59"/>
+      </a:accent3>
+      <a:accent4>
+        <a:srgbClr val="8064A2"/>
+      </a:accent4>
+      <a:accent5>
+        <a:srgbClr val="4BACC6"/>
+      </a:accent5>
+      <a:accent6>
+        <a:srgbClr val="F79646"/>
+      </a:accent6>
+      <a:hlink>
+        <a:srgbClr val="0000FF"/>
+      </a:hlink>
+      <a:folHlink>
+        <a:srgbClr val="800080"/>
+      </a:folHlink>
+    </a:clrScheme>
+    <a:fontScheme name="Office">
+      <a:majorFont>
+        <a:latin typeface="Calibri"/>
+        <a:ea typeface=""/>
+        <a:cs typeface=""/>
+        <a:font script="Jpan" typeface="ＭＳ Ｐゴシック"/>
+        <a:font script="Hang" typeface="맑은 고딕"/>
+        <a:font script="Hans" typeface="宋体"/>
+        <a:font script="Hant" typeface="新細明體"/>
+        <a:font script="Arab" typeface="Times New Roman"/>
+        <a:font script="Hebr" typeface="Times New Roman"/>
+        <a:font script="Thai" typeface="Angsana New"/>
+        <a:font script="Ethi" typeface="Nyala"/>
+        <a:font script="Beng" typeface="Vrinda"/>
+        <a:font script="Gujr" typeface="Shruti"/>
+        <a:font script="Khmr" typeface="MoolBoran"/>
+        <a:font script="Knda" typeface="Tunga"/>
+        <a:font script="Guru" typeface="Raavi"/>
+        <a:font script="Cans" typeface="Euphemia"/>
+        <a:font script="Cher" typeface="Plantagenet Cherokee"/>
+        <a:font script="Yiii" typeface="Microsoft Yi Baiti"/>
+        <a:font script="Tibt" typeface="Microsoft Himalaya"/>
+        <a:font script="Thaa" typeface="MV Boli"/>
+        <a:font script="Deva" typeface="Mangal"/>
+        <a:font script="Telu" typeface="Gautami"/>
+        <a:font script="Taml" typeface="Latha"/>
+        <a:font script="Syrc" typeface="Estrangelo Edessa"/>
+        <a:font script="Orya" typeface="Kalinga"/>
+        <a:font script="Mlym" typeface="Kartika"/>
+        <a:font script="Laoo" typeface="DokChampa"/>
+        <a:font script="Sinh" typeface="Iskoola Pota"/>
+        <a:font script="Mong" typeface="Mongolian Baiti"/>
+        <a:font script="Viet" typeface="Times New Roman"/>
+        <a:font script="Uigh" typeface="Microsoft Uighur"/>
+      </a:majorFont>
+      <a:minorFont>
+        <a:latin typeface="Calibri"/>
+        <a:ea typeface=""/>
+        <a:cs typeface=""/>
+        <a:font script="Jpan" typeface="ＭＳ Ｐゴシック"/>
+        <a:font script="Hang" typeface="맑은 고딕"/>
+        <a:font script="Hans" typeface="宋体"/>
+        <a:font script="Hant" typeface="新細明體"/>
+        <a:font script="Arab" typeface="Arial"/>
+        <a:font script="Hebr" typeface="Arial"/>
+        <a:font script="Thai" typeface="Cordia New"/>
+        <a:font script="Ethi" typeface="Nyala"/>
+        <a:font script="Beng" typeface="Vrinda"/>
+        <a:font script="Gujr" typeface="Shruti"/>
+        <a:font script="Khmr" typeface="DaunPenh"/>
+        <a:font script="Knda" typeface="Tunga"/>
+        <a:font script="Guru" typeface="Raavi"/>
+        <a:font script="Cans" typeface="Euphemia"/>
+        <a:font script="Cher" typeface="Plantagenet Cherokee"/>
+        <a:font script="Yiii" typeface="Microsoft Yi Baiti"/>
+        <a:font script="Tibt" typeface="Microsoft Himalaya"/>
+        <a:font script="Thaa" typeface="MV Boli"/>
+        <a:font script="Deva" typeface="Mangal"/>
+        <a:font script="Telu" typeface="Gautami"/>
+        <a:font script="Taml" typeface="Latha"/>
+        <a:font script="Syrc" typeface="Estrangelo Edessa"/>
+        <a:font script="Orya" typeface="Kalinga"/>
+        <a:font script="Mlym" typeface="Kartika"/>
+        <a:font script="Laoo" typeface="DokChampa"/>
+        <a:font script="Sinh" typeface="Iskoola Pota"/>
+        <a:font script="Mong" typeface="Mongolian Baiti"/>
+        <a:font script="Viet" typeface="Arial"/>
+        <a:font script="Uigh" typeface="Microsoft Uighur"/>
+      </a:minorFont>
+    </a:fontScheme>
+    <a:fmtScheme name="Office">
+      <a:fillStyleLst>
+        <a:solidFill>
+          <a:schemeClr val="phClr"/>
+        </a:solidFill>
+        <a:gradFill rotWithShape="1">
+          <a:gsLst>
+            <a:gs pos="0">
+              <a:schemeClr val="phClr">
+                <a:tint val="50000"/>
+                <a:satMod val="300000"/>
+              </a:schemeClr>
+            </a:gs>
+            <a:gs pos="35000">
+              <a:schemeClr val="phClr">
+                <a:tint val="37000"/>
+                <a:satMod val="300000"/>
+              </a:schemeClr>
+            </a:gs>
+            <a:gs pos="100000">
+              <a:schemeClr val="phClr">
+                <a:tint val="15000"/>
+                <a:satMod val="350000"/>
+              </a:schemeClr>
+            </a:gs>
+          </a:gsLst>
+          <a:lin ang="16200000" scaled="1"/>
+        </a:gradFill>
+        <a:gradFill rotWithShape="1">
+          <a:gsLst>
+            <a:gs pos="0">
+              <a:schemeClr val="phClr">
+                <a:shade val="51000"/>
+                <a:satMod val="130000"/>
+              </a:schemeClr>
+            </a:gs>
+            <a:gs pos="80000">
+              <a:schemeClr val="phClr">
+                <a:shade val="93000"/>
+                <a:satMod val="130000"/>
+              </a:schemeClr>
+            </a:gs>
+            <a:gs pos="100000">
+              <a:schemeClr val="phClr">
+                <a:shade val="94000"/>
+                <a:satMod val="135000"/>
+              </a:schemeClr>
+            </a:gs>
+          </a:gsLst>
+          <a:lin ang="16200000" scaled="0"/>
+        </a:gradFill>
+      </a:fillStyleLst>
+      <a:lnStyleLst>
+        <a:ln w="9525" cap="flat" cmpd="sng" algn="ctr">
+          <a:solidFill>
+            <a:schemeClr val="phClr">
+              <a:shade val="95000"/>
+              <a:satMod val="105000"/>
+            </a:schemeClr>
+          </a:solidFill>
+          <a:prstDash val="solid"/>
+        </a:ln>
+        <a:ln w="25400" cap="flat" cmpd="sng" algn="ctr">
+          <a:solidFill>
+            <a:schemeClr val="phClr"/>
+          </a:solidFill>
+          <a:prstDash val="solid"/>
+        </a:ln>
+        <a:ln w="38100" cap="flat" cmpd="sng" algn="ctr">
+          <a:solidFill>
+            <a:schemeClr val="phClr"/>
+          </a:solidFill>
+          <a:prstDash val="solid"/>
+        </a:ln>
+      </a:lnStyleLst>
+      <a:effectStyleLst>
+        <a:effectStyle>
+          <a:effectLst>
+            <a:outerShdw blurRad="40000" dist="20000" dir="5400000" rotWithShape="0">
+              <a:srgbClr val="000000">
+                <a:alpha val="38000"/>
+              </a:srgbClr>
+            </a:outerShdw>
+          </a:effectLst>
+        </a:effectStyle>
+        <a:effectStyle>
+          <a:effectLst>
+            <a:outerShdw blurRad="40000" dist="23000" dir="5400000" rotWithShape="0">
+              <a:srgbClr val="000000">
+                <a:alpha val="35000"/>
+              </a:srgbClr>
+            </a:outerShdw>
+          </a:effectLst>
+        </a:effectStyle>
+        <a:effectStyle>
+          <a:effectLst>
+            <a:outerShdw blurRad="40000" dist="23000" dir="5400000" rotWithShape="0">
+              <a:srgbClr val="000000">
+                <a:alpha val="35000"/>
+              </a:srgbClr>
+            </a:outerShdw>
+          </a:effectLst>
+          <a:scene3d>
+            <a:camera prst="orthographicFront">
+              <a:rot lat="0" lon="0" rev="0"/>
+            </a:camera>
+            <a:lightRig rig="threePt" dir="t">
+              <a:rot lat="0" lon="0" rev="1200000"/>
+            </a:lightRig>
+          </a:scene3d>
+          <a:sp3d>
+            <a:bevelT w="63500" h="25400"/>
+          </a:sp3d>
+        </a:effectStyle>
+      </a:effectStyleLst>
+      <a:bgFillStyleLst>
+        <a:solidFill>
+          <a:schemeClr val="phClr"/>
+        </a:solidFill>
+        <a:gradFill rotWithShape="1">
+          <a:gsLst>
+            <a:gs pos="0">
+              <a:schemeClr val="phClr">
+                <a:tint val="40000"/>
+                <a:satMod val="350000"/>
+              </a:schemeClr>
+            </a:gs>
+            <a:gs pos="40000">
+              <a:schemeClr val="phClr">
+                <a:tint val="45000"/>
+                <a:shade val="99000"/>
+                <a:satMod val="350000"/>
+              </a:schemeClr>
+            </a:gs>
+            <a:gs pos="100000">
+              <a:schemeClr val="phClr">
+                <a:shade val="20000"/>
+                <a:satMod val="255000"/>
+              </a:schemeClr>
+            </a:gs>
+          </a:gsLst>
+          <a:path path="circle">
+            <a:fillToRect l="50000" t="-80000" r="50000" b="180000"/>
+          </a:path>
+        </a:gradFill>
+        <a:gradFill rotWithShape="1">
+          <a:gsLst>
+            <a:gs pos="0">
+              <a:schemeClr val="phClr">
+                <a:tint val="80000"/>
+                <a:satMod val="300000"/>
+              </a:schemeClr>
+            </a:gs>
+            <a:gs pos="100000">
+              <a:schemeClr val="phClr">
+                <a:shade val="30000"/>
+                <a:satMod val="200000"/>
+              </a:schemeClr>
+            </a:gs>
+          </a:gsLst>
+          <a:path path="circle">
+            <a:fillToRect l="50000" t="50000" r="50000" b="50000"/>
+          </a:path>
+        </a:gradFill>
+      </a:bgFillStyleLst>
+    </a:fmtScheme>
+  </a:themeElements>
+  <a:objectDefaults/>
+  <a:extraClrSchemeLst/>
+</a:theme>
 </file>